--- a/Automatic Ticket Assignment-Final Report.pptx
+++ b/Automatic Ticket Assignment-Final Report.pptx
@@ -142,11 +142,11 @@
 </file>
 
 <file path=ppt/diagrams/colors1.xml><?xml version="1.0" encoding="utf-8"?>
-<dgm:colorsDef xmlns:dgm="http://schemas.openxmlformats.org/drawingml/2006/diagram" xmlns:a="http://schemas.openxmlformats.org/drawingml/2006/main" uniqueId="urn:microsoft.com/office/officeart/2018/5/colors/Iconchunking_neutralicon_colorful1">
+<dgm:colorsDef xmlns:dgm="http://schemas.openxmlformats.org/drawingml/2006/diagram" xmlns:a="http://schemas.openxmlformats.org/drawingml/2006/main" uniqueId="urn:microsoft.com/office/officeart/2005/8/colors/colorful2">
   <dgm:title val=""/>
   <dgm:desc val=""/>
   <dgm:catLst>
-    <dgm:cat type="colorful" pri="10100"/>
+    <dgm:cat type="colorful" pri="10200"/>
   </dgm:catLst>
   <dgm:styleLbl name="node0">
     <dgm:fillClrLst meth="repeat">
@@ -161,35 +161,26 @@
     <dgm:txEffectClrLst/>
   </dgm:styleLbl>
   <dgm:styleLbl name="node1">
-    <dgm:fillClrLst meth="repeat">
-      <a:schemeClr val="bg1"/>
+    <dgm:fillClrLst>
+      <a:schemeClr val="accent2"/>
+      <a:schemeClr val="accent3"/>
     </dgm:fillClrLst>
     <dgm:linClrLst meth="repeat">
-      <a:schemeClr val="lt1">
-        <a:alpha val="0"/>
-      </a:schemeClr>
+      <a:schemeClr val="lt1"/>
     </dgm:linClrLst>
     <dgm:effectClrLst/>
     <dgm:txLinClrLst/>
-    <dgm:txFillClrLst meth="repeat">
-      <a:schemeClr val="dk1"/>
-    </dgm:txFillClrLst>
+    <dgm:txFillClrLst/>
     <dgm:txEffectClrLst/>
   </dgm:styleLbl>
   <dgm:styleLbl name="alignNode1">
-    <dgm:fillClrLst meth="repeat">
+    <dgm:fillClrLst>
       <a:schemeClr val="accent2"/>
       <a:schemeClr val="accent3"/>
-      <a:schemeClr val="accent4"/>
-      <a:schemeClr val="accent5"/>
-      <a:schemeClr val="accent6"/>
     </dgm:fillClrLst>
-    <dgm:linClrLst meth="repeat">
+    <dgm:linClrLst>
       <a:schemeClr val="accent2"/>
       <a:schemeClr val="accent3"/>
-      <a:schemeClr val="accent4"/>
-      <a:schemeClr val="accent5"/>
-      <a:schemeClr val="accent6"/>
     </dgm:linClrLst>
     <dgm:effectClrLst/>
     <dgm:txLinClrLst/>
@@ -197,12 +188,9 @@
     <dgm:txEffectClrLst/>
   </dgm:styleLbl>
   <dgm:styleLbl name="lnNode1">
-    <dgm:fillClrLst meth="repeat">
+    <dgm:fillClrLst>
       <a:schemeClr val="accent2"/>
       <a:schemeClr val="accent3"/>
-      <a:schemeClr val="accent4"/>
-      <a:schemeClr val="accent5"/>
-      <a:schemeClr val="accent6"/>
     </dgm:fillClrLst>
     <dgm:linClrLst meth="repeat">
       <a:schemeClr val="lt1"/>
@@ -213,20 +201,11 @@
     <dgm:txEffectClrLst/>
   </dgm:styleLbl>
   <dgm:styleLbl name="vennNode1">
-    <dgm:fillClrLst meth="repeat">
+    <dgm:fillClrLst>
       <a:schemeClr val="accent2">
         <a:alpha val="50000"/>
       </a:schemeClr>
       <a:schemeClr val="accent3">
-        <a:alpha val="50000"/>
-      </a:schemeClr>
-      <a:schemeClr val="accent4">
-        <a:alpha val="50000"/>
-      </a:schemeClr>
-      <a:schemeClr val="accent5">
-        <a:alpha val="50000"/>
-      </a:schemeClr>
-      <a:schemeClr val="accent6">
         <a:alpha val="50000"/>
       </a:schemeClr>
     </dgm:fillClrLst>
@@ -240,7 +219,7 @@
   </dgm:styleLbl>
   <dgm:styleLbl name="node2">
     <dgm:fillClrLst>
-      <a:schemeClr val="accent2"/>
+      <a:schemeClr val="accent3"/>
     </dgm:fillClrLst>
     <dgm:linClrLst meth="repeat">
       <a:schemeClr val="lt1"/>
@@ -252,7 +231,7 @@
   </dgm:styleLbl>
   <dgm:styleLbl name="node3">
     <dgm:fillClrLst>
-      <a:schemeClr val="accent3"/>
+      <a:schemeClr val="accent4"/>
     </dgm:fillClrLst>
     <dgm:linClrLst meth="repeat">
       <a:schemeClr val="lt1"/>
@@ -264,7 +243,7 @@
   </dgm:styleLbl>
   <dgm:styleLbl name="node4">
     <dgm:fillClrLst>
-      <a:schemeClr val="accent4"/>
+      <a:schemeClr val="accent5"/>
     </dgm:fillClrLst>
     <dgm:linClrLst meth="repeat">
       <a:schemeClr val="lt1"/>
@@ -275,20 +254,11 @@
     <dgm:txEffectClrLst/>
   </dgm:styleLbl>
   <dgm:styleLbl name="fgImgPlace1">
-    <dgm:fillClrLst meth="repeat">
+    <dgm:fillClrLst>
       <a:schemeClr val="accent2">
         <a:tint val="50000"/>
       </a:schemeClr>
       <a:schemeClr val="accent3">
-        <a:tint val="50000"/>
-      </a:schemeClr>
-      <a:schemeClr val="accent4">
-        <a:tint val="50000"/>
-      </a:schemeClr>
-      <a:schemeClr val="accent5">
-        <a:tint val="50000"/>
-      </a:schemeClr>
-      <a:schemeClr val="accent6">
         <a:tint val="50000"/>
       </a:schemeClr>
     </dgm:fillClrLst>
@@ -304,10 +274,10 @@
   </dgm:styleLbl>
   <dgm:styleLbl name="alignImgPlace1">
     <dgm:fillClrLst>
-      <a:schemeClr val="accent1">
+      <a:schemeClr val="accent2">
         <a:tint val="50000"/>
       </a:schemeClr>
-      <a:schemeClr val="accent2">
+      <a:schemeClr val="accent3">
         <a:tint val="20000"/>
       </a:schemeClr>
     </dgm:fillClrLst>
@@ -323,10 +293,10 @@
   </dgm:styleLbl>
   <dgm:styleLbl name="bgImgPlace1">
     <dgm:fillClrLst>
-      <a:schemeClr val="accent1">
+      <a:schemeClr val="accent2">
         <a:tint val="50000"/>
       </a:schemeClr>
-      <a:schemeClr val="accent2">
+      <a:schemeClr val="accent3">
         <a:tint val="20000"/>
       </a:schemeClr>
     </dgm:fillClrLst>
@@ -341,14 +311,11 @@
     <dgm:txEffectClrLst/>
   </dgm:styleLbl>
   <dgm:styleLbl name="sibTrans2D1">
-    <dgm:fillClrLst meth="repeat">
+    <dgm:fillClrLst>
       <a:schemeClr val="accent2"/>
       <a:schemeClr val="accent3"/>
-      <a:schemeClr val="accent4"/>
-      <a:schemeClr val="accent5"/>
-      <a:schemeClr val="accent6"/>
     </dgm:fillClrLst>
-    <dgm:linClrLst meth="cycle">
+    <dgm:linClrLst meth="repeat">
       <a:schemeClr val="lt1"/>
     </dgm:linClrLst>
     <dgm:effectClrLst/>
@@ -357,14 +324,11 @@
     <dgm:txEffectClrLst/>
   </dgm:styleLbl>
   <dgm:styleLbl name="fgSibTrans2D1">
-    <dgm:fillClrLst meth="repeat">
+    <dgm:fillClrLst>
       <a:schemeClr val="accent2"/>
       <a:schemeClr val="accent3"/>
-      <a:schemeClr val="accent4"/>
-      <a:schemeClr val="accent5"/>
-      <a:schemeClr val="accent6"/>
     </dgm:fillClrLst>
-    <dgm:linClrLst meth="cycle">
+    <dgm:linClrLst meth="repeat">
       <a:schemeClr val="lt1"/>
     </dgm:linClrLst>
     <dgm:effectClrLst/>
@@ -375,14 +339,11 @@
     <dgm:txEffectClrLst/>
   </dgm:styleLbl>
   <dgm:styleLbl name="bgSibTrans2D1">
-    <dgm:fillClrLst meth="repeat">
+    <dgm:fillClrLst>
       <a:schemeClr val="accent2"/>
       <a:schemeClr val="accent3"/>
-      <a:schemeClr val="accent4"/>
-      <a:schemeClr val="accent5"/>
-      <a:schemeClr val="accent6"/>
     </dgm:fillClrLst>
-    <dgm:linClrLst meth="cycle">
+    <dgm:linClrLst meth="repeat">
       <a:schemeClr val="lt1"/>
     </dgm:linClrLst>
     <dgm:effectClrLst/>
@@ -393,19 +354,10 @@
     <dgm:txEffectClrLst/>
   </dgm:styleLbl>
   <dgm:styleLbl name="sibTrans1D1">
-    <dgm:fillClrLst meth="repeat">
+    <dgm:fillClrLst/>
+    <dgm:linClrLst>
       <a:schemeClr val="accent2"/>
       <a:schemeClr val="accent3"/>
-      <a:schemeClr val="accent4"/>
-      <a:schemeClr val="accent5"/>
-      <a:schemeClr val="accent6"/>
-    </dgm:fillClrLst>
-    <dgm:linClrLst meth="repeat">
-      <a:schemeClr val="accent2"/>
-      <a:schemeClr val="accent3"/>
-      <a:schemeClr val="accent4"/>
-      <a:schemeClr val="accent5"/>
-      <a:schemeClr val="accent6"/>
     </dgm:linClrLst>
     <dgm:effectClrLst/>
     <dgm:txLinClrLst/>
@@ -432,10 +384,12 @@
   </dgm:styleLbl>
   <dgm:styleLbl name="asst0">
     <dgm:fillClrLst meth="repeat">
-      <a:schemeClr val="accent1"/>
+      <a:schemeClr val="accent2"/>
     </dgm:fillClrLst>
     <dgm:linClrLst meth="repeat">
-      <a:schemeClr val="lt1"/>
+      <a:schemeClr val="lt1">
+        <a:shade val="80000"/>
+      </a:schemeClr>
     </dgm:linClrLst>
     <dgm:effectClrLst/>
     <dgm:txLinClrLst/>
@@ -444,10 +398,12 @@
   </dgm:styleLbl>
   <dgm:styleLbl name="asst1">
     <dgm:fillClrLst meth="repeat">
-      <a:schemeClr val="accent2"/>
+      <a:schemeClr val="accent3"/>
     </dgm:fillClrLst>
     <dgm:linClrLst meth="repeat">
-      <a:schemeClr val="lt1"/>
+      <a:schemeClr val="lt1">
+        <a:shade val="80000"/>
+      </a:schemeClr>
     </dgm:linClrLst>
     <dgm:effectClrLst/>
     <dgm:txLinClrLst/>
@@ -456,7 +412,7 @@
   </dgm:styleLbl>
   <dgm:styleLbl name="asst2">
     <dgm:fillClrLst>
-      <a:schemeClr val="accent3"/>
+      <a:schemeClr val="accent4"/>
     </dgm:fillClrLst>
     <dgm:linClrLst meth="repeat">
       <a:schemeClr val="lt1"/>
@@ -468,7 +424,7 @@
   </dgm:styleLbl>
   <dgm:styleLbl name="asst3">
     <dgm:fillClrLst>
-      <a:schemeClr val="accent4"/>
+      <a:schemeClr val="accent5"/>
     </dgm:fillClrLst>
     <dgm:linClrLst meth="repeat">
       <a:schemeClr val="lt1"/>
@@ -480,7 +436,7 @@
   </dgm:styleLbl>
   <dgm:styleLbl name="asst4">
     <dgm:fillClrLst>
-      <a:schemeClr val="accent5"/>
+      <a:schemeClr val="accent6"/>
     </dgm:fillClrLst>
     <dgm:linClrLst meth="repeat">
       <a:schemeClr val="lt1"/>
@@ -547,7 +503,7 @@
       <a:schemeClr val="accent2"/>
     </dgm:fillClrLst>
     <dgm:linClrLst meth="repeat">
-      <a:schemeClr val="accent1"/>
+      <a:schemeClr val="accent2"/>
     </dgm:linClrLst>
     <dgm:effectClrLst/>
     <dgm:txLinClrLst/>
@@ -558,24 +514,8 @@
   </dgm:styleLbl>
   <dgm:styleLbl name="parChTrans1D2">
     <dgm:fillClrLst meth="repeat">
-      <a:schemeClr val="accent3">
+      <a:schemeClr val="accent2">
         <a:tint val="90000"/>
-      </a:schemeClr>
-    </dgm:fillClrLst>
-    <dgm:linClrLst meth="repeat">
-      <a:schemeClr val="accent2"/>
-    </dgm:linClrLst>
-    <dgm:effectClrLst/>
-    <dgm:txLinClrLst/>
-    <dgm:txFillClrLst meth="repeat">
-      <a:schemeClr val="tx1"/>
-    </dgm:txFillClrLst>
-    <dgm:txEffectClrLst/>
-  </dgm:styleLbl>
-  <dgm:styleLbl name="parChTrans1D3">
-    <dgm:fillClrLst meth="repeat">
-      <a:schemeClr val="accent4">
-        <a:tint val="70000"/>
       </a:schemeClr>
     </dgm:fillClrLst>
     <dgm:linClrLst meth="repeat">
@@ -588,14 +528,30 @@
     </dgm:txFillClrLst>
     <dgm:txEffectClrLst/>
   </dgm:styleLbl>
+  <dgm:styleLbl name="parChTrans1D3">
+    <dgm:fillClrLst meth="repeat">
+      <a:schemeClr val="accent2">
+        <a:tint val="70000"/>
+      </a:schemeClr>
+    </dgm:fillClrLst>
+    <dgm:linClrLst meth="repeat">
+      <a:schemeClr val="accent4"/>
+    </dgm:linClrLst>
+    <dgm:effectClrLst/>
+    <dgm:txLinClrLst/>
+    <dgm:txFillClrLst meth="repeat">
+      <a:schemeClr val="tx1"/>
+    </dgm:txFillClrLst>
+    <dgm:txEffectClrLst/>
+  </dgm:styleLbl>
   <dgm:styleLbl name="parChTrans1D4">
     <dgm:fillClrLst meth="repeat">
-      <a:schemeClr val="accent5">
+      <a:schemeClr val="accent2">
         <a:tint val="50000"/>
       </a:schemeClr>
     </dgm:fillClrLst>
     <dgm:linClrLst meth="repeat">
-      <a:schemeClr val="accent4"/>
+      <a:schemeClr val="accent5"/>
     </dgm:linClrLst>
     <dgm:effectClrLst/>
     <dgm:txLinClrLst/>
@@ -610,12 +566,9 @@
         <a:alpha val="90000"/>
       </a:schemeClr>
     </dgm:fillClrLst>
-    <dgm:linClrLst meth="repeat">
+    <dgm:linClrLst>
       <a:schemeClr val="accent2"/>
       <a:schemeClr val="accent3"/>
-      <a:schemeClr val="accent4"/>
-      <a:schemeClr val="accent5"/>
-      <a:schemeClr val="accent6"/>
     </dgm:linClrLst>
     <dgm:effectClrLst/>
     <dgm:txLinClrLst/>
@@ -630,12 +583,9 @@
         <a:alpha val="90000"/>
       </a:schemeClr>
     </dgm:fillClrLst>
-    <dgm:linClrLst meth="repeat">
+    <dgm:linClrLst>
       <a:schemeClr val="accent2"/>
       <a:schemeClr val="accent3"/>
-      <a:schemeClr val="accent4"/>
-      <a:schemeClr val="accent5"/>
-      <a:schemeClr val="accent6"/>
     </dgm:linClrLst>
     <dgm:effectClrLst/>
     <dgm:txLinClrLst/>
@@ -650,12 +600,9 @@
         <a:alpha val="90000"/>
       </a:schemeClr>
     </dgm:fillClrLst>
-    <dgm:linClrLst meth="repeat">
+    <dgm:linClrLst>
       <a:schemeClr val="accent2"/>
       <a:schemeClr val="accent3"/>
-      <a:schemeClr val="accent4"/>
-      <a:schemeClr val="accent5"/>
-      <a:schemeClr val="accent6"/>
     </dgm:linClrLst>
     <dgm:effectClrLst/>
     <dgm:txLinClrLst/>
@@ -671,7 +618,7 @@
       </a:schemeClr>
     </dgm:fillClrLst>
     <dgm:linClrLst meth="repeat">
-      <a:schemeClr val="accent1"/>
+      <a:schemeClr val="accent2"/>
     </dgm:linClrLst>
     <dgm:effectClrLst/>
     <dgm:txLinClrLst/>
@@ -686,12 +633,9 @@
         <a:alpha val="90000"/>
       </a:schemeClr>
     </dgm:fillClrLst>
-    <dgm:linClrLst meth="repeat">
+    <dgm:linClrLst>
       <a:schemeClr val="accent2"/>
       <a:schemeClr val="accent3"/>
-      <a:schemeClr val="accent4"/>
-      <a:schemeClr val="accent5"/>
-      <a:schemeClr val="accent6"/>
     </dgm:linClrLst>
     <dgm:effectClrLst/>
     <dgm:txLinClrLst/>
@@ -704,12 +648,9 @@
     <dgm:fillClrLst meth="repeat">
       <a:schemeClr val="lt1"/>
     </dgm:fillClrLst>
-    <dgm:linClrLst meth="repeat">
+    <dgm:linClrLst>
       <a:schemeClr val="accent2"/>
       <a:schemeClr val="accent3"/>
-      <a:schemeClr val="accent4"/>
-      <a:schemeClr val="accent5"/>
-      <a:schemeClr val="accent6"/>
     </dgm:linClrLst>
     <dgm:effectClrLst/>
     <dgm:txLinClrLst/>
@@ -722,12 +663,9 @@
     <dgm:fillClrLst meth="repeat">
       <a:schemeClr val="lt1"/>
     </dgm:fillClrLst>
-    <dgm:linClrLst meth="repeat">
+    <dgm:linClrLst>
       <a:schemeClr val="accent2"/>
       <a:schemeClr val="accent3"/>
-      <a:schemeClr val="accent4"/>
-      <a:schemeClr val="accent5"/>
-      <a:schemeClr val="accent6"/>
     </dgm:linClrLst>
     <dgm:effectClrLst/>
     <dgm:txLinClrLst/>
@@ -740,12 +678,9 @@
     <dgm:fillClrLst meth="repeat">
       <a:schemeClr val="lt1"/>
     </dgm:fillClrLst>
-    <dgm:linClrLst meth="repeat">
+    <dgm:linClrLst>
       <a:schemeClr val="accent2"/>
       <a:schemeClr val="accent3"/>
-      <a:schemeClr val="accent4"/>
-      <a:schemeClr val="accent5"/>
-      <a:schemeClr val="accent6"/>
     </dgm:linClrLst>
     <dgm:effectClrLst/>
     <dgm:txLinClrLst/>
@@ -755,7 +690,7 @@
     <dgm:txEffectClrLst/>
   </dgm:styleLbl>
   <dgm:styleLbl name="fgAccFollowNode1">
-    <dgm:fillClrLst meth="repeat">
+    <dgm:fillClrLst>
       <a:schemeClr val="accent2">
         <a:tint val="40000"/>
         <a:alpha val="90000"/>
@@ -764,37 +699,13 @@
         <a:tint val="40000"/>
         <a:alpha val="90000"/>
       </a:schemeClr>
-      <a:schemeClr val="accent4">
-        <a:tint val="40000"/>
-        <a:alpha val="90000"/>
-      </a:schemeClr>
-      <a:schemeClr val="accent5">
-        <a:tint val="40000"/>
-        <a:alpha val="90000"/>
-      </a:schemeClr>
-      <a:schemeClr val="accent6">
-        <a:tint val="40000"/>
-        <a:alpha val="90000"/>
-      </a:schemeClr>
     </dgm:fillClrLst>
-    <dgm:linClrLst meth="repeat">
+    <dgm:linClrLst>
       <a:schemeClr val="accent2">
         <a:tint val="40000"/>
         <a:alpha val="90000"/>
       </a:schemeClr>
       <a:schemeClr val="accent3">
-        <a:tint val="40000"/>
-        <a:alpha val="90000"/>
-      </a:schemeClr>
-      <a:schemeClr val="accent4">
-        <a:tint val="40000"/>
-        <a:alpha val="90000"/>
-      </a:schemeClr>
-      <a:schemeClr val="accent5">
-        <a:tint val="40000"/>
-        <a:alpha val="90000"/>
-      </a:schemeClr>
-      <a:schemeClr val="accent6">
         <a:tint val="40000"/>
         <a:alpha val="90000"/>
       </a:schemeClr>
@@ -807,7 +718,7 @@
     <dgm:txEffectClrLst/>
   </dgm:styleLbl>
   <dgm:styleLbl name="alignAccFollowNode1">
-    <dgm:fillClrLst meth="repeat">
+    <dgm:fillClrLst>
       <a:schemeClr val="accent2">
         <a:tint val="40000"/>
         <a:alpha val="90000"/>
@@ -816,37 +727,13 @@
         <a:tint val="40000"/>
         <a:alpha val="90000"/>
       </a:schemeClr>
-      <a:schemeClr val="accent4">
-        <a:tint val="40000"/>
-        <a:alpha val="90000"/>
-      </a:schemeClr>
-      <a:schemeClr val="accent5">
-        <a:tint val="40000"/>
-        <a:alpha val="90000"/>
-      </a:schemeClr>
-      <a:schemeClr val="accent6">
-        <a:tint val="40000"/>
-        <a:alpha val="90000"/>
-      </a:schemeClr>
     </dgm:fillClrLst>
-    <dgm:linClrLst meth="repeat">
+    <dgm:linClrLst>
       <a:schemeClr val="accent2">
         <a:tint val="40000"/>
         <a:alpha val="90000"/>
       </a:schemeClr>
       <a:schemeClr val="accent3">
-        <a:tint val="40000"/>
-        <a:alpha val="90000"/>
-      </a:schemeClr>
-      <a:schemeClr val="accent4">
-        <a:tint val="40000"/>
-        <a:alpha val="90000"/>
-      </a:schemeClr>
-      <a:schemeClr val="accent5">
-        <a:tint val="40000"/>
-        <a:alpha val="90000"/>
-      </a:schemeClr>
-      <a:schemeClr val="accent6">
         <a:tint val="40000"/>
         <a:alpha val="90000"/>
       </a:schemeClr>
@@ -859,7 +746,7 @@
     <dgm:txEffectClrLst/>
   </dgm:styleLbl>
   <dgm:styleLbl name="bgAccFollowNode1">
-    <dgm:fillClrLst meth="repeat">
+    <dgm:fillClrLst>
       <a:schemeClr val="accent2">
         <a:tint val="40000"/>
         <a:alpha val="90000"/>
@@ -868,37 +755,13 @@
         <a:tint val="40000"/>
         <a:alpha val="90000"/>
       </a:schemeClr>
-      <a:schemeClr val="accent4">
-        <a:tint val="40000"/>
-        <a:alpha val="90000"/>
-      </a:schemeClr>
-      <a:schemeClr val="accent5">
-        <a:tint val="40000"/>
-        <a:alpha val="90000"/>
-      </a:schemeClr>
-      <a:schemeClr val="accent6">
-        <a:tint val="40000"/>
-        <a:alpha val="90000"/>
-      </a:schemeClr>
     </dgm:fillClrLst>
-    <dgm:linClrLst meth="repeat">
+    <dgm:linClrLst>
       <a:schemeClr val="accent2">
         <a:tint val="40000"/>
         <a:alpha val="90000"/>
       </a:schemeClr>
       <a:schemeClr val="accent3">
-        <a:tint val="40000"/>
-        <a:alpha val="90000"/>
-      </a:schemeClr>
-      <a:schemeClr val="accent4">
-        <a:tint val="40000"/>
-        <a:alpha val="90000"/>
-      </a:schemeClr>
-      <a:schemeClr val="accent5">
-        <a:tint val="40000"/>
-        <a:alpha val="90000"/>
-      </a:schemeClr>
-      <a:schemeClr val="accent6">
         <a:tint val="40000"/>
         <a:alpha val="90000"/>
       </a:schemeClr>
@@ -933,7 +796,7 @@
       </a:schemeClr>
     </dgm:fillClrLst>
     <dgm:linClrLst>
-      <a:schemeClr val="accent2"/>
+      <a:schemeClr val="accent3"/>
     </dgm:linClrLst>
     <dgm:effectClrLst/>
     <dgm:txLinClrLst/>
@@ -949,7 +812,7 @@
       </a:schemeClr>
     </dgm:fillClrLst>
     <dgm:linClrLst>
-      <a:schemeClr val="accent3"/>
+      <a:schemeClr val="accent4"/>
     </dgm:linClrLst>
     <dgm:effectClrLst/>
     <dgm:txLinClrLst/>
@@ -965,7 +828,7 @@
       </a:schemeClr>
     </dgm:fillClrLst>
     <dgm:linClrLst>
-      <a:schemeClr val="accent4"/>
+      <a:schemeClr val="accent5"/>
     </dgm:linClrLst>
     <dgm:effectClrLst/>
     <dgm:txLinClrLst/>
@@ -976,20 +839,18 @@
   </dgm:styleLbl>
   <dgm:styleLbl name="bgShp">
     <dgm:fillClrLst meth="repeat">
-      <a:schemeClr val="accent2"/>
-      <a:schemeClr val="accent3"/>
-      <a:schemeClr val="accent4"/>
-      <a:schemeClr val="accent5"/>
-      <a:schemeClr val="accent6"/>
+      <a:schemeClr val="accent2">
+        <a:tint val="40000"/>
+      </a:schemeClr>
     </dgm:fillClrLst>
     <dgm:linClrLst meth="repeat">
-      <a:schemeClr val="lt1">
-        <a:alpha val="0"/>
-      </a:schemeClr>
+      <a:schemeClr val="dk1"/>
     </dgm:linClrLst>
     <dgm:effectClrLst/>
     <dgm:txLinClrLst/>
-    <dgm:txFillClrLst/>
+    <dgm:txFillClrLst meth="repeat">
+      <a:schemeClr val="dk1"/>
+    </dgm:txFillClrLst>
     <dgm:txEffectClrLst/>
   </dgm:styleLbl>
   <dgm:styleLbl name="dkBgShp">
@@ -1010,7 +871,7 @@
   </dgm:styleLbl>
   <dgm:styleLbl name="trBgShp">
     <dgm:fillClrLst meth="repeat">
-      <a:schemeClr val="accent1">
+      <a:schemeClr val="accent2">
         <a:tint val="50000"/>
         <a:alpha val="40000"/>
       </a:schemeClr>
@@ -1848,7 +1709,7 @@
 <dgm:dataModel xmlns:dgm="http://schemas.openxmlformats.org/drawingml/2006/diagram" xmlns:a="http://schemas.openxmlformats.org/drawingml/2006/main">
   <dgm:ptLst>
     <dgm:pt modelId="{F39694BC-0ED9-4F1A-BCCC-AAFBAA652989}" type="doc">
-      <dgm:prSet loTypeId="urn:microsoft.com/office/officeart/2018/5/layout/IconCircleLabelList" loCatId="icon" qsTypeId="urn:microsoft.com/office/officeart/2005/8/quickstyle/simple1" qsCatId="simple" csTypeId="urn:microsoft.com/office/officeart/2018/5/colors/Iconchunking_neutralicon_colorful1" csCatId="colorful" phldr="1"/>
+      <dgm:prSet loTypeId="urn:microsoft.com/office/officeart/2005/8/layout/vList2" loCatId="list" qsTypeId="urn:microsoft.com/office/officeart/2005/8/quickstyle/simple4" qsCatId="simple" csTypeId="urn:microsoft.com/office/officeart/2005/8/colors/colorful2" csCatId="colorful" phldr="1"/>
       <dgm:spPr/>
       <dgm:t>
         <a:bodyPr/>
@@ -2029,10 +1890,10 @@
             <a:defRPr cap="all"/>
           </a:pPr>
           <a:r>
-            <a:rPr lang="en-IN" b="0" i="0"/>
+            <a:rPr lang="en-IN" b="0" i="0" dirty="0"/>
             <a:t>Improve Model Performance</a:t>
           </a:r>
-          <a:endParaRPr lang="en-US"/>
+          <a:endParaRPr lang="en-US" dirty="0"/>
         </a:p>
       </dgm:t>
     </dgm:pt>
@@ -2058,324 +1919,440 @@
         </a:p>
       </dgm:t>
     </dgm:pt>
-    <dgm:pt modelId="{1A8199EC-6C07-4A11-A362-F38E4BC038F7}" type="pres">
-      <dgm:prSet presAssocID="{F39694BC-0ED9-4F1A-BCCC-AAFBAA652989}" presName="root" presStyleCnt="0">
+    <dgm:pt modelId="{7E375809-D5C1-46D8-8D05-1E2473753FC6}">
+      <dgm:prSet/>
+      <dgm:spPr/>
+      <dgm:t>
+        <a:bodyPr/>
+        <a:lstStyle/>
+        <a:p>
+          <a:pPr>
+            <a:defRPr cap="all"/>
+          </a:pPr>
+          <a:r>
+            <a:rPr lang="en-US" dirty="0"/>
+            <a:t>Model Selection and Hyper Tuning</a:t>
+          </a:r>
+        </a:p>
+      </dgm:t>
+    </dgm:pt>
+    <dgm:pt modelId="{A5CEADE9-B780-42F1-87D8-959DFA595069}" type="parTrans" cxnId="{6CDDA882-F974-49E2-895A-10D584D92C43}">
+      <dgm:prSet/>
+      <dgm:spPr/>
+      <dgm:t>
+        <a:bodyPr/>
+        <a:lstStyle/>
+        <a:p>
+          <a:endParaRPr lang="en-IN"/>
+        </a:p>
+      </dgm:t>
+    </dgm:pt>
+    <dgm:pt modelId="{2A90C6C9-B4CF-4D34-A80B-BFDD8074B9E0}" type="sibTrans" cxnId="{6CDDA882-F974-49E2-895A-10D584D92C43}">
+      <dgm:prSet/>
+      <dgm:spPr/>
+      <dgm:t>
+        <a:bodyPr/>
+        <a:lstStyle/>
+        <a:p>
+          <a:endParaRPr lang="en-IN"/>
+        </a:p>
+      </dgm:t>
+    </dgm:pt>
+    <dgm:pt modelId="{185855D0-4474-43CD-935D-805A44F49CAD}">
+      <dgm:prSet/>
+      <dgm:spPr/>
+      <dgm:t>
+        <a:bodyPr/>
+        <a:lstStyle/>
+        <a:p>
+          <a:pPr>
+            <a:defRPr cap="all"/>
+          </a:pPr>
+          <a:r>
+            <a:rPr lang="en-US" dirty="0"/>
+            <a:t>Deployment</a:t>
+          </a:r>
+        </a:p>
+      </dgm:t>
+    </dgm:pt>
+    <dgm:pt modelId="{1EE78E9B-BE93-4701-9333-25D1703DB5B5}" type="parTrans" cxnId="{CA73E71C-6855-49E8-8ECD-769F7C07ABB0}">
+      <dgm:prSet/>
+      <dgm:spPr/>
+      <dgm:t>
+        <a:bodyPr/>
+        <a:lstStyle/>
+        <a:p>
+          <a:endParaRPr lang="en-IN"/>
+        </a:p>
+      </dgm:t>
+    </dgm:pt>
+    <dgm:pt modelId="{B3D1D0FF-3408-4587-B411-028D17C37C92}" type="sibTrans" cxnId="{CA73E71C-6855-49E8-8ECD-769F7C07ABB0}">
+      <dgm:prSet/>
+      <dgm:spPr/>
+      <dgm:t>
+        <a:bodyPr/>
+        <a:lstStyle/>
+        <a:p>
+          <a:endParaRPr lang="en-IN"/>
+        </a:p>
+      </dgm:t>
+    </dgm:pt>
+    <dgm:pt modelId="{FB737A78-5F2B-4A9B-870C-6D08DB9E3AC5}">
+      <dgm:prSet/>
+      <dgm:spPr/>
+      <dgm:t>
+        <a:bodyPr/>
+        <a:lstStyle/>
+        <a:p>
+          <a:pPr>
+            <a:defRPr cap="all"/>
+          </a:pPr>
+          <a:r>
+            <a:rPr lang="en-US" dirty="0"/>
+            <a:t>Comparison to Benchmark</a:t>
+          </a:r>
+        </a:p>
+      </dgm:t>
+    </dgm:pt>
+    <dgm:pt modelId="{E2E4CAC1-2D25-475A-9DB9-CB0E14933917}" type="parTrans" cxnId="{1EDE726C-29CA-4639-9369-6AE0FE388188}">
+      <dgm:prSet/>
+      <dgm:spPr/>
+      <dgm:t>
+        <a:bodyPr/>
+        <a:lstStyle/>
+        <a:p>
+          <a:endParaRPr lang="en-IN"/>
+        </a:p>
+      </dgm:t>
+    </dgm:pt>
+    <dgm:pt modelId="{BE91D172-000C-4271-9AE9-7CE461F031D6}" type="sibTrans" cxnId="{1EDE726C-29CA-4639-9369-6AE0FE388188}">
+      <dgm:prSet/>
+      <dgm:spPr/>
+      <dgm:t>
+        <a:bodyPr/>
+        <a:lstStyle/>
+        <a:p>
+          <a:endParaRPr lang="en-IN"/>
+        </a:p>
+      </dgm:t>
+    </dgm:pt>
+    <dgm:pt modelId="{6291668A-C3B2-42A1-957B-C80B54FD9E36}">
+      <dgm:prSet/>
+      <dgm:spPr/>
+      <dgm:t>
+        <a:bodyPr/>
+        <a:lstStyle/>
+        <a:p>
+          <a:pPr>
+            <a:defRPr cap="all"/>
+          </a:pPr>
+          <a:r>
+            <a:rPr lang="en-US" dirty="0"/>
+            <a:t>Implications</a:t>
+          </a:r>
+        </a:p>
+      </dgm:t>
+    </dgm:pt>
+    <dgm:pt modelId="{88708127-BCCB-416E-8007-D44E261CCDF5}" type="parTrans" cxnId="{C49D3DE4-EDB7-4FAE-A7D3-29E7889FCE00}">
+      <dgm:prSet/>
+      <dgm:spPr/>
+      <dgm:t>
+        <a:bodyPr/>
+        <a:lstStyle/>
+        <a:p>
+          <a:endParaRPr lang="en-IN"/>
+        </a:p>
+      </dgm:t>
+    </dgm:pt>
+    <dgm:pt modelId="{B69512C2-0101-4EAF-BAB6-B6DF6667F343}" type="sibTrans" cxnId="{C49D3DE4-EDB7-4FAE-A7D3-29E7889FCE00}">
+      <dgm:prSet/>
+      <dgm:spPr/>
+      <dgm:t>
+        <a:bodyPr/>
+        <a:lstStyle/>
+        <a:p>
+          <a:endParaRPr lang="en-IN"/>
+        </a:p>
+      </dgm:t>
+    </dgm:pt>
+    <dgm:pt modelId="{1C346DBF-53E8-4EC9-8A38-99AE3A8887B5}">
+      <dgm:prSet/>
+      <dgm:spPr/>
+      <dgm:t>
+        <a:bodyPr/>
+        <a:lstStyle/>
+        <a:p>
+          <a:pPr>
+            <a:defRPr cap="all"/>
+          </a:pPr>
+          <a:r>
+            <a:rPr lang="en-US" dirty="0"/>
+            <a:t>Conclusions and Future Enhancements</a:t>
+          </a:r>
+        </a:p>
+      </dgm:t>
+    </dgm:pt>
+    <dgm:pt modelId="{60368DC8-7789-4698-BF3B-F37EC01C7F6B}" type="parTrans" cxnId="{D6F84429-2CB0-4C5D-A38C-139639F3DF20}">
+      <dgm:prSet/>
+      <dgm:spPr/>
+      <dgm:t>
+        <a:bodyPr/>
+        <a:lstStyle/>
+        <a:p>
+          <a:endParaRPr lang="en-IN"/>
+        </a:p>
+      </dgm:t>
+    </dgm:pt>
+    <dgm:pt modelId="{9020FA1E-96CA-4E5A-8DEB-F9743A8E10E2}" type="sibTrans" cxnId="{D6F84429-2CB0-4C5D-A38C-139639F3DF20}">
+      <dgm:prSet/>
+      <dgm:spPr/>
+      <dgm:t>
+        <a:bodyPr/>
+        <a:lstStyle/>
+        <a:p>
+          <a:endParaRPr lang="en-IN"/>
+        </a:p>
+      </dgm:t>
+    </dgm:pt>
+    <dgm:pt modelId="{5D744CAA-4568-4D72-A229-673D22E5DDCA}">
+      <dgm:prSet/>
+      <dgm:spPr/>
+      <dgm:t>
+        <a:bodyPr/>
+        <a:lstStyle/>
+        <a:p>
+          <a:pPr>
+            <a:defRPr cap="all"/>
+          </a:pPr>
+          <a:r>
+            <a:rPr lang="en-US" dirty="0"/>
+            <a:t>Closing Reflections</a:t>
+          </a:r>
+        </a:p>
+      </dgm:t>
+    </dgm:pt>
+    <dgm:pt modelId="{376E5262-7A39-408C-86C2-404CB747631A}" type="parTrans" cxnId="{AF9824C5-0650-4A6D-ACDF-ED14CDF6F6BB}">
+      <dgm:prSet/>
+      <dgm:spPr/>
+      <dgm:t>
+        <a:bodyPr/>
+        <a:lstStyle/>
+        <a:p>
+          <a:endParaRPr lang="en-IN"/>
+        </a:p>
+      </dgm:t>
+    </dgm:pt>
+    <dgm:pt modelId="{0017135D-01A6-4888-93D2-A344BC0BD627}" type="sibTrans" cxnId="{AF9824C5-0650-4A6D-ACDF-ED14CDF6F6BB}">
+      <dgm:prSet/>
+      <dgm:spPr/>
+      <dgm:t>
+        <a:bodyPr/>
+        <a:lstStyle/>
+        <a:p>
+          <a:endParaRPr lang="en-IN"/>
+        </a:p>
+      </dgm:t>
+    </dgm:pt>
+    <dgm:pt modelId="{E1D025C5-D8FA-4A69-AE09-71282F41DC62}" type="pres">
+      <dgm:prSet presAssocID="{F39694BC-0ED9-4F1A-BCCC-AAFBAA652989}" presName="linear" presStyleCnt="0">
         <dgm:presLayoutVars>
-          <dgm:dir/>
+          <dgm:animLvl val="lvl"/>
           <dgm:resizeHandles val="exact"/>
         </dgm:presLayoutVars>
       </dgm:prSet>
       <dgm:spPr/>
     </dgm:pt>
-    <dgm:pt modelId="{EB6693EA-D014-4309-86C6-8B2073F8DE80}" type="pres">
-      <dgm:prSet presAssocID="{5DD06EF0-6277-417E-84B9-77949B197108}" presName="compNode" presStyleCnt="0"/>
-      <dgm:spPr/>
-    </dgm:pt>
-    <dgm:pt modelId="{4E6C3FAE-D548-4F84-BE64-6BEC35A6BAF2}" type="pres">
-      <dgm:prSet presAssocID="{5DD06EF0-6277-417E-84B9-77949B197108}" presName="iconBgRect" presStyleLbl="bgShp" presStyleIdx="0" presStyleCnt="5"/>
-      <dgm:spPr/>
-    </dgm:pt>
-    <dgm:pt modelId="{58B8A17E-A5E1-4540-83CC-67FEDEF1A530}" type="pres">
-      <dgm:prSet presAssocID="{5DD06EF0-6277-417E-84B9-77949B197108}" presName="iconRect" presStyleLbl="node1" presStyleIdx="0" presStyleCnt="5"/>
-      <dgm:spPr>
-        <a:blipFill>
-          <a:blip xmlns:r="http://schemas.openxmlformats.org/officeDocument/2006/relationships" r:embed="rId1">
-            <a:extLst>
-              <a:ext uri="{28A0092B-C50C-407E-A947-70E740481C1C}">
-                <a14:useLocalDpi xmlns:a14="http://schemas.microsoft.com/office/drawing/2010/main" val="0"/>
-              </a:ext>
-              <a:ext uri="{96DAC541-7B7A-43D3-8B79-37D633B846F1}">
-                <asvg:svgBlip xmlns:asvg="http://schemas.microsoft.com/office/drawing/2016/SVG/main" r:embed="rId2"/>
-              </a:ext>
-            </a:extLst>
-          </a:blip>
-          <a:stretch>
-            <a:fillRect/>
-          </a:stretch>
-        </a:blipFill>
-        <a:ln>
-          <a:noFill/>
-        </a:ln>
-      </dgm:spPr>
-      <dgm:extLst>
-        <a:ext uri="{E40237B7-FDA0-4F09-8148-C483321AD2D9}">
-          <dgm14:cNvPr xmlns:dgm14="http://schemas.microsoft.com/office/drawing/2010/diagram" id="0" name="" descr="Head with Gears"/>
-        </a:ext>
-      </dgm:extLst>
-    </dgm:pt>
-    <dgm:pt modelId="{64F71ECD-BCC6-4608-AEA2-36ECFDB6B241}" type="pres">
-      <dgm:prSet presAssocID="{5DD06EF0-6277-417E-84B9-77949B197108}" presName="spaceRect" presStyleCnt="0"/>
-      <dgm:spPr/>
-    </dgm:pt>
-    <dgm:pt modelId="{124F0ADC-6D59-406F-A729-3E1AFDB619F0}" type="pres">
-      <dgm:prSet presAssocID="{5DD06EF0-6277-417E-84B9-77949B197108}" presName="textRect" presStyleLbl="revTx" presStyleIdx="0" presStyleCnt="5">
+    <dgm:pt modelId="{ED7BFAC2-BBB6-4F7C-85E8-46F99692881D}" type="pres">
+      <dgm:prSet presAssocID="{5DD06EF0-6277-417E-84B9-77949B197108}" presName="parentText" presStyleLbl="node1" presStyleIdx="0" presStyleCnt="11">
         <dgm:presLayoutVars>
-          <dgm:chMax val="1"/>
-          <dgm:chPref val="1"/>
+          <dgm:chMax val="0"/>
+          <dgm:bulletEnabled val="1"/>
         </dgm:presLayoutVars>
       </dgm:prSet>
       <dgm:spPr/>
     </dgm:pt>
-    <dgm:pt modelId="{07BE30E2-F32E-4FBA-A71F-A09D941C718B}" type="pres">
-      <dgm:prSet presAssocID="{CF8D2FAF-6E47-4EB8-8F28-4DD45FF7DFE3}" presName="sibTrans" presStyleCnt="0"/>
+    <dgm:pt modelId="{E60024EB-A96F-4250-87A1-35926B943526}" type="pres">
+      <dgm:prSet presAssocID="{CF8D2FAF-6E47-4EB8-8F28-4DD45FF7DFE3}" presName="spacer" presStyleCnt="0"/>
       <dgm:spPr/>
     </dgm:pt>
-    <dgm:pt modelId="{C443E8C8-1B40-4A0E-A715-B2090C6D645F}" type="pres">
-      <dgm:prSet presAssocID="{58C7D68A-D44A-4C0C-8E97-B895FE038BD0}" presName="compNode" presStyleCnt="0"/>
-      <dgm:spPr/>
-    </dgm:pt>
-    <dgm:pt modelId="{856D62F6-1FF0-417E-90B2-F350DD010AFD}" type="pres">
-      <dgm:prSet presAssocID="{58C7D68A-D44A-4C0C-8E97-B895FE038BD0}" presName="iconBgRect" presStyleLbl="bgShp" presStyleIdx="1" presStyleCnt="5"/>
-      <dgm:spPr/>
-    </dgm:pt>
-    <dgm:pt modelId="{AADBCD01-BD3D-4FD4-90E6-A84A36F1E0C8}" type="pres">
-      <dgm:prSet presAssocID="{58C7D68A-D44A-4C0C-8E97-B895FE038BD0}" presName="iconRect" presStyleLbl="node1" presStyleIdx="1" presStyleCnt="5"/>
-      <dgm:spPr>
-        <a:blipFill>
-          <a:blip xmlns:r="http://schemas.openxmlformats.org/officeDocument/2006/relationships" r:embed="rId3">
-            <a:extLst>
-              <a:ext uri="{28A0092B-C50C-407E-A947-70E740481C1C}">
-                <a14:useLocalDpi xmlns:a14="http://schemas.microsoft.com/office/drawing/2010/main" val="0"/>
-              </a:ext>
-              <a:ext uri="{96DAC541-7B7A-43D3-8B79-37D633B846F1}">
-                <asvg:svgBlip xmlns:asvg="http://schemas.microsoft.com/office/drawing/2016/SVG/main" r:embed="rId4"/>
-              </a:ext>
-            </a:extLst>
-          </a:blip>
-          <a:stretch>
-            <a:fillRect/>
-          </a:stretch>
-        </a:blipFill>
-        <a:ln>
-          <a:noFill/>
-        </a:ln>
-      </dgm:spPr>
-      <dgm:extLst>
-        <a:ext uri="{E40237B7-FDA0-4F09-8148-C483321AD2D9}">
-          <dgm14:cNvPr xmlns:dgm14="http://schemas.microsoft.com/office/drawing/2010/diagram" id="0" name="" descr="Bar chart"/>
-        </a:ext>
-      </dgm:extLst>
-    </dgm:pt>
-    <dgm:pt modelId="{56D46E31-740A-43A3-8BDC-8457EDA15972}" type="pres">
-      <dgm:prSet presAssocID="{58C7D68A-D44A-4C0C-8E97-B895FE038BD0}" presName="spaceRect" presStyleCnt="0"/>
-      <dgm:spPr/>
-    </dgm:pt>
-    <dgm:pt modelId="{9564C17E-82CB-49CE-8FA8-2C767BF4124F}" type="pres">
-      <dgm:prSet presAssocID="{58C7D68A-D44A-4C0C-8E97-B895FE038BD0}" presName="textRect" presStyleLbl="revTx" presStyleIdx="1" presStyleCnt="5">
+    <dgm:pt modelId="{6BCB7B10-D40F-402E-A810-E912F633F558}" type="pres">
+      <dgm:prSet presAssocID="{58C7D68A-D44A-4C0C-8E97-B895FE038BD0}" presName="parentText" presStyleLbl="node1" presStyleIdx="1" presStyleCnt="11">
         <dgm:presLayoutVars>
-          <dgm:chMax val="1"/>
-          <dgm:chPref val="1"/>
+          <dgm:chMax val="0"/>
+          <dgm:bulletEnabled val="1"/>
         </dgm:presLayoutVars>
       </dgm:prSet>
       <dgm:spPr/>
     </dgm:pt>
-    <dgm:pt modelId="{534E4B33-D1E8-44F5-9F28-BBC6C2139578}" type="pres">
-      <dgm:prSet presAssocID="{93E35AE5-B787-4381-8940-B70D1CFF6D72}" presName="sibTrans" presStyleCnt="0"/>
+    <dgm:pt modelId="{B8FFE8C8-3947-4A83-B0AB-0D97667E4805}" type="pres">
+      <dgm:prSet presAssocID="{93E35AE5-B787-4381-8940-B70D1CFF6D72}" presName="spacer" presStyleCnt="0"/>
       <dgm:spPr/>
     </dgm:pt>
-    <dgm:pt modelId="{4972337B-164D-4302-B148-F58D4824EFAA}" type="pres">
-      <dgm:prSet presAssocID="{0539145E-55A6-4D93-9E17-57141ECED5FD}" presName="compNode" presStyleCnt="0"/>
-      <dgm:spPr/>
-    </dgm:pt>
-    <dgm:pt modelId="{55586F98-9515-475C-AA69-11EA51D6F283}" type="pres">
-      <dgm:prSet presAssocID="{0539145E-55A6-4D93-9E17-57141ECED5FD}" presName="iconBgRect" presStyleLbl="bgShp" presStyleIdx="2" presStyleCnt="5"/>
-      <dgm:spPr/>
-    </dgm:pt>
-    <dgm:pt modelId="{5724872C-7C8C-4B27-BEEB-92122471FDD9}" type="pres">
-      <dgm:prSet presAssocID="{0539145E-55A6-4D93-9E17-57141ECED5FD}" presName="iconRect" presStyleLbl="node1" presStyleIdx="2" presStyleCnt="5"/>
-      <dgm:spPr>
-        <a:blipFill>
-          <a:blip xmlns:r="http://schemas.openxmlformats.org/officeDocument/2006/relationships" r:embed="rId5">
-            <a:extLst>
-              <a:ext uri="{28A0092B-C50C-407E-A947-70E740481C1C}">
-                <a14:useLocalDpi xmlns:a14="http://schemas.microsoft.com/office/drawing/2010/main" val="0"/>
-              </a:ext>
-              <a:ext uri="{96DAC541-7B7A-43D3-8B79-37D633B846F1}">
-                <asvg:svgBlip xmlns:asvg="http://schemas.microsoft.com/office/drawing/2016/SVG/main" r:embed="rId6"/>
-              </a:ext>
-            </a:extLst>
-          </a:blip>
-          <a:stretch>
-            <a:fillRect/>
-          </a:stretch>
-        </a:blipFill>
-        <a:ln>
-          <a:noFill/>
-        </a:ln>
-      </dgm:spPr>
-      <dgm:extLst>
-        <a:ext uri="{E40237B7-FDA0-4F09-8148-C483321AD2D9}">
-          <dgm14:cNvPr xmlns:dgm14="http://schemas.microsoft.com/office/drawing/2010/diagram" id="0" name="" descr="Database"/>
-        </a:ext>
-      </dgm:extLst>
-    </dgm:pt>
-    <dgm:pt modelId="{C3F89B2B-2F97-4868-A88F-C139752C99FF}" type="pres">
-      <dgm:prSet presAssocID="{0539145E-55A6-4D93-9E17-57141ECED5FD}" presName="spaceRect" presStyleCnt="0"/>
-      <dgm:spPr/>
-    </dgm:pt>
-    <dgm:pt modelId="{8DB97ED4-A2F2-4E74-8A2B-2E57002EB464}" type="pres">
-      <dgm:prSet presAssocID="{0539145E-55A6-4D93-9E17-57141ECED5FD}" presName="textRect" presStyleLbl="revTx" presStyleIdx="2" presStyleCnt="5">
+    <dgm:pt modelId="{92AB19E5-6031-4C95-B2E3-7C240F1EAAE6}" type="pres">
+      <dgm:prSet presAssocID="{0539145E-55A6-4D93-9E17-57141ECED5FD}" presName="parentText" presStyleLbl="node1" presStyleIdx="2" presStyleCnt="11">
         <dgm:presLayoutVars>
-          <dgm:chMax val="1"/>
-          <dgm:chPref val="1"/>
+          <dgm:chMax val="0"/>
+          <dgm:bulletEnabled val="1"/>
         </dgm:presLayoutVars>
       </dgm:prSet>
       <dgm:spPr/>
     </dgm:pt>
-    <dgm:pt modelId="{F9D56646-3721-46B2-AE70-746BF129DC59}" type="pres">
-      <dgm:prSet presAssocID="{8CA69B56-FBE8-4630-B3A1-B2122F6D7788}" presName="sibTrans" presStyleCnt="0"/>
+    <dgm:pt modelId="{71EA1094-E546-45F1-8354-F78E079593BA}" type="pres">
+      <dgm:prSet presAssocID="{8CA69B56-FBE8-4630-B3A1-B2122F6D7788}" presName="spacer" presStyleCnt="0"/>
       <dgm:spPr/>
     </dgm:pt>
-    <dgm:pt modelId="{23F38F1B-8137-47C8-926B-6428A36266DA}" type="pres">
-      <dgm:prSet presAssocID="{C94964C9-5D43-45BF-B1F3-7D6D86366E35}" presName="compNode" presStyleCnt="0"/>
-      <dgm:spPr/>
-    </dgm:pt>
-    <dgm:pt modelId="{2886461D-BAC2-4A09-962D-46E1EDED800A}" type="pres">
-      <dgm:prSet presAssocID="{C94964C9-5D43-45BF-B1F3-7D6D86366E35}" presName="iconBgRect" presStyleLbl="bgShp" presStyleIdx="3" presStyleCnt="5"/>
-      <dgm:spPr/>
-    </dgm:pt>
-    <dgm:pt modelId="{E2F989FA-EF3B-4C2D-8396-803F92B2B3C4}" type="pres">
-      <dgm:prSet presAssocID="{C94964C9-5D43-45BF-B1F3-7D6D86366E35}" presName="iconRect" presStyleLbl="node1" presStyleIdx="3" presStyleCnt="5"/>
-      <dgm:spPr>
-        <a:blipFill>
-          <a:blip xmlns:r="http://schemas.openxmlformats.org/officeDocument/2006/relationships" r:embed="rId7">
-            <a:extLst>
-              <a:ext uri="{28A0092B-C50C-407E-A947-70E740481C1C}">
-                <a14:useLocalDpi xmlns:a14="http://schemas.microsoft.com/office/drawing/2010/main" val="0"/>
-              </a:ext>
-              <a:ext uri="{96DAC541-7B7A-43D3-8B79-37D633B846F1}">
-                <asvg:svgBlip xmlns:asvg="http://schemas.microsoft.com/office/drawing/2016/SVG/main" r:embed="rId8"/>
-              </a:ext>
-            </a:extLst>
-          </a:blip>
-          <a:stretch>
-            <a:fillRect/>
-          </a:stretch>
-        </a:blipFill>
-        <a:ln>
-          <a:noFill/>
-        </a:ln>
-      </dgm:spPr>
-      <dgm:extLst>
-        <a:ext uri="{E40237B7-FDA0-4F09-8148-C483321AD2D9}">
-          <dgm14:cNvPr xmlns:dgm14="http://schemas.microsoft.com/office/drawing/2010/diagram" id="0" name="" descr="Gears"/>
-        </a:ext>
-      </dgm:extLst>
-    </dgm:pt>
-    <dgm:pt modelId="{F06361DB-C889-4FC8-AEE9-173E1BC4771A}" type="pres">
-      <dgm:prSet presAssocID="{C94964C9-5D43-45BF-B1F3-7D6D86366E35}" presName="spaceRect" presStyleCnt="0"/>
-      <dgm:spPr/>
-    </dgm:pt>
-    <dgm:pt modelId="{12DDD79B-454F-4743-B41B-19B8B062FDDF}" type="pres">
-      <dgm:prSet presAssocID="{C94964C9-5D43-45BF-B1F3-7D6D86366E35}" presName="textRect" presStyleLbl="revTx" presStyleIdx="3" presStyleCnt="5">
+    <dgm:pt modelId="{61EA24EC-B784-4B0B-8E50-D81E6D5A8D52}" type="pres">
+      <dgm:prSet presAssocID="{C94964C9-5D43-45BF-B1F3-7D6D86366E35}" presName="parentText" presStyleLbl="node1" presStyleIdx="3" presStyleCnt="11">
         <dgm:presLayoutVars>
-          <dgm:chMax val="1"/>
-          <dgm:chPref val="1"/>
+          <dgm:chMax val="0"/>
+          <dgm:bulletEnabled val="1"/>
         </dgm:presLayoutVars>
       </dgm:prSet>
       <dgm:spPr/>
     </dgm:pt>
-    <dgm:pt modelId="{07A83513-1EE7-4BE0-819D-0A157F7728A0}" type="pres">
-      <dgm:prSet presAssocID="{3D5B3139-EA12-4206-BE50-2DEC0412A154}" presName="sibTrans" presStyleCnt="0"/>
+    <dgm:pt modelId="{D0C87A42-DE53-49FF-8F56-C65E463DD3A5}" type="pres">
+      <dgm:prSet presAssocID="{3D5B3139-EA12-4206-BE50-2DEC0412A154}" presName="spacer" presStyleCnt="0"/>
       <dgm:spPr/>
     </dgm:pt>
-    <dgm:pt modelId="{C52796DE-2EF2-4336-8773-E8ACE4105DD1}" type="pres">
-      <dgm:prSet presAssocID="{00345851-9A03-48A5-ADD9-445787A4DAC5}" presName="compNode" presStyleCnt="0"/>
+    <dgm:pt modelId="{8DA9D8BE-CD2B-418D-9C58-09858B5EC3B7}" type="pres">
+      <dgm:prSet presAssocID="{00345851-9A03-48A5-ADD9-445787A4DAC5}" presName="parentText" presStyleLbl="node1" presStyleIdx="4" presStyleCnt="11">
+        <dgm:presLayoutVars>
+          <dgm:chMax val="0"/>
+          <dgm:bulletEnabled val="1"/>
+        </dgm:presLayoutVars>
+      </dgm:prSet>
       <dgm:spPr/>
     </dgm:pt>
-    <dgm:pt modelId="{ED7EAE73-E031-4433-BA72-BD8CFB298093}" type="pres">
-      <dgm:prSet presAssocID="{00345851-9A03-48A5-ADD9-445787A4DAC5}" presName="iconBgRect" presStyleLbl="bgShp" presStyleIdx="4" presStyleCnt="5"/>
+    <dgm:pt modelId="{C0BDD29E-B4B1-4F67-9D64-DFF3D15CE2B5}" type="pres">
+      <dgm:prSet presAssocID="{87D97D2E-E651-4F8B-82C2-0DF0B8AB2645}" presName="spacer" presStyleCnt="0"/>
       <dgm:spPr/>
     </dgm:pt>
-    <dgm:pt modelId="{185D878B-F9CB-4BF9-94B4-19FFEB0A391F}" type="pres">
-      <dgm:prSet presAssocID="{00345851-9A03-48A5-ADD9-445787A4DAC5}" presName="iconRect" presStyleLbl="node1" presStyleIdx="4" presStyleCnt="5"/>
-      <dgm:spPr>
-        <a:blipFill>
-          <a:blip xmlns:r="http://schemas.openxmlformats.org/officeDocument/2006/relationships" r:embed="rId9">
-            <a:extLst>
-              <a:ext uri="{28A0092B-C50C-407E-A947-70E740481C1C}">
-                <a14:useLocalDpi xmlns:a14="http://schemas.microsoft.com/office/drawing/2010/main" val="0"/>
-              </a:ext>
-              <a:ext uri="{96DAC541-7B7A-43D3-8B79-37D633B846F1}">
-                <asvg:svgBlip xmlns:asvg="http://schemas.microsoft.com/office/drawing/2016/SVG/main" r:embed="rId10"/>
-              </a:ext>
-            </a:extLst>
-          </a:blip>
-          <a:stretch>
-            <a:fillRect/>
-          </a:stretch>
-        </a:blipFill>
-        <a:ln>
-          <a:noFill/>
-        </a:ln>
-      </dgm:spPr>
-      <dgm:extLst>
-        <a:ext uri="{E40237B7-FDA0-4F09-8148-C483321AD2D9}">
-          <dgm14:cNvPr xmlns:dgm14="http://schemas.microsoft.com/office/drawing/2010/diagram" id="0" name="" descr="Upward trend"/>
-        </a:ext>
-      </dgm:extLst>
-    </dgm:pt>
-    <dgm:pt modelId="{5D02614D-AFF8-4521-9DE7-809A4CE44D15}" type="pres">
-      <dgm:prSet presAssocID="{00345851-9A03-48A5-ADD9-445787A4DAC5}" presName="spaceRect" presStyleCnt="0"/>
+    <dgm:pt modelId="{E3277506-C9DA-44D1-85F8-DADC1FE19FB8}" type="pres">
+      <dgm:prSet presAssocID="{7E375809-D5C1-46D8-8D05-1E2473753FC6}" presName="parentText" presStyleLbl="node1" presStyleIdx="5" presStyleCnt="11">
+        <dgm:presLayoutVars>
+          <dgm:chMax val="0"/>
+          <dgm:bulletEnabled val="1"/>
+        </dgm:presLayoutVars>
+      </dgm:prSet>
       <dgm:spPr/>
     </dgm:pt>
-    <dgm:pt modelId="{D81A7A68-5CE9-4AD2-839D-3BE0853E650E}" type="pres">
-      <dgm:prSet presAssocID="{00345851-9A03-48A5-ADD9-445787A4DAC5}" presName="textRect" presStyleLbl="revTx" presStyleIdx="4" presStyleCnt="5">
+    <dgm:pt modelId="{4DD79DAA-2BDC-46B5-8C8F-3BA0A6F65FFE}" type="pres">
+      <dgm:prSet presAssocID="{2A90C6C9-B4CF-4D34-A80B-BFDD8074B9E0}" presName="spacer" presStyleCnt="0"/>
+      <dgm:spPr/>
+    </dgm:pt>
+    <dgm:pt modelId="{CB9C04F2-BEA7-4A16-AD73-38A6B5794C0B}" type="pres">
+      <dgm:prSet presAssocID="{185855D0-4474-43CD-935D-805A44F49CAD}" presName="parentText" presStyleLbl="node1" presStyleIdx="6" presStyleCnt="11">
         <dgm:presLayoutVars>
-          <dgm:chMax val="1"/>
-          <dgm:chPref val="1"/>
+          <dgm:chMax val="0"/>
+          <dgm:bulletEnabled val="1"/>
+        </dgm:presLayoutVars>
+      </dgm:prSet>
+      <dgm:spPr/>
+    </dgm:pt>
+    <dgm:pt modelId="{61A3D4B9-D904-4390-B0B9-79B1FAC489DD}" type="pres">
+      <dgm:prSet presAssocID="{B3D1D0FF-3408-4587-B411-028D17C37C92}" presName="spacer" presStyleCnt="0"/>
+      <dgm:spPr/>
+    </dgm:pt>
+    <dgm:pt modelId="{34F24722-C0D8-4708-9837-64D1280EC563}" type="pres">
+      <dgm:prSet presAssocID="{FB737A78-5F2B-4A9B-870C-6D08DB9E3AC5}" presName="parentText" presStyleLbl="node1" presStyleIdx="7" presStyleCnt="11">
+        <dgm:presLayoutVars>
+          <dgm:chMax val="0"/>
+          <dgm:bulletEnabled val="1"/>
+        </dgm:presLayoutVars>
+      </dgm:prSet>
+      <dgm:spPr/>
+    </dgm:pt>
+    <dgm:pt modelId="{89B8804A-8873-4E59-B046-764DB0AE34FC}" type="pres">
+      <dgm:prSet presAssocID="{BE91D172-000C-4271-9AE9-7CE461F031D6}" presName="spacer" presStyleCnt="0"/>
+      <dgm:spPr/>
+    </dgm:pt>
+    <dgm:pt modelId="{FAA3072D-57FC-4569-84CB-80F218982458}" type="pres">
+      <dgm:prSet presAssocID="{6291668A-C3B2-42A1-957B-C80B54FD9E36}" presName="parentText" presStyleLbl="node1" presStyleIdx="8" presStyleCnt="11">
+        <dgm:presLayoutVars>
+          <dgm:chMax val="0"/>
+          <dgm:bulletEnabled val="1"/>
+        </dgm:presLayoutVars>
+      </dgm:prSet>
+      <dgm:spPr/>
+    </dgm:pt>
+    <dgm:pt modelId="{480720FC-C37E-444D-B82D-87B52D4D99FE}" type="pres">
+      <dgm:prSet presAssocID="{B69512C2-0101-4EAF-BAB6-B6DF6667F343}" presName="spacer" presStyleCnt="0"/>
+      <dgm:spPr/>
+    </dgm:pt>
+    <dgm:pt modelId="{F7CC439F-AAD9-4082-B2D1-D38A1A80552E}" type="pres">
+      <dgm:prSet presAssocID="{1C346DBF-53E8-4EC9-8A38-99AE3A8887B5}" presName="parentText" presStyleLbl="node1" presStyleIdx="9" presStyleCnt="11">
+        <dgm:presLayoutVars>
+          <dgm:chMax val="0"/>
+          <dgm:bulletEnabled val="1"/>
+        </dgm:presLayoutVars>
+      </dgm:prSet>
+      <dgm:spPr/>
+    </dgm:pt>
+    <dgm:pt modelId="{DDE1461F-EE49-4262-A9A3-29575DC74768}" type="pres">
+      <dgm:prSet presAssocID="{9020FA1E-96CA-4E5A-8DEB-F9743A8E10E2}" presName="spacer" presStyleCnt="0"/>
+      <dgm:spPr/>
+    </dgm:pt>
+    <dgm:pt modelId="{18C2BE99-9FBE-40F8-8E27-6B72F164C780}" type="pres">
+      <dgm:prSet presAssocID="{5D744CAA-4568-4D72-A229-673D22E5DDCA}" presName="parentText" presStyleLbl="node1" presStyleIdx="10" presStyleCnt="11">
+        <dgm:presLayoutVars>
+          <dgm:chMax val="0"/>
+          <dgm:bulletEnabled val="1"/>
         </dgm:presLayoutVars>
       </dgm:prSet>
       <dgm:spPr/>
     </dgm:pt>
   </dgm:ptLst>
   <dgm:cxnLst>
+    <dgm:cxn modelId="{CA73E71C-6855-49E8-8ECD-769F7C07ABB0}" srcId="{F39694BC-0ED9-4F1A-BCCC-AAFBAA652989}" destId="{185855D0-4474-43CD-935D-805A44F49CAD}" srcOrd="6" destOrd="0" parTransId="{1EE78E9B-BE93-4701-9333-25D1703DB5B5}" sibTransId="{B3D1D0FF-3408-4587-B411-028D17C37C92}"/>
     <dgm:cxn modelId="{1C6AF01D-F436-4E81-ABF7-D4F30D82D1F2}" srcId="{F39694BC-0ED9-4F1A-BCCC-AAFBAA652989}" destId="{0539145E-55A6-4D93-9E17-57141ECED5FD}" srcOrd="2" destOrd="0" parTransId="{3CCFD271-03DC-4392-9FB2-134FB95AE176}" sibTransId="{8CA69B56-FBE8-4630-B3A1-B2122F6D7788}"/>
+    <dgm:cxn modelId="{D6F84429-2CB0-4C5D-A38C-139639F3DF20}" srcId="{F39694BC-0ED9-4F1A-BCCC-AAFBAA652989}" destId="{1C346DBF-53E8-4EC9-8A38-99AE3A8887B5}" srcOrd="9" destOrd="0" parTransId="{60368DC8-7789-4698-BF3B-F37EC01C7F6B}" sibTransId="{9020FA1E-96CA-4E5A-8DEB-F9743A8E10E2}"/>
+    <dgm:cxn modelId="{5EFC6A2F-AFDA-4E9C-B37C-91D1B6DD8238}" type="presOf" srcId="{5D744CAA-4568-4D72-A229-673D22E5DDCA}" destId="{18C2BE99-9FBE-40F8-8E27-6B72F164C780}" srcOrd="0" destOrd="0" presId="urn:microsoft.com/office/officeart/2005/8/layout/vList2"/>
+    <dgm:cxn modelId="{897B4036-D407-421F-89E2-016EE7881E40}" type="presOf" srcId="{C94964C9-5D43-45BF-B1F3-7D6D86366E35}" destId="{61EA24EC-B784-4B0B-8E50-D81E6D5A8D52}" srcOrd="0" destOrd="0" presId="urn:microsoft.com/office/officeart/2005/8/layout/vList2"/>
+    <dgm:cxn modelId="{89B54061-E1D9-43B0-9122-709EEEF7FD9E}" type="presOf" srcId="{00345851-9A03-48A5-ADD9-445787A4DAC5}" destId="{8DA9D8BE-CD2B-418D-9C58-09858B5EC3B7}" srcOrd="0" destOrd="0" presId="urn:microsoft.com/office/officeart/2005/8/layout/vList2"/>
     <dgm:cxn modelId="{A471EB63-7FFA-4CB6-8DE0-DF8E8E92CFF7}" srcId="{F39694BC-0ED9-4F1A-BCCC-AAFBAA652989}" destId="{C94964C9-5D43-45BF-B1F3-7D6D86366E35}" srcOrd="3" destOrd="0" parTransId="{F70695A2-C7DE-4607-ADDD-18036C3D8EDF}" sibTransId="{3D5B3139-EA12-4206-BE50-2DEC0412A154}"/>
-    <dgm:cxn modelId="{28974955-610B-4C8F-B46F-6ED59537D9D1}" type="presOf" srcId="{C94964C9-5D43-45BF-B1F3-7D6D86366E35}" destId="{12DDD79B-454F-4743-B41B-19B8B062FDDF}" srcOrd="0" destOrd="0" presId="urn:microsoft.com/office/officeart/2018/5/layout/IconCircleLabelList"/>
-    <dgm:cxn modelId="{B8117D91-AC2C-4665-8037-768F3D417533}" type="presOf" srcId="{5DD06EF0-6277-417E-84B9-77949B197108}" destId="{124F0ADC-6D59-406F-A729-3E1AFDB619F0}" srcOrd="0" destOrd="0" presId="urn:microsoft.com/office/officeart/2018/5/layout/IconCircleLabelList"/>
-    <dgm:cxn modelId="{C3687B9D-86A8-4DA8-91F7-D17F6A10F320}" type="presOf" srcId="{58C7D68A-D44A-4C0C-8E97-B895FE038BD0}" destId="{9564C17E-82CB-49CE-8FA8-2C767BF4124F}" srcOrd="0" destOrd="0" presId="urn:microsoft.com/office/officeart/2018/5/layout/IconCircleLabelList"/>
-    <dgm:cxn modelId="{4D7F6E9F-8CD4-4771-8B7B-B5E0F8C0194E}" type="presOf" srcId="{0539145E-55A6-4D93-9E17-57141ECED5FD}" destId="{8DB97ED4-A2F2-4E74-8A2B-2E57002EB464}" srcOrd="0" destOrd="0" presId="urn:microsoft.com/office/officeart/2018/5/layout/IconCircleLabelList"/>
-    <dgm:cxn modelId="{E969B5AA-5DDC-4A17-90C5-C9F7ECCAC1C3}" type="presOf" srcId="{F39694BC-0ED9-4F1A-BCCC-AAFBAA652989}" destId="{1A8199EC-6C07-4A11-A362-F38E4BC038F7}" srcOrd="0" destOrd="0" presId="urn:microsoft.com/office/officeart/2018/5/layout/IconCircleLabelList"/>
+    <dgm:cxn modelId="{F196356B-F65A-4C26-A3B5-255F1FBFB986}" type="presOf" srcId="{1C346DBF-53E8-4EC9-8A38-99AE3A8887B5}" destId="{F7CC439F-AAD9-4082-B2D1-D38A1A80552E}" srcOrd="0" destOrd="0" presId="urn:microsoft.com/office/officeart/2005/8/layout/vList2"/>
+    <dgm:cxn modelId="{1EDE726C-29CA-4639-9369-6AE0FE388188}" srcId="{F39694BC-0ED9-4F1A-BCCC-AAFBAA652989}" destId="{FB737A78-5F2B-4A9B-870C-6D08DB9E3AC5}" srcOrd="7" destOrd="0" parTransId="{E2E4CAC1-2D25-475A-9DB9-CB0E14933917}" sibTransId="{BE91D172-000C-4271-9AE9-7CE461F031D6}"/>
+    <dgm:cxn modelId="{37E76C7C-A3BD-49C3-B106-0E90DC96AFA0}" type="presOf" srcId="{6291668A-C3B2-42A1-957B-C80B54FD9E36}" destId="{FAA3072D-57FC-4569-84CB-80F218982458}" srcOrd="0" destOrd="0" presId="urn:microsoft.com/office/officeart/2005/8/layout/vList2"/>
+    <dgm:cxn modelId="{6CDDA882-F974-49E2-895A-10D584D92C43}" srcId="{F39694BC-0ED9-4F1A-BCCC-AAFBAA652989}" destId="{7E375809-D5C1-46D8-8D05-1E2473753FC6}" srcOrd="5" destOrd="0" parTransId="{A5CEADE9-B780-42F1-87D8-959DFA595069}" sibTransId="{2A90C6C9-B4CF-4D34-A80B-BFDD8074B9E0}"/>
+    <dgm:cxn modelId="{0EC1EA85-C960-4B12-9699-D345518A27F4}" type="presOf" srcId="{7E375809-D5C1-46D8-8D05-1E2473753FC6}" destId="{E3277506-C9DA-44D1-85F8-DADC1FE19FB8}" srcOrd="0" destOrd="0" presId="urn:microsoft.com/office/officeart/2005/8/layout/vList2"/>
+    <dgm:cxn modelId="{B788E68C-F3EB-47EC-B6CE-AF4E4D97352F}" type="presOf" srcId="{5DD06EF0-6277-417E-84B9-77949B197108}" destId="{ED7BFAC2-BBB6-4F7C-85E8-46F99692881D}" srcOrd="0" destOrd="0" presId="urn:microsoft.com/office/officeart/2005/8/layout/vList2"/>
+    <dgm:cxn modelId="{0C1D2A9C-8D17-4E89-88B7-969BB60BBC2A}" type="presOf" srcId="{F39694BC-0ED9-4F1A-BCCC-AAFBAA652989}" destId="{E1D025C5-D8FA-4A69-AE09-71282F41DC62}" srcOrd="0" destOrd="0" presId="urn:microsoft.com/office/officeart/2005/8/layout/vList2"/>
     <dgm:cxn modelId="{B050C2AE-48D7-4E8A-9EA6-9E06524EAC3B}" srcId="{F39694BC-0ED9-4F1A-BCCC-AAFBAA652989}" destId="{58C7D68A-D44A-4C0C-8E97-B895FE038BD0}" srcOrd="1" destOrd="0" parTransId="{79F2BDE9-63C8-4903-801F-1A633D59B44B}" sibTransId="{93E35AE5-B787-4381-8940-B70D1CFF6D72}"/>
     <dgm:cxn modelId="{5C8828C0-0F9B-41BC-B82D-29B2D356B3B4}" srcId="{F39694BC-0ED9-4F1A-BCCC-AAFBAA652989}" destId="{5DD06EF0-6277-417E-84B9-77949B197108}" srcOrd="0" destOrd="0" parTransId="{899F0167-6A2A-4E05-ACF2-D358687A065C}" sibTransId="{CF8D2FAF-6E47-4EB8-8F28-4DD45FF7DFE3}"/>
-    <dgm:cxn modelId="{39B72FD2-BC64-4CAA-815B-A794B89A0040}" type="presOf" srcId="{00345851-9A03-48A5-ADD9-445787A4DAC5}" destId="{D81A7A68-5CE9-4AD2-839D-3BE0853E650E}" srcOrd="0" destOrd="0" presId="urn:microsoft.com/office/officeart/2018/5/layout/IconCircleLabelList"/>
+    <dgm:cxn modelId="{2ADDB8C4-1E75-4813-803E-617D6FFC0B10}" type="presOf" srcId="{FB737A78-5F2B-4A9B-870C-6D08DB9E3AC5}" destId="{34F24722-C0D8-4708-9837-64D1280EC563}" srcOrd="0" destOrd="0" presId="urn:microsoft.com/office/officeart/2005/8/layout/vList2"/>
+    <dgm:cxn modelId="{AF9824C5-0650-4A6D-ACDF-ED14CDF6F6BB}" srcId="{F39694BC-0ED9-4F1A-BCCC-AAFBAA652989}" destId="{5D744CAA-4568-4D72-A229-673D22E5DDCA}" srcOrd="10" destOrd="0" parTransId="{376E5262-7A39-408C-86C2-404CB747631A}" sibTransId="{0017135D-01A6-4888-93D2-A344BC0BD627}"/>
+    <dgm:cxn modelId="{04A996C5-35C7-4C0B-8B24-C2B9549351D2}" type="presOf" srcId="{58C7D68A-D44A-4C0C-8E97-B895FE038BD0}" destId="{6BCB7B10-D40F-402E-A810-E912F633F558}" srcOrd="0" destOrd="0" presId="urn:microsoft.com/office/officeart/2005/8/layout/vList2"/>
+    <dgm:cxn modelId="{C49D3DE4-EDB7-4FAE-A7D3-29E7889FCE00}" srcId="{F39694BC-0ED9-4F1A-BCCC-AAFBAA652989}" destId="{6291668A-C3B2-42A1-957B-C80B54FD9E36}" srcOrd="8" destOrd="0" parTransId="{88708127-BCCB-416E-8007-D44E261CCDF5}" sibTransId="{B69512C2-0101-4EAF-BAB6-B6DF6667F343}"/>
+    <dgm:cxn modelId="{68D91BEA-85AF-4CF8-9CE6-75F5EFFD8815}" type="presOf" srcId="{0539145E-55A6-4D93-9E17-57141ECED5FD}" destId="{92AB19E5-6031-4C95-B2E3-7C240F1EAAE6}" srcOrd="0" destOrd="0" presId="urn:microsoft.com/office/officeart/2005/8/layout/vList2"/>
+    <dgm:cxn modelId="{0A6C5BEF-AE3F-4359-B67D-9E9B398DF032}" type="presOf" srcId="{185855D0-4474-43CD-935D-805A44F49CAD}" destId="{CB9C04F2-BEA7-4A16-AD73-38A6B5794C0B}" srcOrd="0" destOrd="0" presId="urn:microsoft.com/office/officeart/2005/8/layout/vList2"/>
     <dgm:cxn modelId="{ACC7BFF1-1FA8-4994-9650-260C09618CCD}" srcId="{F39694BC-0ED9-4F1A-BCCC-AAFBAA652989}" destId="{00345851-9A03-48A5-ADD9-445787A4DAC5}" srcOrd="4" destOrd="0" parTransId="{8ECD942D-9682-4D25-9BB7-0709D3C1E4A2}" sibTransId="{87D97D2E-E651-4F8B-82C2-0DF0B8AB2645}"/>
-    <dgm:cxn modelId="{0CEF7C33-B230-443D-9827-70972DA99986}" type="presParOf" srcId="{1A8199EC-6C07-4A11-A362-F38E4BC038F7}" destId="{EB6693EA-D014-4309-86C6-8B2073F8DE80}" srcOrd="0" destOrd="0" presId="urn:microsoft.com/office/officeart/2018/5/layout/IconCircleLabelList"/>
-    <dgm:cxn modelId="{62B43A11-8577-4D1E-82EA-D8326622D4B1}" type="presParOf" srcId="{EB6693EA-D014-4309-86C6-8B2073F8DE80}" destId="{4E6C3FAE-D548-4F84-BE64-6BEC35A6BAF2}" srcOrd="0" destOrd="0" presId="urn:microsoft.com/office/officeart/2018/5/layout/IconCircleLabelList"/>
-    <dgm:cxn modelId="{E13AC609-7E45-4A4F-994C-2DB19705DB45}" type="presParOf" srcId="{EB6693EA-D014-4309-86C6-8B2073F8DE80}" destId="{58B8A17E-A5E1-4540-83CC-67FEDEF1A530}" srcOrd="1" destOrd="0" presId="urn:microsoft.com/office/officeart/2018/5/layout/IconCircleLabelList"/>
-    <dgm:cxn modelId="{F29BFBBD-FC68-4493-B050-1415DC1F20C9}" type="presParOf" srcId="{EB6693EA-D014-4309-86C6-8B2073F8DE80}" destId="{64F71ECD-BCC6-4608-AEA2-36ECFDB6B241}" srcOrd="2" destOrd="0" presId="urn:microsoft.com/office/officeart/2018/5/layout/IconCircleLabelList"/>
-    <dgm:cxn modelId="{EE7AC3DF-87C3-4DF1-A023-248B39324325}" type="presParOf" srcId="{EB6693EA-D014-4309-86C6-8B2073F8DE80}" destId="{124F0ADC-6D59-406F-A729-3E1AFDB619F0}" srcOrd="3" destOrd="0" presId="urn:microsoft.com/office/officeart/2018/5/layout/IconCircleLabelList"/>
-    <dgm:cxn modelId="{B0188BA7-ACC5-445A-A25C-B308C064CBA6}" type="presParOf" srcId="{1A8199EC-6C07-4A11-A362-F38E4BC038F7}" destId="{07BE30E2-F32E-4FBA-A71F-A09D941C718B}" srcOrd="1" destOrd="0" presId="urn:microsoft.com/office/officeart/2018/5/layout/IconCircleLabelList"/>
-    <dgm:cxn modelId="{1059764C-F3E0-45C8-94C3-45B48D5FF050}" type="presParOf" srcId="{1A8199EC-6C07-4A11-A362-F38E4BC038F7}" destId="{C443E8C8-1B40-4A0E-A715-B2090C6D645F}" srcOrd="2" destOrd="0" presId="urn:microsoft.com/office/officeart/2018/5/layout/IconCircleLabelList"/>
-    <dgm:cxn modelId="{40A78A3E-98A2-485D-88D1-22E95547C0FC}" type="presParOf" srcId="{C443E8C8-1B40-4A0E-A715-B2090C6D645F}" destId="{856D62F6-1FF0-417E-90B2-F350DD010AFD}" srcOrd="0" destOrd="0" presId="urn:microsoft.com/office/officeart/2018/5/layout/IconCircleLabelList"/>
-    <dgm:cxn modelId="{04FE5528-9DC8-4009-A1EB-C9607D3EAAD5}" type="presParOf" srcId="{C443E8C8-1B40-4A0E-A715-B2090C6D645F}" destId="{AADBCD01-BD3D-4FD4-90E6-A84A36F1E0C8}" srcOrd="1" destOrd="0" presId="urn:microsoft.com/office/officeart/2018/5/layout/IconCircleLabelList"/>
-    <dgm:cxn modelId="{EBB9ECDD-CAF2-40ED-9469-5A6F436D1B3C}" type="presParOf" srcId="{C443E8C8-1B40-4A0E-A715-B2090C6D645F}" destId="{56D46E31-740A-43A3-8BDC-8457EDA15972}" srcOrd="2" destOrd="0" presId="urn:microsoft.com/office/officeart/2018/5/layout/IconCircleLabelList"/>
-    <dgm:cxn modelId="{5C098D95-3D6F-4CE0-871B-828775C2EA85}" type="presParOf" srcId="{C443E8C8-1B40-4A0E-A715-B2090C6D645F}" destId="{9564C17E-82CB-49CE-8FA8-2C767BF4124F}" srcOrd="3" destOrd="0" presId="urn:microsoft.com/office/officeart/2018/5/layout/IconCircleLabelList"/>
-    <dgm:cxn modelId="{C51EFCD9-F58B-45DD-9A6C-526244E4E14B}" type="presParOf" srcId="{1A8199EC-6C07-4A11-A362-F38E4BC038F7}" destId="{534E4B33-D1E8-44F5-9F28-BBC6C2139578}" srcOrd="3" destOrd="0" presId="urn:microsoft.com/office/officeart/2018/5/layout/IconCircleLabelList"/>
-    <dgm:cxn modelId="{BCDD2A76-3B03-4A08-AB4B-3C71B298D5CC}" type="presParOf" srcId="{1A8199EC-6C07-4A11-A362-F38E4BC038F7}" destId="{4972337B-164D-4302-B148-F58D4824EFAA}" srcOrd="4" destOrd="0" presId="urn:microsoft.com/office/officeart/2018/5/layout/IconCircleLabelList"/>
-    <dgm:cxn modelId="{C2EFCE0F-987D-492A-810D-DAEEC2540C5A}" type="presParOf" srcId="{4972337B-164D-4302-B148-F58D4824EFAA}" destId="{55586F98-9515-475C-AA69-11EA51D6F283}" srcOrd="0" destOrd="0" presId="urn:microsoft.com/office/officeart/2018/5/layout/IconCircleLabelList"/>
-    <dgm:cxn modelId="{FAC5EEF3-7FC4-400F-B64F-2126AA1126E3}" type="presParOf" srcId="{4972337B-164D-4302-B148-F58D4824EFAA}" destId="{5724872C-7C8C-4B27-BEEB-92122471FDD9}" srcOrd="1" destOrd="0" presId="urn:microsoft.com/office/officeart/2018/5/layout/IconCircleLabelList"/>
-    <dgm:cxn modelId="{63C7184F-7412-43AA-9131-B408936CA529}" type="presParOf" srcId="{4972337B-164D-4302-B148-F58D4824EFAA}" destId="{C3F89B2B-2F97-4868-A88F-C139752C99FF}" srcOrd="2" destOrd="0" presId="urn:microsoft.com/office/officeart/2018/5/layout/IconCircleLabelList"/>
-    <dgm:cxn modelId="{F8951EC7-B91A-42FE-8C29-DBFC755117DC}" type="presParOf" srcId="{4972337B-164D-4302-B148-F58D4824EFAA}" destId="{8DB97ED4-A2F2-4E74-8A2B-2E57002EB464}" srcOrd="3" destOrd="0" presId="urn:microsoft.com/office/officeart/2018/5/layout/IconCircleLabelList"/>
-    <dgm:cxn modelId="{1851D325-2E38-405A-A87D-7945B583EAC3}" type="presParOf" srcId="{1A8199EC-6C07-4A11-A362-F38E4BC038F7}" destId="{F9D56646-3721-46B2-AE70-746BF129DC59}" srcOrd="5" destOrd="0" presId="urn:microsoft.com/office/officeart/2018/5/layout/IconCircleLabelList"/>
-    <dgm:cxn modelId="{1AEBC889-4541-4EDB-9751-38D3C006B6A0}" type="presParOf" srcId="{1A8199EC-6C07-4A11-A362-F38E4BC038F7}" destId="{23F38F1B-8137-47C8-926B-6428A36266DA}" srcOrd="6" destOrd="0" presId="urn:microsoft.com/office/officeart/2018/5/layout/IconCircleLabelList"/>
-    <dgm:cxn modelId="{C9BF3017-243D-40B9-ABE9-F1D1154C1561}" type="presParOf" srcId="{23F38F1B-8137-47C8-926B-6428A36266DA}" destId="{2886461D-BAC2-4A09-962D-46E1EDED800A}" srcOrd="0" destOrd="0" presId="urn:microsoft.com/office/officeart/2018/5/layout/IconCircleLabelList"/>
-    <dgm:cxn modelId="{9CFF8489-D3A6-422B-BA54-296B1072BFDD}" type="presParOf" srcId="{23F38F1B-8137-47C8-926B-6428A36266DA}" destId="{E2F989FA-EF3B-4C2D-8396-803F92B2B3C4}" srcOrd="1" destOrd="0" presId="urn:microsoft.com/office/officeart/2018/5/layout/IconCircleLabelList"/>
-    <dgm:cxn modelId="{079BF9C6-2CFB-44AA-9A73-3A238981A098}" type="presParOf" srcId="{23F38F1B-8137-47C8-926B-6428A36266DA}" destId="{F06361DB-C889-4FC8-AEE9-173E1BC4771A}" srcOrd="2" destOrd="0" presId="urn:microsoft.com/office/officeart/2018/5/layout/IconCircleLabelList"/>
-    <dgm:cxn modelId="{8436156C-C989-428C-B46B-C909B524B32F}" type="presParOf" srcId="{23F38F1B-8137-47C8-926B-6428A36266DA}" destId="{12DDD79B-454F-4743-B41B-19B8B062FDDF}" srcOrd="3" destOrd="0" presId="urn:microsoft.com/office/officeart/2018/5/layout/IconCircleLabelList"/>
-    <dgm:cxn modelId="{95B3785F-AF8D-4838-B2C6-3D2D14D92780}" type="presParOf" srcId="{1A8199EC-6C07-4A11-A362-F38E4BC038F7}" destId="{07A83513-1EE7-4BE0-819D-0A157F7728A0}" srcOrd="7" destOrd="0" presId="urn:microsoft.com/office/officeart/2018/5/layout/IconCircleLabelList"/>
-    <dgm:cxn modelId="{0610AA80-AA8F-4D2A-A9C4-A280A141F1F7}" type="presParOf" srcId="{1A8199EC-6C07-4A11-A362-F38E4BC038F7}" destId="{C52796DE-2EF2-4336-8773-E8ACE4105DD1}" srcOrd="8" destOrd="0" presId="urn:microsoft.com/office/officeart/2018/5/layout/IconCircleLabelList"/>
-    <dgm:cxn modelId="{72BB1BFC-7847-4ED0-91E6-6AA99BA5C1C9}" type="presParOf" srcId="{C52796DE-2EF2-4336-8773-E8ACE4105DD1}" destId="{ED7EAE73-E031-4433-BA72-BD8CFB298093}" srcOrd="0" destOrd="0" presId="urn:microsoft.com/office/officeart/2018/5/layout/IconCircleLabelList"/>
-    <dgm:cxn modelId="{407DDD31-0AA9-400E-B9F1-F3A159398D47}" type="presParOf" srcId="{C52796DE-2EF2-4336-8773-E8ACE4105DD1}" destId="{185D878B-F9CB-4BF9-94B4-19FFEB0A391F}" srcOrd="1" destOrd="0" presId="urn:microsoft.com/office/officeart/2018/5/layout/IconCircleLabelList"/>
-    <dgm:cxn modelId="{47E13F20-127B-46A6-A513-A16EF1772769}" type="presParOf" srcId="{C52796DE-2EF2-4336-8773-E8ACE4105DD1}" destId="{5D02614D-AFF8-4521-9DE7-809A4CE44D15}" srcOrd="2" destOrd="0" presId="urn:microsoft.com/office/officeart/2018/5/layout/IconCircleLabelList"/>
-    <dgm:cxn modelId="{F1338998-A541-476E-89C4-AEF73C6F2D09}" type="presParOf" srcId="{C52796DE-2EF2-4336-8773-E8ACE4105DD1}" destId="{D81A7A68-5CE9-4AD2-839D-3BE0853E650E}" srcOrd="3" destOrd="0" presId="urn:microsoft.com/office/officeart/2018/5/layout/IconCircleLabelList"/>
+    <dgm:cxn modelId="{1B9EF2CC-98FD-4462-9433-198B0AC4AC05}" type="presParOf" srcId="{E1D025C5-D8FA-4A69-AE09-71282F41DC62}" destId="{ED7BFAC2-BBB6-4F7C-85E8-46F99692881D}" srcOrd="0" destOrd="0" presId="urn:microsoft.com/office/officeart/2005/8/layout/vList2"/>
+    <dgm:cxn modelId="{14FC4EAB-D0D1-4359-8508-4BC03414195B}" type="presParOf" srcId="{E1D025C5-D8FA-4A69-AE09-71282F41DC62}" destId="{E60024EB-A96F-4250-87A1-35926B943526}" srcOrd="1" destOrd="0" presId="urn:microsoft.com/office/officeart/2005/8/layout/vList2"/>
+    <dgm:cxn modelId="{B7B670E9-6DE6-442B-8E5D-2093EB1CE054}" type="presParOf" srcId="{E1D025C5-D8FA-4A69-AE09-71282F41DC62}" destId="{6BCB7B10-D40F-402E-A810-E912F633F558}" srcOrd="2" destOrd="0" presId="urn:microsoft.com/office/officeart/2005/8/layout/vList2"/>
+    <dgm:cxn modelId="{A929F15B-4FC6-4F6C-872D-D6E159451B41}" type="presParOf" srcId="{E1D025C5-D8FA-4A69-AE09-71282F41DC62}" destId="{B8FFE8C8-3947-4A83-B0AB-0D97667E4805}" srcOrd="3" destOrd="0" presId="urn:microsoft.com/office/officeart/2005/8/layout/vList2"/>
+    <dgm:cxn modelId="{F8285B3B-C300-47E7-A867-32C68E6EA10B}" type="presParOf" srcId="{E1D025C5-D8FA-4A69-AE09-71282F41DC62}" destId="{92AB19E5-6031-4C95-B2E3-7C240F1EAAE6}" srcOrd="4" destOrd="0" presId="urn:microsoft.com/office/officeart/2005/8/layout/vList2"/>
+    <dgm:cxn modelId="{A4791A4D-AF6A-4B93-B795-D01407FDC345}" type="presParOf" srcId="{E1D025C5-D8FA-4A69-AE09-71282F41DC62}" destId="{71EA1094-E546-45F1-8354-F78E079593BA}" srcOrd="5" destOrd="0" presId="urn:microsoft.com/office/officeart/2005/8/layout/vList2"/>
+    <dgm:cxn modelId="{5451BAF1-359E-4B38-A918-66EDEB5B7672}" type="presParOf" srcId="{E1D025C5-D8FA-4A69-AE09-71282F41DC62}" destId="{61EA24EC-B784-4B0B-8E50-D81E6D5A8D52}" srcOrd="6" destOrd="0" presId="urn:microsoft.com/office/officeart/2005/8/layout/vList2"/>
+    <dgm:cxn modelId="{D91089CE-9181-443B-A627-E94CB58BFC64}" type="presParOf" srcId="{E1D025C5-D8FA-4A69-AE09-71282F41DC62}" destId="{D0C87A42-DE53-49FF-8F56-C65E463DD3A5}" srcOrd="7" destOrd="0" presId="urn:microsoft.com/office/officeart/2005/8/layout/vList2"/>
+    <dgm:cxn modelId="{C7E55BF8-B444-4A55-9537-B77A78C2A342}" type="presParOf" srcId="{E1D025C5-D8FA-4A69-AE09-71282F41DC62}" destId="{8DA9D8BE-CD2B-418D-9C58-09858B5EC3B7}" srcOrd="8" destOrd="0" presId="urn:microsoft.com/office/officeart/2005/8/layout/vList2"/>
+    <dgm:cxn modelId="{E584DDDE-FB2F-4F17-A582-E8AB0A3CC737}" type="presParOf" srcId="{E1D025C5-D8FA-4A69-AE09-71282F41DC62}" destId="{C0BDD29E-B4B1-4F67-9D64-DFF3D15CE2B5}" srcOrd="9" destOrd="0" presId="urn:microsoft.com/office/officeart/2005/8/layout/vList2"/>
+    <dgm:cxn modelId="{7D0D1C5F-2B1A-40C7-AD71-2D3F21DE7E41}" type="presParOf" srcId="{E1D025C5-D8FA-4A69-AE09-71282F41DC62}" destId="{E3277506-C9DA-44D1-85F8-DADC1FE19FB8}" srcOrd="10" destOrd="0" presId="urn:microsoft.com/office/officeart/2005/8/layout/vList2"/>
+    <dgm:cxn modelId="{D7A84A60-8AD6-4818-A704-3BDBFB5F3CFA}" type="presParOf" srcId="{E1D025C5-D8FA-4A69-AE09-71282F41DC62}" destId="{4DD79DAA-2BDC-46B5-8C8F-3BA0A6F65FFE}" srcOrd="11" destOrd="0" presId="urn:microsoft.com/office/officeart/2005/8/layout/vList2"/>
+    <dgm:cxn modelId="{26B35DB8-FB81-457A-BC28-89312C678DC7}" type="presParOf" srcId="{E1D025C5-D8FA-4A69-AE09-71282F41DC62}" destId="{CB9C04F2-BEA7-4A16-AD73-38A6B5794C0B}" srcOrd="12" destOrd="0" presId="urn:microsoft.com/office/officeart/2005/8/layout/vList2"/>
+    <dgm:cxn modelId="{55F9F5DC-07CE-4431-B8D5-5DE4771D31CA}" type="presParOf" srcId="{E1D025C5-D8FA-4A69-AE09-71282F41DC62}" destId="{61A3D4B9-D904-4390-B0B9-79B1FAC489DD}" srcOrd="13" destOrd="0" presId="urn:microsoft.com/office/officeart/2005/8/layout/vList2"/>
+    <dgm:cxn modelId="{30C2FB1E-57D8-4638-B2DB-D1275920407A}" type="presParOf" srcId="{E1D025C5-D8FA-4A69-AE09-71282F41DC62}" destId="{34F24722-C0D8-4708-9837-64D1280EC563}" srcOrd="14" destOrd="0" presId="urn:microsoft.com/office/officeart/2005/8/layout/vList2"/>
+    <dgm:cxn modelId="{A5C9C84A-66A2-4BC4-9E59-314E2ABD765F}" type="presParOf" srcId="{E1D025C5-D8FA-4A69-AE09-71282F41DC62}" destId="{89B8804A-8873-4E59-B046-764DB0AE34FC}" srcOrd="15" destOrd="0" presId="urn:microsoft.com/office/officeart/2005/8/layout/vList2"/>
+    <dgm:cxn modelId="{1FCA8B3E-7304-4EC2-92A0-5BED76710AE5}" type="presParOf" srcId="{E1D025C5-D8FA-4A69-AE09-71282F41DC62}" destId="{FAA3072D-57FC-4569-84CB-80F218982458}" srcOrd="16" destOrd="0" presId="urn:microsoft.com/office/officeart/2005/8/layout/vList2"/>
+    <dgm:cxn modelId="{DEC4042F-F302-4D88-B4B7-D4DBA25EB40E}" type="presParOf" srcId="{E1D025C5-D8FA-4A69-AE09-71282F41DC62}" destId="{480720FC-C37E-444D-B82D-87B52D4D99FE}" srcOrd="17" destOrd="0" presId="urn:microsoft.com/office/officeart/2005/8/layout/vList2"/>
+    <dgm:cxn modelId="{F196328C-C7A4-4731-AF4A-7262FE1BCD77}" type="presParOf" srcId="{E1D025C5-D8FA-4A69-AE09-71282F41DC62}" destId="{F7CC439F-AAD9-4082-B2D1-D38A1A80552E}" srcOrd="18" destOrd="0" presId="urn:microsoft.com/office/officeart/2005/8/layout/vList2"/>
+    <dgm:cxn modelId="{BFEABF16-5C01-40EE-9EC8-55D89C39B771}" type="presParOf" srcId="{E1D025C5-D8FA-4A69-AE09-71282F41DC62}" destId="{DDE1461F-EE49-4262-A9A3-29575DC74768}" srcOrd="19" destOrd="0" presId="urn:microsoft.com/office/officeart/2005/8/layout/vList2"/>
+    <dgm:cxn modelId="{98CDD3A2-064A-408B-90A9-EF39581910C8}" type="presParOf" srcId="{E1D025C5-D8FA-4A69-AE09-71282F41DC62}" destId="{18C2BE99-9FBE-40F8-8E27-6B72F164C780}" srcOrd="20" destOrd="0" presId="urn:microsoft.com/office/officeart/2005/8/layout/vList2"/>
   </dgm:cxnLst>
   <dgm:bg/>
   <dgm:whole/>
   <dgm:extLst>
     <a:ext uri="http://schemas.microsoft.com/office/drawing/2008/diagram">
-      <dsp:dataModelExt xmlns:dsp="http://schemas.microsoft.com/office/drawing/2008/diagram" relId="rId6" minVer="http://schemas.openxmlformats.org/drawingml/2006/diagram"/>
+      <dsp:dataModelExt xmlns:dsp="http://schemas.microsoft.com/office/drawing/2008/diagram" relId="rId7" minVer="http://schemas.openxmlformats.org/drawingml/2006/diagram"/>
     </a:ext>
   </dgm:extLst>
 </dgm:dataModel>
@@ -2792,27 +2769,57 @@
       <dsp:cNvGrpSpPr/>
     </dsp:nvGrpSpPr>
     <dsp:grpSpPr/>
-    <dsp:sp modelId="{4E6C3FAE-D548-4F84-BE64-6BEC35A6BAF2}">
+    <dsp:sp modelId="{ED7BFAC2-BBB6-4F7C-85E8-46F99692881D}">
       <dsp:nvSpPr>
         <dsp:cNvPr id="0" name=""/>
         <dsp:cNvSpPr/>
       </dsp:nvSpPr>
       <dsp:spPr>
         <a:xfrm>
-          <a:off x="668684" y="622138"/>
-          <a:ext cx="1098000" cy="1098000"/>
+          <a:off x="0" y="28943"/>
+          <a:ext cx="5913437" cy="374400"/>
         </a:xfrm>
-        <a:prstGeom prst="ellipse">
+        <a:prstGeom prst="roundRect">
           <a:avLst/>
         </a:prstGeom>
-        <a:solidFill>
-          <a:schemeClr val="accent2">
-            <a:hueOff val="0"/>
-            <a:satOff val="0"/>
-            <a:lumOff val="0"/>
-            <a:alphaOff val="0"/>
-          </a:schemeClr>
-        </a:solidFill>
+        <a:gradFill rotWithShape="0">
+          <a:gsLst>
+            <a:gs pos="0">
+              <a:schemeClr val="accent2">
+                <a:hueOff val="0"/>
+                <a:satOff val="0"/>
+                <a:lumOff val="0"/>
+                <a:alphaOff val="0"/>
+                <a:tint val="98000"/>
+                <a:satMod val="110000"/>
+                <a:lumMod val="104000"/>
+              </a:schemeClr>
+            </a:gs>
+            <a:gs pos="69000">
+              <a:schemeClr val="accent2">
+                <a:hueOff val="0"/>
+                <a:satOff val="0"/>
+                <a:lumOff val="0"/>
+                <a:alphaOff val="0"/>
+                <a:shade val="88000"/>
+                <a:satMod val="130000"/>
+                <a:lumMod val="92000"/>
+              </a:schemeClr>
+            </a:gs>
+            <a:gs pos="100000">
+              <a:schemeClr val="accent2">
+                <a:hueOff val="0"/>
+                <a:satOff val="0"/>
+                <a:lumOff val="0"/>
+                <a:alphaOff val="0"/>
+                <a:shade val="78000"/>
+                <a:satMod val="130000"/>
+                <a:lumMod val="92000"/>
+              </a:schemeClr>
+            </a:gs>
+          </a:gsLst>
+          <a:lin ang="5400000" scaled="0"/>
+        </a:gradFill>
         <a:ln>
           <a:noFill/>
         </a:ln>
@@ -2822,102 +2829,23 @@
         <a:lnRef idx="0">
           <a:scrgbClr r="0" g="0" b="0"/>
         </a:lnRef>
-        <a:fillRef idx="1">
+        <a:fillRef idx="3">
           <a:scrgbClr r="0" g="0" b="0"/>
         </a:fillRef>
-        <a:effectRef idx="0">
-          <a:scrgbClr r="0" g="0" b="0"/>
-        </a:effectRef>
-        <a:fontRef idx="minor"/>
-      </dsp:style>
-    </dsp:sp>
-    <dsp:sp modelId="{58B8A17E-A5E1-4540-83CC-67FEDEF1A530}">
-      <dsp:nvSpPr>
-        <dsp:cNvPr id="0" name=""/>
-        <dsp:cNvSpPr/>
-      </dsp:nvSpPr>
-      <dsp:spPr>
-        <a:xfrm>
-          <a:off x="902684" y="856138"/>
-          <a:ext cx="630000" cy="630000"/>
-        </a:xfrm>
-        <a:prstGeom prst="rect">
-          <a:avLst/>
-        </a:prstGeom>
-        <a:blipFill>
-          <a:blip xmlns:r="http://schemas.openxmlformats.org/officeDocument/2006/relationships" r:embed="rId1">
-            <a:extLst>
-              <a:ext uri="{28A0092B-C50C-407E-A947-70E740481C1C}">
-                <a14:useLocalDpi xmlns:a14="http://schemas.microsoft.com/office/drawing/2010/main" val="0"/>
-              </a:ext>
-              <a:ext uri="{96DAC541-7B7A-43D3-8B79-37D633B846F1}">
-                <asvg:svgBlip xmlns:asvg="http://schemas.microsoft.com/office/drawing/2016/SVG/main" r:embed="rId2"/>
-              </a:ext>
-            </a:extLst>
-          </a:blip>
-          <a:stretch>
-            <a:fillRect/>
-          </a:stretch>
-        </a:blipFill>
-        <a:ln w="15875" cap="flat" cmpd="sng" algn="ctr">
-          <a:noFill/>
-          <a:prstDash val="solid"/>
-        </a:ln>
-        <a:effectLst/>
-      </dsp:spPr>
-      <dsp:style>
-        <a:lnRef idx="2">
-          <a:scrgbClr r="0" g="0" b="0"/>
-        </a:lnRef>
-        <a:fillRef idx="1">
-          <a:scrgbClr r="0" g="0" b="0"/>
-        </a:fillRef>
-        <a:effectRef idx="0">
+        <a:effectRef idx="2">
           <a:scrgbClr r="0" g="0" b="0"/>
         </a:effectRef>
         <a:fontRef idx="minor">
           <a:schemeClr val="lt1"/>
         </a:fontRef>
       </dsp:style>
-    </dsp:sp>
-    <dsp:sp modelId="{124F0ADC-6D59-406F-A729-3E1AFDB619F0}">
-      <dsp:nvSpPr>
-        <dsp:cNvPr id="0" name=""/>
-        <dsp:cNvSpPr/>
-      </dsp:nvSpPr>
-      <dsp:spPr>
-        <a:xfrm>
-          <a:off x="317684" y="2062138"/>
-          <a:ext cx="1800000" cy="720000"/>
-        </a:xfrm>
-        <a:prstGeom prst="rect">
-          <a:avLst/>
-        </a:prstGeom>
-        <a:noFill/>
-        <a:ln>
-          <a:noFill/>
-        </a:ln>
-        <a:effectLst/>
-      </dsp:spPr>
-      <dsp:style>
-        <a:lnRef idx="0">
-          <a:scrgbClr r="0" g="0" b="0"/>
-        </a:lnRef>
-        <a:fillRef idx="0">
-          <a:scrgbClr r="0" g="0" b="0"/>
-        </a:fillRef>
-        <a:effectRef idx="0">
-          <a:scrgbClr r="0" g="0" b="0"/>
-        </a:effectRef>
-        <a:fontRef idx="minor"/>
-      </dsp:style>
       <dsp:txBody>
-        <a:bodyPr spcFirstLastPara="0" vert="horz" wrap="square" lIns="0" tIns="0" rIns="0" bIns="0" numCol="1" spcCol="1270" anchor="t" anchorCtr="0">
+        <a:bodyPr spcFirstLastPara="0" vert="horz" wrap="square" lIns="60960" tIns="60960" rIns="60960" bIns="60960" numCol="1" spcCol="1270" anchor="ctr" anchorCtr="0">
           <a:noAutofit/>
         </a:bodyPr>
         <a:lstStyle/>
         <a:p>
-          <a:pPr marL="0" lvl="0" indent="0" algn="ctr" defTabSz="711200">
+          <a:pPr marL="0" lvl="0" indent="0" algn="l" defTabSz="711200">
             <a:lnSpc>
               <a:spcPct val="90000"/>
             </a:lnSpc>
@@ -2938,31 +2866,61 @@
         </a:p>
       </dsp:txBody>
       <dsp:txXfrm>
-        <a:off x="317684" y="2062138"/>
-        <a:ext cx="1800000" cy="720000"/>
+        <a:off x="18277" y="47220"/>
+        <a:ext cx="5876883" cy="337846"/>
       </dsp:txXfrm>
     </dsp:sp>
-    <dsp:sp modelId="{856D62F6-1FF0-417E-90B2-F350DD010AFD}">
+    <dsp:sp modelId="{6BCB7B10-D40F-402E-A810-E912F633F558}">
       <dsp:nvSpPr>
         <dsp:cNvPr id="0" name=""/>
         <dsp:cNvSpPr/>
       </dsp:nvSpPr>
       <dsp:spPr>
         <a:xfrm>
-          <a:off x="2783684" y="622138"/>
-          <a:ext cx="1098000" cy="1098000"/>
+          <a:off x="0" y="449423"/>
+          <a:ext cx="5913437" cy="374400"/>
         </a:xfrm>
-        <a:prstGeom prst="ellipse">
+        <a:prstGeom prst="roundRect">
           <a:avLst/>
         </a:prstGeom>
-        <a:solidFill>
-          <a:schemeClr val="accent3">
-            <a:hueOff val="0"/>
-            <a:satOff val="0"/>
-            <a:lumOff val="0"/>
-            <a:alphaOff val="0"/>
-          </a:schemeClr>
-        </a:solidFill>
+        <a:gradFill rotWithShape="0">
+          <a:gsLst>
+            <a:gs pos="0">
+              <a:schemeClr val="accent2">
+                <a:hueOff val="-339298"/>
+                <a:satOff val="1118"/>
+                <a:lumOff val="1196"/>
+                <a:alphaOff val="0"/>
+                <a:tint val="98000"/>
+                <a:satMod val="110000"/>
+                <a:lumMod val="104000"/>
+              </a:schemeClr>
+            </a:gs>
+            <a:gs pos="69000">
+              <a:schemeClr val="accent2">
+                <a:hueOff val="-339298"/>
+                <a:satOff val="1118"/>
+                <a:lumOff val="1196"/>
+                <a:alphaOff val="0"/>
+                <a:shade val="88000"/>
+                <a:satMod val="130000"/>
+                <a:lumMod val="92000"/>
+              </a:schemeClr>
+            </a:gs>
+            <a:gs pos="100000">
+              <a:schemeClr val="accent2">
+                <a:hueOff val="-339298"/>
+                <a:satOff val="1118"/>
+                <a:lumOff val="1196"/>
+                <a:alphaOff val="0"/>
+                <a:shade val="78000"/>
+                <a:satMod val="130000"/>
+                <a:lumMod val="92000"/>
+              </a:schemeClr>
+            </a:gs>
+          </a:gsLst>
+          <a:lin ang="5400000" scaled="0"/>
+        </a:gradFill>
         <a:ln>
           <a:noFill/>
         </a:ln>
@@ -2972,102 +2930,23 @@
         <a:lnRef idx="0">
           <a:scrgbClr r="0" g="0" b="0"/>
         </a:lnRef>
-        <a:fillRef idx="1">
+        <a:fillRef idx="3">
           <a:scrgbClr r="0" g="0" b="0"/>
         </a:fillRef>
-        <a:effectRef idx="0">
-          <a:scrgbClr r="0" g="0" b="0"/>
-        </a:effectRef>
-        <a:fontRef idx="minor"/>
-      </dsp:style>
-    </dsp:sp>
-    <dsp:sp modelId="{AADBCD01-BD3D-4FD4-90E6-A84A36F1E0C8}">
-      <dsp:nvSpPr>
-        <dsp:cNvPr id="0" name=""/>
-        <dsp:cNvSpPr/>
-      </dsp:nvSpPr>
-      <dsp:spPr>
-        <a:xfrm>
-          <a:off x="3017684" y="856138"/>
-          <a:ext cx="630000" cy="630000"/>
-        </a:xfrm>
-        <a:prstGeom prst="rect">
-          <a:avLst/>
-        </a:prstGeom>
-        <a:blipFill>
-          <a:blip xmlns:r="http://schemas.openxmlformats.org/officeDocument/2006/relationships" r:embed="rId3">
-            <a:extLst>
-              <a:ext uri="{28A0092B-C50C-407E-A947-70E740481C1C}">
-                <a14:useLocalDpi xmlns:a14="http://schemas.microsoft.com/office/drawing/2010/main" val="0"/>
-              </a:ext>
-              <a:ext uri="{96DAC541-7B7A-43D3-8B79-37D633B846F1}">
-                <asvg:svgBlip xmlns:asvg="http://schemas.microsoft.com/office/drawing/2016/SVG/main" r:embed="rId4"/>
-              </a:ext>
-            </a:extLst>
-          </a:blip>
-          <a:stretch>
-            <a:fillRect/>
-          </a:stretch>
-        </a:blipFill>
-        <a:ln w="15875" cap="flat" cmpd="sng" algn="ctr">
-          <a:noFill/>
-          <a:prstDash val="solid"/>
-        </a:ln>
-        <a:effectLst/>
-      </dsp:spPr>
-      <dsp:style>
-        <a:lnRef idx="2">
-          <a:scrgbClr r="0" g="0" b="0"/>
-        </a:lnRef>
-        <a:fillRef idx="1">
-          <a:scrgbClr r="0" g="0" b="0"/>
-        </a:fillRef>
-        <a:effectRef idx="0">
+        <a:effectRef idx="2">
           <a:scrgbClr r="0" g="0" b="0"/>
         </a:effectRef>
         <a:fontRef idx="minor">
           <a:schemeClr val="lt1"/>
         </a:fontRef>
       </dsp:style>
-    </dsp:sp>
-    <dsp:sp modelId="{9564C17E-82CB-49CE-8FA8-2C767BF4124F}">
-      <dsp:nvSpPr>
-        <dsp:cNvPr id="0" name=""/>
-        <dsp:cNvSpPr/>
-      </dsp:nvSpPr>
-      <dsp:spPr>
-        <a:xfrm>
-          <a:off x="2432684" y="2062138"/>
-          <a:ext cx="1800000" cy="720000"/>
-        </a:xfrm>
-        <a:prstGeom prst="rect">
-          <a:avLst/>
-        </a:prstGeom>
-        <a:noFill/>
-        <a:ln>
-          <a:noFill/>
-        </a:ln>
-        <a:effectLst/>
-      </dsp:spPr>
-      <dsp:style>
-        <a:lnRef idx="0">
-          <a:scrgbClr r="0" g="0" b="0"/>
-        </a:lnRef>
-        <a:fillRef idx="0">
-          <a:scrgbClr r="0" g="0" b="0"/>
-        </a:fillRef>
-        <a:effectRef idx="0">
-          <a:scrgbClr r="0" g="0" b="0"/>
-        </a:effectRef>
-        <a:fontRef idx="minor"/>
-      </dsp:style>
       <dsp:txBody>
-        <a:bodyPr spcFirstLastPara="0" vert="horz" wrap="square" lIns="0" tIns="0" rIns="0" bIns="0" numCol="1" spcCol="1270" anchor="t" anchorCtr="0">
+        <a:bodyPr spcFirstLastPara="0" vert="horz" wrap="square" lIns="60960" tIns="60960" rIns="60960" bIns="60960" numCol="1" spcCol="1270" anchor="ctr" anchorCtr="0">
           <a:noAutofit/>
         </a:bodyPr>
         <a:lstStyle/>
         <a:p>
-          <a:pPr marL="0" lvl="0" indent="0" algn="ctr" defTabSz="711200">
+          <a:pPr marL="0" lvl="0" indent="0" algn="l" defTabSz="711200">
             <a:lnSpc>
               <a:spcPct val="90000"/>
             </a:lnSpc>
@@ -3088,31 +2967,61 @@
         </a:p>
       </dsp:txBody>
       <dsp:txXfrm>
-        <a:off x="2432684" y="2062138"/>
-        <a:ext cx="1800000" cy="720000"/>
+        <a:off x="18277" y="467700"/>
+        <a:ext cx="5876883" cy="337846"/>
       </dsp:txXfrm>
     </dsp:sp>
-    <dsp:sp modelId="{55586F98-9515-475C-AA69-11EA51D6F283}">
+    <dsp:sp modelId="{92AB19E5-6031-4C95-B2E3-7C240F1EAAE6}">
       <dsp:nvSpPr>
         <dsp:cNvPr id="0" name=""/>
         <dsp:cNvSpPr/>
       </dsp:nvSpPr>
       <dsp:spPr>
         <a:xfrm>
-          <a:off x="4898684" y="622138"/>
-          <a:ext cx="1098000" cy="1098000"/>
+          <a:off x="0" y="869903"/>
+          <a:ext cx="5913437" cy="374400"/>
         </a:xfrm>
-        <a:prstGeom prst="ellipse">
+        <a:prstGeom prst="roundRect">
           <a:avLst/>
         </a:prstGeom>
-        <a:solidFill>
-          <a:schemeClr val="accent4">
-            <a:hueOff val="0"/>
-            <a:satOff val="0"/>
-            <a:lumOff val="0"/>
-            <a:alphaOff val="0"/>
-          </a:schemeClr>
-        </a:solidFill>
+        <a:gradFill rotWithShape="0">
+          <a:gsLst>
+            <a:gs pos="0">
+              <a:schemeClr val="accent2">
+                <a:hueOff val="-678595"/>
+                <a:satOff val="2237"/>
+                <a:lumOff val="2392"/>
+                <a:alphaOff val="0"/>
+                <a:tint val="98000"/>
+                <a:satMod val="110000"/>
+                <a:lumMod val="104000"/>
+              </a:schemeClr>
+            </a:gs>
+            <a:gs pos="69000">
+              <a:schemeClr val="accent2">
+                <a:hueOff val="-678595"/>
+                <a:satOff val="2237"/>
+                <a:lumOff val="2392"/>
+                <a:alphaOff val="0"/>
+                <a:shade val="88000"/>
+                <a:satMod val="130000"/>
+                <a:lumMod val="92000"/>
+              </a:schemeClr>
+            </a:gs>
+            <a:gs pos="100000">
+              <a:schemeClr val="accent2">
+                <a:hueOff val="-678595"/>
+                <a:satOff val="2237"/>
+                <a:lumOff val="2392"/>
+                <a:alphaOff val="0"/>
+                <a:shade val="78000"/>
+                <a:satMod val="130000"/>
+                <a:lumMod val="92000"/>
+              </a:schemeClr>
+            </a:gs>
+          </a:gsLst>
+          <a:lin ang="5400000" scaled="0"/>
+        </a:gradFill>
         <a:ln>
           <a:noFill/>
         </a:ln>
@@ -3122,102 +3031,23 @@
         <a:lnRef idx="0">
           <a:scrgbClr r="0" g="0" b="0"/>
         </a:lnRef>
-        <a:fillRef idx="1">
+        <a:fillRef idx="3">
           <a:scrgbClr r="0" g="0" b="0"/>
         </a:fillRef>
-        <a:effectRef idx="0">
-          <a:scrgbClr r="0" g="0" b="0"/>
-        </a:effectRef>
-        <a:fontRef idx="minor"/>
-      </dsp:style>
-    </dsp:sp>
-    <dsp:sp modelId="{5724872C-7C8C-4B27-BEEB-92122471FDD9}">
-      <dsp:nvSpPr>
-        <dsp:cNvPr id="0" name=""/>
-        <dsp:cNvSpPr/>
-      </dsp:nvSpPr>
-      <dsp:spPr>
-        <a:xfrm>
-          <a:off x="5132684" y="856138"/>
-          <a:ext cx="630000" cy="630000"/>
-        </a:xfrm>
-        <a:prstGeom prst="rect">
-          <a:avLst/>
-        </a:prstGeom>
-        <a:blipFill>
-          <a:blip xmlns:r="http://schemas.openxmlformats.org/officeDocument/2006/relationships" r:embed="rId5">
-            <a:extLst>
-              <a:ext uri="{28A0092B-C50C-407E-A947-70E740481C1C}">
-                <a14:useLocalDpi xmlns:a14="http://schemas.microsoft.com/office/drawing/2010/main" val="0"/>
-              </a:ext>
-              <a:ext uri="{96DAC541-7B7A-43D3-8B79-37D633B846F1}">
-                <asvg:svgBlip xmlns:asvg="http://schemas.microsoft.com/office/drawing/2016/SVG/main" r:embed="rId6"/>
-              </a:ext>
-            </a:extLst>
-          </a:blip>
-          <a:stretch>
-            <a:fillRect/>
-          </a:stretch>
-        </a:blipFill>
-        <a:ln w="15875" cap="flat" cmpd="sng" algn="ctr">
-          <a:noFill/>
-          <a:prstDash val="solid"/>
-        </a:ln>
-        <a:effectLst/>
-      </dsp:spPr>
-      <dsp:style>
-        <a:lnRef idx="2">
-          <a:scrgbClr r="0" g="0" b="0"/>
-        </a:lnRef>
-        <a:fillRef idx="1">
-          <a:scrgbClr r="0" g="0" b="0"/>
-        </a:fillRef>
-        <a:effectRef idx="0">
+        <a:effectRef idx="2">
           <a:scrgbClr r="0" g="0" b="0"/>
         </a:effectRef>
         <a:fontRef idx="minor">
           <a:schemeClr val="lt1"/>
         </a:fontRef>
       </dsp:style>
-    </dsp:sp>
-    <dsp:sp modelId="{8DB97ED4-A2F2-4E74-8A2B-2E57002EB464}">
-      <dsp:nvSpPr>
-        <dsp:cNvPr id="0" name=""/>
-        <dsp:cNvSpPr/>
-      </dsp:nvSpPr>
-      <dsp:spPr>
-        <a:xfrm>
-          <a:off x="4547684" y="2062138"/>
-          <a:ext cx="1800000" cy="720000"/>
-        </a:xfrm>
-        <a:prstGeom prst="rect">
-          <a:avLst/>
-        </a:prstGeom>
-        <a:noFill/>
-        <a:ln>
-          <a:noFill/>
-        </a:ln>
-        <a:effectLst/>
-      </dsp:spPr>
-      <dsp:style>
-        <a:lnRef idx="0">
-          <a:scrgbClr r="0" g="0" b="0"/>
-        </a:lnRef>
-        <a:fillRef idx="0">
-          <a:scrgbClr r="0" g="0" b="0"/>
-        </a:fillRef>
-        <a:effectRef idx="0">
-          <a:scrgbClr r="0" g="0" b="0"/>
-        </a:effectRef>
-        <a:fontRef idx="minor"/>
-      </dsp:style>
       <dsp:txBody>
-        <a:bodyPr spcFirstLastPara="0" vert="horz" wrap="square" lIns="0" tIns="0" rIns="0" bIns="0" numCol="1" spcCol="1270" anchor="t" anchorCtr="0">
+        <a:bodyPr spcFirstLastPara="0" vert="horz" wrap="square" lIns="60960" tIns="60960" rIns="60960" bIns="60960" numCol="1" spcCol="1270" anchor="ctr" anchorCtr="0">
           <a:noAutofit/>
         </a:bodyPr>
         <a:lstStyle/>
         <a:p>
-          <a:pPr marL="0" lvl="0" indent="0" algn="ctr" defTabSz="711200">
+          <a:pPr marL="0" lvl="0" indent="0" algn="l" defTabSz="711200">
             <a:lnSpc>
               <a:spcPct val="90000"/>
             </a:lnSpc>
@@ -3238,31 +3068,61 @@
         </a:p>
       </dsp:txBody>
       <dsp:txXfrm>
-        <a:off x="4547684" y="2062138"/>
-        <a:ext cx="1800000" cy="720000"/>
+        <a:off x="18277" y="888180"/>
+        <a:ext cx="5876883" cy="337846"/>
       </dsp:txXfrm>
     </dsp:sp>
-    <dsp:sp modelId="{2886461D-BAC2-4A09-962D-46E1EDED800A}">
+    <dsp:sp modelId="{61EA24EC-B784-4B0B-8E50-D81E6D5A8D52}">
       <dsp:nvSpPr>
         <dsp:cNvPr id="0" name=""/>
         <dsp:cNvSpPr/>
       </dsp:nvSpPr>
       <dsp:spPr>
         <a:xfrm>
-          <a:off x="7013685" y="622138"/>
-          <a:ext cx="1098000" cy="1098000"/>
+          <a:off x="0" y="1290383"/>
+          <a:ext cx="5913437" cy="374400"/>
         </a:xfrm>
-        <a:prstGeom prst="ellipse">
+        <a:prstGeom prst="roundRect">
           <a:avLst/>
         </a:prstGeom>
-        <a:solidFill>
-          <a:schemeClr val="accent5">
-            <a:hueOff val="0"/>
-            <a:satOff val="0"/>
-            <a:lumOff val="0"/>
-            <a:alphaOff val="0"/>
-          </a:schemeClr>
-        </a:solidFill>
+        <a:gradFill rotWithShape="0">
+          <a:gsLst>
+            <a:gs pos="0">
+              <a:schemeClr val="accent2">
+                <a:hueOff val="-1017893"/>
+                <a:satOff val="3355"/>
+                <a:lumOff val="3588"/>
+                <a:alphaOff val="0"/>
+                <a:tint val="98000"/>
+                <a:satMod val="110000"/>
+                <a:lumMod val="104000"/>
+              </a:schemeClr>
+            </a:gs>
+            <a:gs pos="69000">
+              <a:schemeClr val="accent2">
+                <a:hueOff val="-1017893"/>
+                <a:satOff val="3355"/>
+                <a:lumOff val="3588"/>
+                <a:alphaOff val="0"/>
+                <a:shade val="88000"/>
+                <a:satMod val="130000"/>
+                <a:lumMod val="92000"/>
+              </a:schemeClr>
+            </a:gs>
+            <a:gs pos="100000">
+              <a:schemeClr val="accent2">
+                <a:hueOff val="-1017893"/>
+                <a:satOff val="3355"/>
+                <a:lumOff val="3588"/>
+                <a:alphaOff val="0"/>
+                <a:shade val="78000"/>
+                <a:satMod val="130000"/>
+                <a:lumMod val="92000"/>
+              </a:schemeClr>
+            </a:gs>
+          </a:gsLst>
+          <a:lin ang="5400000" scaled="0"/>
+        </a:gradFill>
         <a:ln>
           <a:noFill/>
         </a:ln>
@@ -3272,102 +3132,23 @@
         <a:lnRef idx="0">
           <a:scrgbClr r="0" g="0" b="0"/>
         </a:lnRef>
-        <a:fillRef idx="1">
+        <a:fillRef idx="3">
           <a:scrgbClr r="0" g="0" b="0"/>
         </a:fillRef>
-        <a:effectRef idx="0">
-          <a:scrgbClr r="0" g="0" b="0"/>
-        </a:effectRef>
-        <a:fontRef idx="minor"/>
-      </dsp:style>
-    </dsp:sp>
-    <dsp:sp modelId="{E2F989FA-EF3B-4C2D-8396-803F92B2B3C4}">
-      <dsp:nvSpPr>
-        <dsp:cNvPr id="0" name=""/>
-        <dsp:cNvSpPr/>
-      </dsp:nvSpPr>
-      <dsp:spPr>
-        <a:xfrm>
-          <a:off x="7247685" y="856138"/>
-          <a:ext cx="630000" cy="630000"/>
-        </a:xfrm>
-        <a:prstGeom prst="rect">
-          <a:avLst/>
-        </a:prstGeom>
-        <a:blipFill>
-          <a:blip xmlns:r="http://schemas.openxmlformats.org/officeDocument/2006/relationships" r:embed="rId7">
-            <a:extLst>
-              <a:ext uri="{28A0092B-C50C-407E-A947-70E740481C1C}">
-                <a14:useLocalDpi xmlns:a14="http://schemas.microsoft.com/office/drawing/2010/main" val="0"/>
-              </a:ext>
-              <a:ext uri="{96DAC541-7B7A-43D3-8B79-37D633B846F1}">
-                <asvg:svgBlip xmlns:asvg="http://schemas.microsoft.com/office/drawing/2016/SVG/main" r:embed="rId8"/>
-              </a:ext>
-            </a:extLst>
-          </a:blip>
-          <a:stretch>
-            <a:fillRect/>
-          </a:stretch>
-        </a:blipFill>
-        <a:ln w="15875" cap="flat" cmpd="sng" algn="ctr">
-          <a:noFill/>
-          <a:prstDash val="solid"/>
-        </a:ln>
-        <a:effectLst/>
-      </dsp:spPr>
-      <dsp:style>
-        <a:lnRef idx="2">
-          <a:scrgbClr r="0" g="0" b="0"/>
-        </a:lnRef>
-        <a:fillRef idx="1">
-          <a:scrgbClr r="0" g="0" b="0"/>
-        </a:fillRef>
-        <a:effectRef idx="0">
+        <a:effectRef idx="2">
           <a:scrgbClr r="0" g="0" b="0"/>
         </a:effectRef>
         <a:fontRef idx="minor">
           <a:schemeClr val="lt1"/>
         </a:fontRef>
       </dsp:style>
-    </dsp:sp>
-    <dsp:sp modelId="{12DDD79B-454F-4743-B41B-19B8B062FDDF}">
-      <dsp:nvSpPr>
-        <dsp:cNvPr id="0" name=""/>
-        <dsp:cNvSpPr/>
-      </dsp:nvSpPr>
-      <dsp:spPr>
-        <a:xfrm>
-          <a:off x="6662684" y="2062138"/>
-          <a:ext cx="1800000" cy="720000"/>
-        </a:xfrm>
-        <a:prstGeom prst="rect">
-          <a:avLst/>
-        </a:prstGeom>
-        <a:noFill/>
-        <a:ln>
-          <a:noFill/>
-        </a:ln>
-        <a:effectLst/>
-      </dsp:spPr>
-      <dsp:style>
-        <a:lnRef idx="0">
-          <a:scrgbClr r="0" g="0" b="0"/>
-        </a:lnRef>
-        <a:fillRef idx="0">
-          <a:scrgbClr r="0" g="0" b="0"/>
-        </a:fillRef>
-        <a:effectRef idx="0">
-          <a:scrgbClr r="0" g="0" b="0"/>
-        </a:effectRef>
-        <a:fontRef idx="minor"/>
-      </dsp:style>
       <dsp:txBody>
-        <a:bodyPr spcFirstLastPara="0" vert="horz" wrap="square" lIns="0" tIns="0" rIns="0" bIns="0" numCol="1" spcCol="1270" anchor="t" anchorCtr="0">
+        <a:bodyPr spcFirstLastPara="0" vert="horz" wrap="square" lIns="60960" tIns="60960" rIns="60960" bIns="60960" numCol="1" spcCol="1270" anchor="ctr" anchorCtr="0">
           <a:noAutofit/>
         </a:bodyPr>
         <a:lstStyle/>
         <a:p>
-          <a:pPr marL="0" lvl="0" indent="0" algn="ctr" defTabSz="711200">
+          <a:pPr marL="0" lvl="0" indent="0" algn="l" defTabSz="711200">
             <a:lnSpc>
               <a:spcPct val="90000"/>
             </a:lnSpc>
@@ -3388,31 +3169,61 @@
         </a:p>
       </dsp:txBody>
       <dsp:txXfrm>
-        <a:off x="6662684" y="2062138"/>
-        <a:ext cx="1800000" cy="720000"/>
+        <a:off x="18277" y="1308660"/>
+        <a:ext cx="5876883" cy="337846"/>
       </dsp:txXfrm>
     </dsp:sp>
-    <dsp:sp modelId="{ED7EAE73-E031-4433-BA72-BD8CFB298093}">
+    <dsp:sp modelId="{8DA9D8BE-CD2B-418D-9C58-09858B5EC3B7}">
       <dsp:nvSpPr>
         <dsp:cNvPr id="0" name=""/>
         <dsp:cNvSpPr/>
       </dsp:nvSpPr>
       <dsp:spPr>
         <a:xfrm>
-          <a:off x="9128685" y="622138"/>
-          <a:ext cx="1098000" cy="1098000"/>
+          <a:off x="0" y="1710863"/>
+          <a:ext cx="5913437" cy="374400"/>
         </a:xfrm>
-        <a:prstGeom prst="ellipse">
+        <a:prstGeom prst="roundRect">
           <a:avLst/>
         </a:prstGeom>
-        <a:solidFill>
-          <a:schemeClr val="accent6">
-            <a:hueOff val="0"/>
-            <a:satOff val="0"/>
-            <a:lumOff val="0"/>
-            <a:alphaOff val="0"/>
-          </a:schemeClr>
-        </a:solidFill>
+        <a:gradFill rotWithShape="0">
+          <a:gsLst>
+            <a:gs pos="0">
+              <a:schemeClr val="accent2">
+                <a:hueOff val="-1357190"/>
+                <a:satOff val="4474"/>
+                <a:lumOff val="4784"/>
+                <a:alphaOff val="0"/>
+                <a:tint val="98000"/>
+                <a:satMod val="110000"/>
+                <a:lumMod val="104000"/>
+              </a:schemeClr>
+            </a:gs>
+            <a:gs pos="69000">
+              <a:schemeClr val="accent2">
+                <a:hueOff val="-1357190"/>
+                <a:satOff val="4474"/>
+                <a:lumOff val="4784"/>
+                <a:alphaOff val="0"/>
+                <a:shade val="88000"/>
+                <a:satMod val="130000"/>
+                <a:lumMod val="92000"/>
+              </a:schemeClr>
+            </a:gs>
+            <a:gs pos="100000">
+              <a:schemeClr val="accent2">
+                <a:hueOff val="-1357190"/>
+                <a:satOff val="4474"/>
+                <a:lumOff val="4784"/>
+                <a:alphaOff val="0"/>
+                <a:shade val="78000"/>
+                <a:satMod val="130000"/>
+                <a:lumMod val="92000"/>
+              </a:schemeClr>
+            </a:gs>
+          </a:gsLst>
+          <a:lin ang="5400000" scaled="0"/>
+        </a:gradFill>
         <a:ln>
           <a:noFill/>
         </a:ln>
@@ -3422,102 +3233,23 @@
         <a:lnRef idx="0">
           <a:scrgbClr r="0" g="0" b="0"/>
         </a:lnRef>
-        <a:fillRef idx="1">
+        <a:fillRef idx="3">
           <a:scrgbClr r="0" g="0" b="0"/>
         </a:fillRef>
-        <a:effectRef idx="0">
-          <a:scrgbClr r="0" g="0" b="0"/>
-        </a:effectRef>
-        <a:fontRef idx="minor"/>
-      </dsp:style>
-    </dsp:sp>
-    <dsp:sp modelId="{185D878B-F9CB-4BF9-94B4-19FFEB0A391F}">
-      <dsp:nvSpPr>
-        <dsp:cNvPr id="0" name=""/>
-        <dsp:cNvSpPr/>
-      </dsp:nvSpPr>
-      <dsp:spPr>
-        <a:xfrm>
-          <a:off x="9362684" y="856138"/>
-          <a:ext cx="630000" cy="630000"/>
-        </a:xfrm>
-        <a:prstGeom prst="rect">
-          <a:avLst/>
-        </a:prstGeom>
-        <a:blipFill>
-          <a:blip xmlns:r="http://schemas.openxmlformats.org/officeDocument/2006/relationships" r:embed="rId9">
-            <a:extLst>
-              <a:ext uri="{28A0092B-C50C-407E-A947-70E740481C1C}">
-                <a14:useLocalDpi xmlns:a14="http://schemas.microsoft.com/office/drawing/2010/main" val="0"/>
-              </a:ext>
-              <a:ext uri="{96DAC541-7B7A-43D3-8B79-37D633B846F1}">
-                <asvg:svgBlip xmlns:asvg="http://schemas.microsoft.com/office/drawing/2016/SVG/main" r:embed="rId10"/>
-              </a:ext>
-            </a:extLst>
-          </a:blip>
-          <a:stretch>
-            <a:fillRect/>
-          </a:stretch>
-        </a:blipFill>
-        <a:ln w="15875" cap="flat" cmpd="sng" algn="ctr">
-          <a:noFill/>
-          <a:prstDash val="solid"/>
-        </a:ln>
-        <a:effectLst/>
-      </dsp:spPr>
-      <dsp:style>
-        <a:lnRef idx="2">
-          <a:scrgbClr r="0" g="0" b="0"/>
-        </a:lnRef>
-        <a:fillRef idx="1">
-          <a:scrgbClr r="0" g="0" b="0"/>
-        </a:fillRef>
-        <a:effectRef idx="0">
+        <a:effectRef idx="2">
           <a:scrgbClr r="0" g="0" b="0"/>
         </a:effectRef>
         <a:fontRef idx="minor">
           <a:schemeClr val="lt1"/>
         </a:fontRef>
       </dsp:style>
-    </dsp:sp>
-    <dsp:sp modelId="{D81A7A68-5CE9-4AD2-839D-3BE0853E650E}">
-      <dsp:nvSpPr>
-        <dsp:cNvPr id="0" name=""/>
-        <dsp:cNvSpPr/>
-      </dsp:nvSpPr>
-      <dsp:spPr>
-        <a:xfrm>
-          <a:off x="8777685" y="2062138"/>
-          <a:ext cx="1800000" cy="720000"/>
-        </a:xfrm>
-        <a:prstGeom prst="rect">
-          <a:avLst/>
-        </a:prstGeom>
-        <a:noFill/>
-        <a:ln>
-          <a:noFill/>
-        </a:ln>
-        <a:effectLst/>
-      </dsp:spPr>
-      <dsp:style>
-        <a:lnRef idx="0">
-          <a:scrgbClr r="0" g="0" b="0"/>
-        </a:lnRef>
-        <a:fillRef idx="0">
-          <a:scrgbClr r="0" g="0" b="0"/>
-        </a:fillRef>
-        <a:effectRef idx="0">
-          <a:scrgbClr r="0" g="0" b="0"/>
-        </a:effectRef>
-        <a:fontRef idx="minor"/>
-      </dsp:style>
       <dsp:txBody>
-        <a:bodyPr spcFirstLastPara="0" vert="horz" wrap="square" lIns="0" tIns="0" rIns="0" bIns="0" numCol="1" spcCol="1270" anchor="t" anchorCtr="0">
+        <a:bodyPr spcFirstLastPara="0" vert="horz" wrap="square" lIns="60960" tIns="60960" rIns="60960" bIns="60960" numCol="1" spcCol="1270" anchor="ctr" anchorCtr="0">
           <a:noAutofit/>
         </a:bodyPr>
         <a:lstStyle/>
         <a:p>
-          <a:pPr marL="0" lvl="0" indent="0" algn="ctr" defTabSz="711200">
+          <a:pPr marL="0" lvl="0" indent="0" algn="l" defTabSz="711200">
             <a:lnSpc>
               <a:spcPct val="90000"/>
             </a:lnSpc>
@@ -3531,15 +3263,615 @@
             <a:defRPr cap="all"/>
           </a:pPr>
           <a:r>
-            <a:rPr lang="en-IN" sz="1600" b="0" i="0" kern="1200"/>
+            <a:rPr lang="en-IN" sz="1600" b="0" i="0" kern="1200" dirty="0"/>
             <a:t>Improve Model Performance</a:t>
           </a:r>
-          <a:endParaRPr lang="en-US" sz="1600" kern="1200"/>
+          <a:endParaRPr lang="en-US" sz="1600" kern="1200" dirty="0"/>
         </a:p>
       </dsp:txBody>
       <dsp:txXfrm>
-        <a:off x="8777685" y="2062138"/>
-        <a:ext cx="1800000" cy="720000"/>
+        <a:off x="18277" y="1729140"/>
+        <a:ext cx="5876883" cy="337846"/>
+      </dsp:txXfrm>
+    </dsp:sp>
+    <dsp:sp modelId="{E3277506-C9DA-44D1-85F8-DADC1FE19FB8}">
+      <dsp:nvSpPr>
+        <dsp:cNvPr id="0" name=""/>
+        <dsp:cNvSpPr/>
+      </dsp:nvSpPr>
+      <dsp:spPr>
+        <a:xfrm>
+          <a:off x="0" y="2131343"/>
+          <a:ext cx="5913437" cy="374400"/>
+        </a:xfrm>
+        <a:prstGeom prst="roundRect">
+          <a:avLst/>
+        </a:prstGeom>
+        <a:gradFill rotWithShape="0">
+          <a:gsLst>
+            <a:gs pos="0">
+              <a:schemeClr val="accent2">
+                <a:hueOff val="-1696488"/>
+                <a:satOff val="5592"/>
+                <a:lumOff val="5981"/>
+                <a:alphaOff val="0"/>
+                <a:tint val="98000"/>
+                <a:satMod val="110000"/>
+                <a:lumMod val="104000"/>
+              </a:schemeClr>
+            </a:gs>
+            <a:gs pos="69000">
+              <a:schemeClr val="accent2">
+                <a:hueOff val="-1696488"/>
+                <a:satOff val="5592"/>
+                <a:lumOff val="5981"/>
+                <a:alphaOff val="0"/>
+                <a:shade val="88000"/>
+                <a:satMod val="130000"/>
+                <a:lumMod val="92000"/>
+              </a:schemeClr>
+            </a:gs>
+            <a:gs pos="100000">
+              <a:schemeClr val="accent2">
+                <a:hueOff val="-1696488"/>
+                <a:satOff val="5592"/>
+                <a:lumOff val="5981"/>
+                <a:alphaOff val="0"/>
+                <a:shade val="78000"/>
+                <a:satMod val="130000"/>
+                <a:lumMod val="92000"/>
+              </a:schemeClr>
+            </a:gs>
+          </a:gsLst>
+          <a:lin ang="5400000" scaled="0"/>
+        </a:gradFill>
+        <a:ln>
+          <a:noFill/>
+        </a:ln>
+        <a:effectLst/>
+      </dsp:spPr>
+      <dsp:style>
+        <a:lnRef idx="0">
+          <a:scrgbClr r="0" g="0" b="0"/>
+        </a:lnRef>
+        <a:fillRef idx="3">
+          <a:scrgbClr r="0" g="0" b="0"/>
+        </a:fillRef>
+        <a:effectRef idx="2">
+          <a:scrgbClr r="0" g="0" b="0"/>
+        </a:effectRef>
+        <a:fontRef idx="minor">
+          <a:schemeClr val="lt1"/>
+        </a:fontRef>
+      </dsp:style>
+      <dsp:txBody>
+        <a:bodyPr spcFirstLastPara="0" vert="horz" wrap="square" lIns="60960" tIns="60960" rIns="60960" bIns="60960" numCol="1" spcCol="1270" anchor="ctr" anchorCtr="0">
+          <a:noAutofit/>
+        </a:bodyPr>
+        <a:lstStyle/>
+        <a:p>
+          <a:pPr marL="0" lvl="0" indent="0" algn="l" defTabSz="711200">
+            <a:lnSpc>
+              <a:spcPct val="90000"/>
+            </a:lnSpc>
+            <a:spcBef>
+              <a:spcPct val="0"/>
+            </a:spcBef>
+            <a:spcAft>
+              <a:spcPct val="35000"/>
+            </a:spcAft>
+            <a:buNone/>
+            <a:defRPr cap="all"/>
+          </a:pPr>
+          <a:r>
+            <a:rPr lang="en-US" sz="1600" kern="1200" dirty="0"/>
+            <a:t>Model Selection and Hyper Tuning</a:t>
+          </a:r>
+        </a:p>
+      </dsp:txBody>
+      <dsp:txXfrm>
+        <a:off x="18277" y="2149620"/>
+        <a:ext cx="5876883" cy="337846"/>
+      </dsp:txXfrm>
+    </dsp:sp>
+    <dsp:sp modelId="{CB9C04F2-BEA7-4A16-AD73-38A6B5794C0B}">
+      <dsp:nvSpPr>
+        <dsp:cNvPr id="0" name=""/>
+        <dsp:cNvSpPr/>
+      </dsp:nvSpPr>
+      <dsp:spPr>
+        <a:xfrm>
+          <a:off x="0" y="2551823"/>
+          <a:ext cx="5913437" cy="374400"/>
+        </a:xfrm>
+        <a:prstGeom prst="roundRect">
+          <a:avLst/>
+        </a:prstGeom>
+        <a:gradFill rotWithShape="0">
+          <a:gsLst>
+            <a:gs pos="0">
+              <a:schemeClr val="accent2">
+                <a:hueOff val="-2035785"/>
+                <a:satOff val="6711"/>
+                <a:lumOff val="7177"/>
+                <a:alphaOff val="0"/>
+                <a:tint val="98000"/>
+                <a:satMod val="110000"/>
+                <a:lumMod val="104000"/>
+              </a:schemeClr>
+            </a:gs>
+            <a:gs pos="69000">
+              <a:schemeClr val="accent2">
+                <a:hueOff val="-2035785"/>
+                <a:satOff val="6711"/>
+                <a:lumOff val="7177"/>
+                <a:alphaOff val="0"/>
+                <a:shade val="88000"/>
+                <a:satMod val="130000"/>
+                <a:lumMod val="92000"/>
+              </a:schemeClr>
+            </a:gs>
+            <a:gs pos="100000">
+              <a:schemeClr val="accent2">
+                <a:hueOff val="-2035785"/>
+                <a:satOff val="6711"/>
+                <a:lumOff val="7177"/>
+                <a:alphaOff val="0"/>
+                <a:shade val="78000"/>
+                <a:satMod val="130000"/>
+                <a:lumMod val="92000"/>
+              </a:schemeClr>
+            </a:gs>
+          </a:gsLst>
+          <a:lin ang="5400000" scaled="0"/>
+        </a:gradFill>
+        <a:ln>
+          <a:noFill/>
+        </a:ln>
+        <a:effectLst/>
+      </dsp:spPr>
+      <dsp:style>
+        <a:lnRef idx="0">
+          <a:scrgbClr r="0" g="0" b="0"/>
+        </a:lnRef>
+        <a:fillRef idx="3">
+          <a:scrgbClr r="0" g="0" b="0"/>
+        </a:fillRef>
+        <a:effectRef idx="2">
+          <a:scrgbClr r="0" g="0" b="0"/>
+        </a:effectRef>
+        <a:fontRef idx="minor">
+          <a:schemeClr val="lt1"/>
+        </a:fontRef>
+      </dsp:style>
+      <dsp:txBody>
+        <a:bodyPr spcFirstLastPara="0" vert="horz" wrap="square" lIns="60960" tIns="60960" rIns="60960" bIns="60960" numCol="1" spcCol="1270" anchor="ctr" anchorCtr="0">
+          <a:noAutofit/>
+        </a:bodyPr>
+        <a:lstStyle/>
+        <a:p>
+          <a:pPr marL="0" lvl="0" indent="0" algn="l" defTabSz="711200">
+            <a:lnSpc>
+              <a:spcPct val="90000"/>
+            </a:lnSpc>
+            <a:spcBef>
+              <a:spcPct val="0"/>
+            </a:spcBef>
+            <a:spcAft>
+              <a:spcPct val="35000"/>
+            </a:spcAft>
+            <a:buNone/>
+            <a:defRPr cap="all"/>
+          </a:pPr>
+          <a:r>
+            <a:rPr lang="en-US" sz="1600" kern="1200" dirty="0"/>
+            <a:t>Deployment</a:t>
+          </a:r>
+        </a:p>
+      </dsp:txBody>
+      <dsp:txXfrm>
+        <a:off x="18277" y="2570100"/>
+        <a:ext cx="5876883" cy="337846"/>
+      </dsp:txXfrm>
+    </dsp:sp>
+    <dsp:sp modelId="{34F24722-C0D8-4708-9837-64D1280EC563}">
+      <dsp:nvSpPr>
+        <dsp:cNvPr id="0" name=""/>
+        <dsp:cNvSpPr/>
+      </dsp:nvSpPr>
+      <dsp:spPr>
+        <a:xfrm>
+          <a:off x="0" y="2972303"/>
+          <a:ext cx="5913437" cy="374400"/>
+        </a:xfrm>
+        <a:prstGeom prst="roundRect">
+          <a:avLst/>
+        </a:prstGeom>
+        <a:gradFill rotWithShape="0">
+          <a:gsLst>
+            <a:gs pos="0">
+              <a:schemeClr val="accent2">
+                <a:hueOff val="-2375083"/>
+                <a:satOff val="7829"/>
+                <a:lumOff val="8373"/>
+                <a:alphaOff val="0"/>
+                <a:tint val="98000"/>
+                <a:satMod val="110000"/>
+                <a:lumMod val="104000"/>
+              </a:schemeClr>
+            </a:gs>
+            <a:gs pos="69000">
+              <a:schemeClr val="accent2">
+                <a:hueOff val="-2375083"/>
+                <a:satOff val="7829"/>
+                <a:lumOff val="8373"/>
+                <a:alphaOff val="0"/>
+                <a:shade val="88000"/>
+                <a:satMod val="130000"/>
+                <a:lumMod val="92000"/>
+              </a:schemeClr>
+            </a:gs>
+            <a:gs pos="100000">
+              <a:schemeClr val="accent2">
+                <a:hueOff val="-2375083"/>
+                <a:satOff val="7829"/>
+                <a:lumOff val="8373"/>
+                <a:alphaOff val="0"/>
+                <a:shade val="78000"/>
+                <a:satMod val="130000"/>
+                <a:lumMod val="92000"/>
+              </a:schemeClr>
+            </a:gs>
+          </a:gsLst>
+          <a:lin ang="5400000" scaled="0"/>
+        </a:gradFill>
+        <a:ln>
+          <a:noFill/>
+        </a:ln>
+        <a:effectLst/>
+      </dsp:spPr>
+      <dsp:style>
+        <a:lnRef idx="0">
+          <a:scrgbClr r="0" g="0" b="0"/>
+        </a:lnRef>
+        <a:fillRef idx="3">
+          <a:scrgbClr r="0" g="0" b="0"/>
+        </a:fillRef>
+        <a:effectRef idx="2">
+          <a:scrgbClr r="0" g="0" b="0"/>
+        </a:effectRef>
+        <a:fontRef idx="minor">
+          <a:schemeClr val="lt1"/>
+        </a:fontRef>
+      </dsp:style>
+      <dsp:txBody>
+        <a:bodyPr spcFirstLastPara="0" vert="horz" wrap="square" lIns="60960" tIns="60960" rIns="60960" bIns="60960" numCol="1" spcCol="1270" anchor="ctr" anchorCtr="0">
+          <a:noAutofit/>
+        </a:bodyPr>
+        <a:lstStyle/>
+        <a:p>
+          <a:pPr marL="0" lvl="0" indent="0" algn="l" defTabSz="711200">
+            <a:lnSpc>
+              <a:spcPct val="90000"/>
+            </a:lnSpc>
+            <a:spcBef>
+              <a:spcPct val="0"/>
+            </a:spcBef>
+            <a:spcAft>
+              <a:spcPct val="35000"/>
+            </a:spcAft>
+            <a:buNone/>
+            <a:defRPr cap="all"/>
+          </a:pPr>
+          <a:r>
+            <a:rPr lang="en-US" sz="1600" kern="1200" dirty="0"/>
+            <a:t>Comparison to Benchmark</a:t>
+          </a:r>
+        </a:p>
+      </dsp:txBody>
+      <dsp:txXfrm>
+        <a:off x="18277" y="2990580"/>
+        <a:ext cx="5876883" cy="337846"/>
+      </dsp:txXfrm>
+    </dsp:sp>
+    <dsp:sp modelId="{FAA3072D-57FC-4569-84CB-80F218982458}">
+      <dsp:nvSpPr>
+        <dsp:cNvPr id="0" name=""/>
+        <dsp:cNvSpPr/>
+      </dsp:nvSpPr>
+      <dsp:spPr>
+        <a:xfrm>
+          <a:off x="0" y="3392784"/>
+          <a:ext cx="5913437" cy="374400"/>
+        </a:xfrm>
+        <a:prstGeom prst="roundRect">
+          <a:avLst/>
+        </a:prstGeom>
+        <a:gradFill rotWithShape="0">
+          <a:gsLst>
+            <a:gs pos="0">
+              <a:schemeClr val="accent2">
+                <a:hueOff val="-2714380"/>
+                <a:satOff val="8948"/>
+                <a:lumOff val="9569"/>
+                <a:alphaOff val="0"/>
+                <a:tint val="98000"/>
+                <a:satMod val="110000"/>
+                <a:lumMod val="104000"/>
+              </a:schemeClr>
+            </a:gs>
+            <a:gs pos="69000">
+              <a:schemeClr val="accent2">
+                <a:hueOff val="-2714380"/>
+                <a:satOff val="8948"/>
+                <a:lumOff val="9569"/>
+                <a:alphaOff val="0"/>
+                <a:shade val="88000"/>
+                <a:satMod val="130000"/>
+                <a:lumMod val="92000"/>
+              </a:schemeClr>
+            </a:gs>
+            <a:gs pos="100000">
+              <a:schemeClr val="accent2">
+                <a:hueOff val="-2714380"/>
+                <a:satOff val="8948"/>
+                <a:lumOff val="9569"/>
+                <a:alphaOff val="0"/>
+                <a:shade val="78000"/>
+                <a:satMod val="130000"/>
+                <a:lumMod val="92000"/>
+              </a:schemeClr>
+            </a:gs>
+          </a:gsLst>
+          <a:lin ang="5400000" scaled="0"/>
+        </a:gradFill>
+        <a:ln>
+          <a:noFill/>
+        </a:ln>
+        <a:effectLst/>
+      </dsp:spPr>
+      <dsp:style>
+        <a:lnRef idx="0">
+          <a:scrgbClr r="0" g="0" b="0"/>
+        </a:lnRef>
+        <a:fillRef idx="3">
+          <a:scrgbClr r="0" g="0" b="0"/>
+        </a:fillRef>
+        <a:effectRef idx="2">
+          <a:scrgbClr r="0" g="0" b="0"/>
+        </a:effectRef>
+        <a:fontRef idx="minor">
+          <a:schemeClr val="lt1"/>
+        </a:fontRef>
+      </dsp:style>
+      <dsp:txBody>
+        <a:bodyPr spcFirstLastPara="0" vert="horz" wrap="square" lIns="60960" tIns="60960" rIns="60960" bIns="60960" numCol="1" spcCol="1270" anchor="ctr" anchorCtr="0">
+          <a:noAutofit/>
+        </a:bodyPr>
+        <a:lstStyle/>
+        <a:p>
+          <a:pPr marL="0" lvl="0" indent="0" algn="l" defTabSz="711200">
+            <a:lnSpc>
+              <a:spcPct val="90000"/>
+            </a:lnSpc>
+            <a:spcBef>
+              <a:spcPct val="0"/>
+            </a:spcBef>
+            <a:spcAft>
+              <a:spcPct val="35000"/>
+            </a:spcAft>
+            <a:buNone/>
+            <a:defRPr cap="all"/>
+          </a:pPr>
+          <a:r>
+            <a:rPr lang="en-US" sz="1600" kern="1200" dirty="0"/>
+            <a:t>Implications</a:t>
+          </a:r>
+        </a:p>
+      </dsp:txBody>
+      <dsp:txXfrm>
+        <a:off x="18277" y="3411061"/>
+        <a:ext cx="5876883" cy="337846"/>
+      </dsp:txXfrm>
+    </dsp:sp>
+    <dsp:sp modelId="{F7CC439F-AAD9-4082-B2D1-D38A1A80552E}">
+      <dsp:nvSpPr>
+        <dsp:cNvPr id="0" name=""/>
+        <dsp:cNvSpPr/>
+      </dsp:nvSpPr>
+      <dsp:spPr>
+        <a:xfrm>
+          <a:off x="0" y="3813264"/>
+          <a:ext cx="5913437" cy="374400"/>
+        </a:xfrm>
+        <a:prstGeom prst="roundRect">
+          <a:avLst/>
+        </a:prstGeom>
+        <a:gradFill rotWithShape="0">
+          <a:gsLst>
+            <a:gs pos="0">
+              <a:schemeClr val="accent2">
+                <a:hueOff val="-3053678"/>
+                <a:satOff val="10066"/>
+                <a:lumOff val="10765"/>
+                <a:alphaOff val="0"/>
+                <a:tint val="98000"/>
+                <a:satMod val="110000"/>
+                <a:lumMod val="104000"/>
+              </a:schemeClr>
+            </a:gs>
+            <a:gs pos="69000">
+              <a:schemeClr val="accent2">
+                <a:hueOff val="-3053678"/>
+                <a:satOff val="10066"/>
+                <a:lumOff val="10765"/>
+                <a:alphaOff val="0"/>
+                <a:shade val="88000"/>
+                <a:satMod val="130000"/>
+                <a:lumMod val="92000"/>
+              </a:schemeClr>
+            </a:gs>
+            <a:gs pos="100000">
+              <a:schemeClr val="accent2">
+                <a:hueOff val="-3053678"/>
+                <a:satOff val="10066"/>
+                <a:lumOff val="10765"/>
+                <a:alphaOff val="0"/>
+                <a:shade val="78000"/>
+                <a:satMod val="130000"/>
+                <a:lumMod val="92000"/>
+              </a:schemeClr>
+            </a:gs>
+          </a:gsLst>
+          <a:lin ang="5400000" scaled="0"/>
+        </a:gradFill>
+        <a:ln>
+          <a:noFill/>
+        </a:ln>
+        <a:effectLst/>
+      </dsp:spPr>
+      <dsp:style>
+        <a:lnRef idx="0">
+          <a:scrgbClr r="0" g="0" b="0"/>
+        </a:lnRef>
+        <a:fillRef idx="3">
+          <a:scrgbClr r="0" g="0" b="0"/>
+        </a:fillRef>
+        <a:effectRef idx="2">
+          <a:scrgbClr r="0" g="0" b="0"/>
+        </a:effectRef>
+        <a:fontRef idx="minor">
+          <a:schemeClr val="lt1"/>
+        </a:fontRef>
+      </dsp:style>
+      <dsp:txBody>
+        <a:bodyPr spcFirstLastPara="0" vert="horz" wrap="square" lIns="60960" tIns="60960" rIns="60960" bIns="60960" numCol="1" spcCol="1270" anchor="ctr" anchorCtr="0">
+          <a:noAutofit/>
+        </a:bodyPr>
+        <a:lstStyle/>
+        <a:p>
+          <a:pPr marL="0" lvl="0" indent="0" algn="l" defTabSz="711200">
+            <a:lnSpc>
+              <a:spcPct val="90000"/>
+            </a:lnSpc>
+            <a:spcBef>
+              <a:spcPct val="0"/>
+            </a:spcBef>
+            <a:spcAft>
+              <a:spcPct val="35000"/>
+            </a:spcAft>
+            <a:buNone/>
+            <a:defRPr cap="all"/>
+          </a:pPr>
+          <a:r>
+            <a:rPr lang="en-US" sz="1600" kern="1200" dirty="0"/>
+            <a:t>Conclusions and Future Enhancements</a:t>
+          </a:r>
+        </a:p>
+      </dsp:txBody>
+      <dsp:txXfrm>
+        <a:off x="18277" y="3831541"/>
+        <a:ext cx="5876883" cy="337846"/>
+      </dsp:txXfrm>
+    </dsp:sp>
+    <dsp:sp modelId="{18C2BE99-9FBE-40F8-8E27-6B72F164C780}">
+      <dsp:nvSpPr>
+        <dsp:cNvPr id="0" name=""/>
+        <dsp:cNvSpPr/>
+      </dsp:nvSpPr>
+      <dsp:spPr>
+        <a:xfrm>
+          <a:off x="0" y="4233744"/>
+          <a:ext cx="5913437" cy="374400"/>
+        </a:xfrm>
+        <a:prstGeom prst="roundRect">
+          <a:avLst/>
+        </a:prstGeom>
+        <a:gradFill rotWithShape="0">
+          <a:gsLst>
+            <a:gs pos="0">
+              <a:schemeClr val="accent2">
+                <a:hueOff val="-3392975"/>
+                <a:satOff val="11185"/>
+                <a:lumOff val="11961"/>
+                <a:alphaOff val="0"/>
+                <a:tint val="98000"/>
+                <a:satMod val="110000"/>
+                <a:lumMod val="104000"/>
+              </a:schemeClr>
+            </a:gs>
+            <a:gs pos="69000">
+              <a:schemeClr val="accent2">
+                <a:hueOff val="-3392975"/>
+                <a:satOff val="11185"/>
+                <a:lumOff val="11961"/>
+                <a:alphaOff val="0"/>
+                <a:shade val="88000"/>
+                <a:satMod val="130000"/>
+                <a:lumMod val="92000"/>
+              </a:schemeClr>
+            </a:gs>
+            <a:gs pos="100000">
+              <a:schemeClr val="accent2">
+                <a:hueOff val="-3392975"/>
+                <a:satOff val="11185"/>
+                <a:lumOff val="11961"/>
+                <a:alphaOff val="0"/>
+                <a:shade val="78000"/>
+                <a:satMod val="130000"/>
+                <a:lumMod val="92000"/>
+              </a:schemeClr>
+            </a:gs>
+          </a:gsLst>
+          <a:lin ang="5400000" scaled="0"/>
+        </a:gradFill>
+        <a:ln>
+          <a:noFill/>
+        </a:ln>
+        <a:effectLst/>
+      </dsp:spPr>
+      <dsp:style>
+        <a:lnRef idx="0">
+          <a:scrgbClr r="0" g="0" b="0"/>
+        </a:lnRef>
+        <a:fillRef idx="3">
+          <a:scrgbClr r="0" g="0" b="0"/>
+        </a:fillRef>
+        <a:effectRef idx="2">
+          <a:scrgbClr r="0" g="0" b="0"/>
+        </a:effectRef>
+        <a:fontRef idx="minor">
+          <a:schemeClr val="lt1"/>
+        </a:fontRef>
+      </dsp:style>
+      <dsp:txBody>
+        <a:bodyPr spcFirstLastPara="0" vert="horz" wrap="square" lIns="60960" tIns="60960" rIns="60960" bIns="60960" numCol="1" spcCol="1270" anchor="ctr" anchorCtr="0">
+          <a:noAutofit/>
+        </a:bodyPr>
+        <a:lstStyle/>
+        <a:p>
+          <a:pPr marL="0" lvl="0" indent="0" algn="l" defTabSz="711200">
+            <a:lnSpc>
+              <a:spcPct val="90000"/>
+            </a:lnSpc>
+            <a:spcBef>
+              <a:spcPct val="0"/>
+            </a:spcBef>
+            <a:spcAft>
+              <a:spcPct val="35000"/>
+            </a:spcAft>
+            <a:buNone/>
+            <a:defRPr cap="all"/>
+          </a:pPr>
+          <a:r>
+            <a:rPr lang="en-US" sz="1600" kern="1200" dirty="0"/>
+            <a:t>Closing Reflections</a:t>
+          </a:r>
+        </a:p>
+      </dsp:txBody>
+      <dsp:txXfrm>
+        <a:off x="18277" y="4252021"/>
+        <a:ext cx="5876883" cy="337846"/>
       </dsp:txXfrm>
     </dsp:sp>
   </dsp:spTree>
@@ -4259,217 +4591,169 @@
 </file>
 
 <file path=ppt/diagrams/layout1.xml><?xml version="1.0" encoding="utf-8"?>
-<dgm:layoutDef xmlns:dgm="http://schemas.openxmlformats.org/drawingml/2006/diagram" xmlns:a="http://schemas.openxmlformats.org/drawingml/2006/main" uniqueId="urn:microsoft.com/office/officeart/2018/5/layout/IconCircleLabelList">
-  <dgm:title val="Icon Circle Label List"/>
-  <dgm:desc val="Use to show non-sequential or grouped chunks of information accompanied by a related visuals. Works best with icons or small pictures with short text captions."/>
+<dgm:layoutDef xmlns:dgm="http://schemas.openxmlformats.org/drawingml/2006/diagram" xmlns:a="http://schemas.openxmlformats.org/drawingml/2006/main" uniqueId="urn:microsoft.com/office/officeart/2005/8/layout/vList2">
+  <dgm:title val=""/>
+  <dgm:desc val=""/>
   <dgm:catLst>
-    <dgm:cat type="icon" pri="500"/>
+    <dgm:cat type="list" pri="3000"/>
+    <dgm:cat type="convert" pri="1000"/>
   </dgm:catLst>
-  <dgm:sampData useDef="1">
+  <dgm:sampData>
     <dgm:dataModel>
-      <dgm:ptLst/>
+      <dgm:ptLst>
+        <dgm:pt modelId="0" type="doc"/>
+        <dgm:pt modelId="1">
+          <dgm:prSet phldr="1"/>
+        </dgm:pt>
+        <dgm:pt modelId="11">
+          <dgm:prSet phldr="1"/>
+        </dgm:pt>
+        <dgm:pt modelId="2">
+          <dgm:prSet phldr="1"/>
+        </dgm:pt>
+        <dgm:pt modelId="21">
+          <dgm:prSet phldr="1"/>
+        </dgm:pt>
+      </dgm:ptLst>
+      <dgm:cxnLst>
+        <dgm:cxn modelId="4" srcId="0" destId="1" srcOrd="0" destOrd="0"/>
+        <dgm:cxn modelId="5" srcId="0" destId="2" srcOrd="1" destOrd="0"/>
+        <dgm:cxn modelId="12" srcId="1" destId="11" srcOrd="0" destOrd="0"/>
+        <dgm:cxn modelId="23" srcId="2" destId="21" srcOrd="0" destOrd="0"/>
+      </dgm:cxnLst>
       <dgm:bg/>
       <dgm:whole/>
     </dgm:dataModel>
   </dgm:sampData>
-  <dgm:styleData useDef="1">
+  <dgm:styleData>
     <dgm:dataModel>
-      <dgm:ptLst/>
+      <dgm:ptLst>
+        <dgm:pt modelId="0" type="doc"/>
+        <dgm:pt modelId="1"/>
+        <dgm:pt modelId="2"/>
+      </dgm:ptLst>
+      <dgm:cxnLst>
+        <dgm:cxn modelId="3" srcId="0" destId="1" srcOrd="0" destOrd="0"/>
+        <dgm:cxn modelId="4" srcId="0" destId="2" srcOrd="1" destOrd="0"/>
+      </dgm:cxnLst>
       <dgm:bg/>
       <dgm:whole/>
     </dgm:dataModel>
   </dgm:styleData>
-  <dgm:clrData useDef="1">
+  <dgm:clrData>
     <dgm:dataModel>
-      <dgm:ptLst/>
+      <dgm:ptLst>
+        <dgm:pt modelId="0" type="doc"/>
+        <dgm:pt modelId="1"/>
+        <dgm:pt modelId="2"/>
+        <dgm:pt modelId="3"/>
+        <dgm:pt modelId="4"/>
+      </dgm:ptLst>
+      <dgm:cxnLst>
+        <dgm:cxn modelId="5" srcId="0" destId="1" srcOrd="0" destOrd="0"/>
+        <dgm:cxn modelId="6" srcId="0" destId="2" srcOrd="1" destOrd="0"/>
+        <dgm:cxn modelId="7" srcId="0" destId="3" srcOrd="2" destOrd="0"/>
+        <dgm:cxn modelId="8" srcId="0" destId="4" srcOrd="3" destOrd="0"/>
+      </dgm:cxnLst>
       <dgm:bg/>
       <dgm:whole/>
     </dgm:dataModel>
   </dgm:clrData>
-  <dgm:layoutNode name="root">
+  <dgm:layoutNode name="linear">
     <dgm:varLst>
-      <dgm:dir/>
+      <dgm:animLvl val="lvl"/>
       <dgm:resizeHandles val="exact"/>
     </dgm:varLst>
-    <dgm:choose name="Name0">
-      <dgm:if name="Name1" axis="self" func="var" arg="dir" op="equ" val="norm">
-        <dgm:alg type="snake">
-          <dgm:param type="grDir" val="tL"/>
-          <dgm:param type="flowDir" val="row"/>
-          <dgm:param type="contDir" val="sameDir"/>
-          <dgm:param type="off" val="ctr"/>
-          <dgm:param type="vertAlign" val="mid"/>
-          <dgm:param type="horzAlign" val="ctr"/>
-        </dgm:alg>
-      </dgm:if>
-      <dgm:else name="Name2">
-        <dgm:alg type="snake">
-          <dgm:param type="grDir" val="tR"/>
-          <dgm:param type="flowDir" val="row"/>
-          <dgm:param type="contDir" val="sameDir"/>
-          <dgm:param type="off" val="ctr"/>
-          <dgm:param type="vertAlign" val="mid"/>
-          <dgm:param type="horzAlign" val="ctr"/>
-        </dgm:alg>
-      </dgm:else>
-    </dgm:choose>
+    <dgm:alg type="lin">
+      <dgm:param type="linDir" val="fromT"/>
+      <dgm:param type="vertAlign" val="mid"/>
+    </dgm:alg>
     <dgm:shape xmlns:r="http://schemas.openxmlformats.org/officeDocument/2006/relationships" r:blip="">
       <dgm:adjLst/>
     </dgm:shape>
     <dgm:presOf/>
-    <dgm:choose name="Name3">
-      <dgm:if name="Name4" axis="ch" ptType="node" func="cnt" op="lte" val="2">
-        <dgm:constrLst>
-          <dgm:constr type="h" for="ch" forName="compNode" refType="h" fact="0.4"/>
-          <dgm:constr type="w" for="ch" forName="compNode" val="100"/>
-          <dgm:constr type="w" for="ch" forName="sibTrans" refType="w" refFor="ch" refForName="compNode" fact="0.175"/>
-          <dgm:constr type="sp" refType="w" refFor="ch" refForName="compNode" op="equ" fact="0.25"/>
-          <dgm:constr type="primFontSz" for="des" ptType="node" op="equ" val="44"/>
-          <dgm:constr type="h" for="des" forName="compNode" op="equ"/>
-          <dgm:constr type="h" for="des" forName="textRect" op="equ"/>
-        </dgm:constrLst>
-      </dgm:if>
-      <dgm:if name="Name5" axis="ch" ptType="node" func="cnt" op="lte" val="3">
-        <dgm:constrLst>
-          <dgm:constr type="h" for="ch" forName="compNode" refType="h" fact="0.4"/>
-          <dgm:constr type="w" for="ch" forName="compNode" val="100"/>
-          <dgm:constr type="w" for="ch" forName="sibTrans" refType="w" refFor="ch" refForName="compNode" fact="0.175"/>
-          <dgm:constr type="sp" refType="w" refFor="ch" refForName="compNode" op="equ" fact="0.25"/>
-          <dgm:constr type="primFontSz" for="des" ptType="node" op="equ" val="40"/>
-          <dgm:constr type="h" for="des" forName="compNode" op="equ"/>
-          <dgm:constr type="h" for="des" forName="textRect" op="equ"/>
-        </dgm:constrLst>
-      </dgm:if>
-      <dgm:if name="Name6" axis="ch" ptType="node" func="cnt" op="lte" val="4">
-        <dgm:constrLst>
-          <dgm:constr type="h" for="ch" forName="compNode" refType="h" fact="0.4"/>
-          <dgm:constr type="w" for="ch" forName="compNode" refType="w"/>
-          <dgm:constr type="w" for="ch" forName="sibTrans" refType="w" refFor="ch" refForName="compNode" fact="0.175"/>
-          <dgm:constr type="sp" refType="w" refFor="ch" refForName="compNode" op="equ" fact="0.25"/>
-          <dgm:constr type="primFontSz" for="des" ptType="node" op="equ" val="32"/>
-          <dgm:constr type="h" for="des" forName="compNode" op="equ"/>
-          <dgm:constr type="h" for="des" forName="textRect" op="equ"/>
-        </dgm:constrLst>
-      </dgm:if>
-      <dgm:else name="Name7">
-        <dgm:constrLst>
-          <dgm:constr type="h" for="ch" forName="compNode" refType="h" fact="0.4"/>
-          <dgm:constr type="w" for="ch" forName="compNode" refType="w"/>
-          <dgm:constr type="w" for="ch" forName="sibTrans" refType="w" refFor="ch" refForName="compNode" fact="0.175"/>
-          <dgm:constr type="sp" refType="w" refFor="ch" refForName="compNode" op="equ" fact="0.25"/>
-          <dgm:constr type="primFontSz" for="des" ptType="node" op="equ" val="24"/>
-          <dgm:constr type="h" for="des" forName="compNode" op="equ"/>
-          <dgm:constr type="h" for="des" forName="textRect" op="equ"/>
-        </dgm:constrLst>
-      </dgm:else>
-    </dgm:choose>
+    <dgm:constrLst>
+      <dgm:constr type="w" for="ch" forName="parentText" refType="w"/>
+      <dgm:constr type="h" for="ch" forName="parentText" refType="primFontSz" refFor="ch" refForName="parentText" fact="0.52"/>
+      <dgm:constr type="w" for="ch" forName="childText" refType="w"/>
+      <dgm:constr type="h" for="ch" forName="childText" refType="primFontSz" refFor="ch" refForName="parentText" fact="0.46"/>
+      <dgm:constr type="h" for="ch" forName="parentText" op="equ"/>
+      <dgm:constr type="primFontSz" for="ch" forName="parentText" op="equ" val="65"/>
+      <dgm:constr type="primFontSz" for="ch" forName="childText" refType="primFontSz" refFor="ch" refForName="parentText" op="equ"/>
+      <dgm:constr type="h" for="ch" forName="spacer" refType="primFontSz" refFor="ch" refForName="parentText" fact="0.08"/>
+    </dgm:constrLst>
     <dgm:ruleLst>
-      <dgm:rule type="w" for="ch" forName="compNode" val="50" fact="NaN" max="NaN"/>
+      <dgm:rule type="primFontSz" for="ch" forName="parentText" val="5" fact="NaN" max="NaN"/>
     </dgm:ruleLst>
-    <dgm:forEach name="Name8" axis="ch" ptType="node">
-      <dgm:layoutNode name="compNode">
-        <dgm:alg type="composite"/>
-        <dgm:shape xmlns:r="http://schemas.openxmlformats.org/officeDocument/2006/relationships" r:blip="">
+    <dgm:forEach name="Name0" axis="ch" ptType="node">
+      <dgm:layoutNode name="parentText" styleLbl="node1">
+        <dgm:varLst>
+          <dgm:chMax val="0"/>
+          <dgm:bulletEnabled val="1"/>
+        </dgm:varLst>
+        <dgm:alg type="tx">
+          <dgm:param type="parTxLTRAlign" val="l"/>
+          <dgm:param type="parTxRTLAlign" val="r"/>
+        </dgm:alg>
+        <dgm:shape xmlns:r="http://schemas.openxmlformats.org/officeDocument/2006/relationships" type="roundRect" r:blip="">
           <dgm:adjLst/>
         </dgm:shape>
         <dgm:presOf axis="self"/>
         <dgm:constrLst>
-          <dgm:constr type="w" for="ch" forName="iconBgRect" refType="w" fact="0.61"/>
-          <dgm:constr type="h" for="ch" forName="iconBgRect" refType="w" refFor="ch" refForName="iconBgRect"/>
-          <dgm:constr type="t" for="ch" forName="iconBgRect"/>
-          <dgm:constr type="ctrX" for="ch" forName="iconBgRect" refType="w" fact="0.5"/>
-          <dgm:constr type="w" for="ch" forName="iconRect" refType="w" fact="0.35"/>
-          <dgm:constr type="h" for="ch" forName="iconRect" refType="w" refFor="ch" refForName="iconRect"/>
-          <dgm:constr type="ctrX" for="ch" forName="iconRect" refType="ctrX" refFor="ch" refForName="iconBgRect"/>
-          <dgm:constr type="ctrY" for="ch" forName="iconRect" refType="ctrY" refFor="ch" refForName="iconBgRect"/>
-          <dgm:constr type="h" for="ch" forName="spaceRect" refType="w" fact="0.19"/>
-          <dgm:constr type="w" for="ch" forName="spaceRect" refType="w"/>
-          <dgm:constr type="l" for="ch" forName="spaceRect"/>
-          <dgm:constr type="t" for="ch" forName="spaceRect" refType="b" refFor="ch" refForName="iconBgRect"/>
-          <dgm:constr type="h" for="ch" forName="textRect" val="20"/>
-          <dgm:constr type="w" for="ch" forName="textRect" refType="w"/>
-          <dgm:constr type="l" for="ch" forName="textRect"/>
-          <dgm:constr type="t" for="ch" forName="textRect" refType="b" refFor="ch" refForName="spaceRect"/>
+          <dgm:constr type="tMarg" refType="primFontSz" fact="0.3"/>
+          <dgm:constr type="bMarg" refType="primFontSz" fact="0.3"/>
+          <dgm:constr type="lMarg" refType="primFontSz" fact="0.3"/>
+          <dgm:constr type="rMarg" refType="primFontSz" fact="0.3"/>
         </dgm:constrLst>
         <dgm:ruleLst>
           <dgm:rule type="h" val="INF" fact="NaN" max="NaN"/>
         </dgm:ruleLst>
-        <dgm:layoutNode name="iconBgRect" styleLbl="bgShp">
-          <dgm:alg type="sp"/>
-          <dgm:shape xmlns:r="http://schemas.openxmlformats.org/officeDocument/2006/relationships" type="ellipse" r:blip="">
-            <dgm:adjLst/>
-          </dgm:shape>
-          <dgm:presOf/>
-          <dgm:constrLst/>
-          <dgm:ruleLst/>
-        </dgm:layoutNode>
-        <dgm:layoutNode name="iconRect" styleLbl="node1">
-          <dgm:alg type="sp"/>
-          <dgm:shape xmlns:r="http://schemas.openxmlformats.org/officeDocument/2006/relationships" type="rect" r:blip="" blipPhldr="1">
-            <dgm:adjLst/>
-          </dgm:shape>
-          <dgm:presOf/>
-          <dgm:constrLst/>
-          <dgm:ruleLst/>
-        </dgm:layoutNode>
-        <dgm:layoutNode name="spaceRect">
-          <dgm:alg type="sp"/>
-          <dgm:shape xmlns:r="http://schemas.openxmlformats.org/officeDocument/2006/relationships" r:blip="">
-            <dgm:adjLst/>
-          </dgm:shape>
-          <dgm:presOf/>
-          <dgm:constrLst/>
-          <dgm:ruleLst/>
-        </dgm:layoutNode>
-        <dgm:layoutNode name="textRect" styleLbl="revTx">
-          <dgm:varLst>
-            <dgm:chMax val="1"/>
-            <dgm:chPref val="1"/>
-          </dgm:varLst>
-          <dgm:alg type="tx">
-            <dgm:param type="txAnchorVert" val="t"/>
-          </dgm:alg>
-          <dgm:shape xmlns:r="http://schemas.openxmlformats.org/officeDocument/2006/relationships" type="rect" r:blip="">
-            <dgm:adjLst/>
-          </dgm:shape>
-          <dgm:presOf axis="self" ptType="node"/>
-          <dgm:constrLst>
-            <dgm:constr type="lMarg"/>
-            <dgm:constr type="rMarg"/>
-            <dgm:constr type="tMarg"/>
-            <dgm:constr type="bMarg"/>
-          </dgm:constrLst>
-          <dgm:ruleLst>
-            <dgm:rule type="primFontSz" val="11" fact="NaN" max="NaN"/>
-            <dgm:rule type="h" val="INF" fact="NaN" max="NaN"/>
-          </dgm:ruleLst>
-        </dgm:layoutNode>
       </dgm:layoutNode>
-      <dgm:forEach name="Name9" axis="followSib" ptType="sibTrans" cnt="1">
-        <dgm:layoutNode name="sibTrans">
-          <dgm:alg type="sp"/>
-          <dgm:shape xmlns:r="http://schemas.openxmlformats.org/officeDocument/2006/relationships" r:blip="">
-            <dgm:adjLst/>
-          </dgm:shape>
-          <dgm:presOf axis="self"/>
-          <dgm:constrLst/>
-          <dgm:ruleLst/>
-        </dgm:layoutNode>
-      </dgm:forEach>
+      <dgm:choose name="Name1">
+        <dgm:if name="Name2" axis="ch" ptType="node" func="cnt" op="gte" val="1">
+          <dgm:layoutNode name="childText" styleLbl="revTx">
+            <dgm:varLst>
+              <dgm:bulletEnabled val="1"/>
+            </dgm:varLst>
+            <dgm:alg type="tx">
+              <dgm:param type="stBulletLvl" val="1"/>
+              <dgm:param type="lnSpAfChP" val="20"/>
+            </dgm:alg>
+            <dgm:shape xmlns:r="http://schemas.openxmlformats.org/officeDocument/2006/relationships" type="rect" r:blip="">
+              <dgm:adjLst/>
+            </dgm:shape>
+            <dgm:presOf axis="des" ptType="node"/>
+            <dgm:constrLst>
+              <dgm:constr type="tMarg" refType="primFontSz" fact="0.1"/>
+              <dgm:constr type="bMarg" refType="primFontSz" fact="0.1"/>
+              <dgm:constr type="lMarg" refType="w" fact="0.09"/>
+            </dgm:constrLst>
+            <dgm:ruleLst>
+              <dgm:rule type="h" val="INF" fact="NaN" max="NaN"/>
+            </dgm:ruleLst>
+          </dgm:layoutNode>
+        </dgm:if>
+        <dgm:else name="Name3">
+          <dgm:choose name="Name4">
+            <dgm:if name="Name5" axis="par ch" ptType="doc node" func="cnt" op="gte" val="2">
+              <dgm:forEach name="Name6" axis="followSib" ptType="sibTrans" cnt="1">
+                <dgm:layoutNode name="spacer">
+                  <dgm:alg type="sp"/>
+                  <dgm:shape xmlns:r="http://schemas.openxmlformats.org/officeDocument/2006/relationships" r:blip="">
+                    <dgm:adjLst/>
+                  </dgm:shape>
+                  <dgm:presOf/>
+                  <dgm:constrLst/>
+                  <dgm:ruleLst/>
+                </dgm:layoutNode>
+              </dgm:forEach>
+            </dgm:if>
+            <dgm:else name="Name7"/>
+          </dgm:choose>
+        </dgm:else>
+      </dgm:choose>
     </dgm:forEach>
   </dgm:layoutNode>
-  <dgm:extLst>
-    <a:ext uri="{68A01E43-0DF5-4B5B-8FA6-DAF915123BFB}">
-      <dgm1612:lstStyle xmlns:dgm1612="http://schemas.microsoft.com/office/drawing/2016/12/diagram">
-        <a:lvl1pPr>
-          <a:lnSpc>
-            <a:spcPct val="100000"/>
-          </a:lnSpc>
-          <a:defRPr cap="all"/>
-        </a:lvl1pPr>
-      </dgm1612:lstStyle>
-    </a:ext>
-  </dgm:extLst>
 </dgm:layoutDef>
 </file>
 
@@ -4621,11 +4905,11 @@
 </file>
 
 <file path=ppt/diagrams/quickStyle1.xml><?xml version="1.0" encoding="utf-8"?>
-<dgm:styleDef xmlns:dgm="http://schemas.openxmlformats.org/drawingml/2006/diagram" xmlns:a="http://schemas.openxmlformats.org/drawingml/2006/main" uniqueId="urn:microsoft.com/office/officeart/2005/8/quickstyle/simple1">
+<dgm:styleDef xmlns:dgm="http://schemas.openxmlformats.org/drawingml/2006/diagram" xmlns:a="http://schemas.openxmlformats.org/drawingml/2006/main" uniqueId="urn:microsoft.com/office/officeart/2005/8/quickstyle/simple4">
   <dgm:title val=""/>
   <dgm:desc val=""/>
   <dgm:catLst>
-    <dgm:cat type="simple" pri="10100"/>
+    <dgm:cat type="simple" pri="10400"/>
   </dgm:catLst>
   <dgm:scene3d>
     <a:camera prst="orthographicFront"/>
@@ -4639,13 +4923,13 @@
     <dgm:sp3d/>
     <dgm:txPr/>
     <dgm:style>
-      <a:lnRef idx="2">
+      <a:lnRef idx="0">
         <a:scrgbClr r="0" g="0" b="0"/>
       </a:lnRef>
-      <a:fillRef idx="1">
+      <a:fillRef idx="3">
         <a:scrgbClr r="0" g="0" b="0"/>
       </a:fillRef>
-      <a:effectRef idx="0">
+      <a:effectRef idx="2">
         <a:scrgbClr r="0" g="0" b="0"/>
       </a:effectRef>
       <a:fontRef idx="minor">
@@ -4661,13 +4945,13 @@
     <dgm:sp3d/>
     <dgm:txPr/>
     <dgm:style>
-      <a:lnRef idx="2">
+      <a:lnRef idx="1">
         <a:scrgbClr r="0" g="0" b="0"/>
       </a:lnRef>
-      <a:fillRef idx="1">
+      <a:fillRef idx="3">
         <a:scrgbClr r="0" g="0" b="0"/>
       </a:fillRef>
-      <a:effectRef idx="0">
+      <a:effectRef idx="2">
         <a:scrgbClr r="0" g="0" b="0"/>
       </a:effectRef>
       <a:fontRef idx="minor">
@@ -4683,10 +4967,10 @@
     <dgm:sp3d/>
     <dgm:txPr/>
     <dgm:style>
-      <a:lnRef idx="2">
+      <a:lnRef idx="0">
         <a:scrgbClr r="0" g="0" b="0"/>
       </a:lnRef>
-      <a:fillRef idx="1">
+      <a:fillRef idx="3">
         <a:scrgbClr r="0" g="0" b="0"/>
       </a:fillRef>
       <a:effectRef idx="0">
@@ -4705,13 +4989,13 @@
     <dgm:sp3d/>
     <dgm:txPr/>
     <dgm:style>
-      <a:lnRef idx="2">
+      <a:lnRef idx="1">
         <a:scrgbClr r="0" g="0" b="0"/>
       </a:lnRef>
-      <a:fillRef idx="1">
+      <a:fillRef idx="3">
         <a:scrgbClr r="0" g="0" b="0"/>
       </a:fillRef>
-      <a:effectRef idx="0">
+      <a:effectRef idx="2">
         <a:scrgbClr r="0" g="0" b="0"/>
       </a:effectRef>
       <a:fontRef idx="minor">
@@ -4727,13 +5011,13 @@
     <dgm:sp3d/>
     <dgm:txPr/>
     <dgm:style>
-      <a:lnRef idx="2">
+      <a:lnRef idx="0">
         <a:scrgbClr r="0" g="0" b="0"/>
       </a:lnRef>
-      <a:fillRef idx="1">
+      <a:fillRef idx="3">
         <a:scrgbClr r="0" g="0" b="0"/>
       </a:fillRef>
-      <a:effectRef idx="0">
+      <a:effectRef idx="2">
         <a:scrgbClr r="0" g="0" b="0"/>
       </a:effectRef>
       <a:fontRef idx="minor">
@@ -4749,13 +5033,13 @@
     <dgm:sp3d/>
     <dgm:txPr/>
     <dgm:style>
-      <a:lnRef idx="2">
+      <a:lnRef idx="0">
         <a:scrgbClr r="0" g="0" b="0"/>
       </a:lnRef>
-      <a:fillRef idx="1">
+      <a:fillRef idx="3">
         <a:scrgbClr r="0" g="0" b="0"/>
       </a:fillRef>
-      <a:effectRef idx="0">
+      <a:effectRef idx="2">
         <a:scrgbClr r="0" g="0" b="0"/>
       </a:effectRef>
       <a:fontRef idx="minor">
@@ -4771,13 +5055,13 @@
     <dgm:sp3d/>
     <dgm:txPr/>
     <dgm:style>
-      <a:lnRef idx="2">
+      <a:lnRef idx="0">
         <a:scrgbClr r="0" g="0" b="0"/>
       </a:lnRef>
-      <a:fillRef idx="1">
+      <a:fillRef idx="3">
         <a:scrgbClr r="0" g="0" b="0"/>
       </a:fillRef>
-      <a:effectRef idx="0">
+      <a:effectRef idx="2">
         <a:scrgbClr r="0" g="0" b="0"/>
       </a:effectRef>
       <a:fontRef idx="minor">
@@ -4793,13 +5077,13 @@
     <dgm:sp3d/>
     <dgm:txPr/>
     <dgm:style>
-      <a:lnRef idx="2">
+      <a:lnRef idx="0">
         <a:scrgbClr r="0" g="0" b="0"/>
       </a:lnRef>
-      <a:fillRef idx="1">
+      <a:fillRef idx="3">
         <a:scrgbClr r="0" g="0" b="0"/>
       </a:fillRef>
-      <a:effectRef idx="0">
+      <a:effectRef idx="2">
         <a:scrgbClr r="0" g="0" b="0"/>
       </a:effectRef>
       <a:fontRef idx="minor">
@@ -4815,13 +5099,13 @@
     <dgm:sp3d/>
     <dgm:txPr/>
     <dgm:style>
-      <a:lnRef idx="2">
+      <a:lnRef idx="0">
         <a:scrgbClr r="0" g="0" b="0"/>
       </a:lnRef>
       <a:fillRef idx="1">
         <a:scrgbClr r="0" g="0" b="0"/>
       </a:fillRef>
-      <a:effectRef idx="0">
+      <a:effectRef idx="2">
         <a:scrgbClr r="0" g="0" b="0"/>
       </a:effectRef>
       <a:fontRef idx="minor"/>
@@ -4835,13 +5119,13 @@
     <dgm:sp3d/>
     <dgm:txPr/>
     <dgm:style>
-      <a:lnRef idx="2">
+      <a:lnRef idx="0">
         <a:scrgbClr r="0" g="0" b="0"/>
       </a:lnRef>
       <a:fillRef idx="1">
         <a:scrgbClr r="0" g="0" b="0"/>
       </a:fillRef>
-      <a:effectRef idx="0">
+      <a:effectRef idx="2">
         <a:scrgbClr r="0" g="0" b="0"/>
       </a:effectRef>
       <a:fontRef idx="minor"/>
@@ -4855,13 +5139,13 @@
     <dgm:sp3d/>
     <dgm:txPr/>
     <dgm:style>
-      <a:lnRef idx="2">
+      <a:lnRef idx="0">
         <a:scrgbClr r="0" g="0" b="0"/>
       </a:lnRef>
       <a:fillRef idx="1">
         <a:scrgbClr r="0" g="0" b="0"/>
       </a:fillRef>
-      <a:effectRef idx="0">
+      <a:effectRef idx="2">
         <a:scrgbClr r="0" g="0" b="0"/>
       </a:effectRef>
       <a:fontRef idx="minor"/>
@@ -4878,10 +5162,10 @@
       <a:lnRef idx="0">
         <a:scrgbClr r="0" g="0" b="0"/>
       </a:lnRef>
-      <a:fillRef idx="1">
+      <a:fillRef idx="3">
         <a:scrgbClr r="0" g="0" b="0"/>
       </a:fillRef>
-      <a:effectRef idx="0">
+      <a:effectRef idx="2">
         <a:scrgbClr r="0" g="0" b="0"/>
       </a:effectRef>
       <a:fontRef idx="minor">
@@ -4900,10 +5184,10 @@
       <a:lnRef idx="0">
         <a:scrgbClr r="0" g="0" b="0"/>
       </a:lnRef>
-      <a:fillRef idx="1">
+      <a:fillRef idx="3">
         <a:scrgbClr r="0" g="0" b="0"/>
       </a:fillRef>
-      <a:effectRef idx="0">
+      <a:effectRef idx="2">
         <a:scrgbClr r="0" g="0" b="0"/>
       </a:effectRef>
       <a:fontRef idx="minor">
@@ -4922,10 +5206,10 @@
       <a:lnRef idx="0">
         <a:scrgbClr r="0" g="0" b="0"/>
       </a:lnRef>
-      <a:fillRef idx="1">
+      <a:fillRef idx="3">
         <a:scrgbClr r="0" g="0" b="0"/>
       </a:fillRef>
-      <a:effectRef idx="0">
+      <a:effectRef idx="2">
         <a:scrgbClr r="0" g="0" b="0"/>
       </a:effectRef>
       <a:fontRef idx="minor">
@@ -4967,7 +5251,7 @@
       <a:fillRef idx="1">
         <a:scrgbClr r="0" g="0" b="0"/>
       </a:fillRef>
-      <a:effectRef idx="0">
+      <a:effectRef idx="1">
         <a:scrgbClr r="0" g="0" b="0"/>
       </a:effectRef>
       <a:fontRef idx="minor"/>
@@ -4981,13 +5265,13 @@
     <dgm:sp3d/>
     <dgm:txPr/>
     <dgm:style>
-      <a:lnRef idx="2">
+      <a:lnRef idx="0">
         <a:scrgbClr r="0" g="0" b="0"/>
       </a:lnRef>
-      <a:fillRef idx="1">
+      <a:fillRef idx="3">
         <a:scrgbClr r="0" g="0" b="0"/>
       </a:fillRef>
-      <a:effectRef idx="0">
+      <a:effectRef idx="2">
         <a:scrgbClr r="0" g="0" b="0"/>
       </a:effectRef>
       <a:fontRef idx="minor">
@@ -5003,13 +5287,13 @@
     <dgm:sp3d/>
     <dgm:txPr/>
     <dgm:style>
-      <a:lnRef idx="2">
+      <a:lnRef idx="0">
         <a:scrgbClr r="0" g="0" b="0"/>
       </a:lnRef>
-      <a:fillRef idx="1">
+      <a:fillRef idx="3">
         <a:scrgbClr r="0" g="0" b="0"/>
       </a:fillRef>
-      <a:effectRef idx="0">
+      <a:effectRef idx="2">
         <a:scrgbClr r="0" g="0" b="0"/>
       </a:effectRef>
       <a:fontRef idx="minor">
@@ -5025,13 +5309,13 @@
     <dgm:sp3d/>
     <dgm:txPr/>
     <dgm:style>
-      <a:lnRef idx="2">
+      <a:lnRef idx="0">
         <a:scrgbClr r="0" g="0" b="0"/>
       </a:lnRef>
-      <a:fillRef idx="1">
+      <a:fillRef idx="3">
         <a:scrgbClr r="0" g="0" b="0"/>
       </a:fillRef>
-      <a:effectRef idx="0">
+      <a:effectRef idx="2">
         <a:scrgbClr r="0" g="0" b="0"/>
       </a:effectRef>
       <a:fontRef idx="minor">
@@ -5047,13 +5331,13 @@
     <dgm:sp3d/>
     <dgm:txPr/>
     <dgm:style>
-      <a:lnRef idx="2">
+      <a:lnRef idx="0">
         <a:scrgbClr r="0" g="0" b="0"/>
       </a:lnRef>
-      <a:fillRef idx="1">
+      <a:fillRef idx="3">
         <a:scrgbClr r="0" g="0" b="0"/>
       </a:fillRef>
-      <a:effectRef idx="0">
+      <a:effectRef idx="2">
         <a:scrgbClr r="0" g="0" b="0"/>
       </a:effectRef>
       <a:fontRef idx="minor">
@@ -5069,13 +5353,13 @@
     <dgm:sp3d/>
     <dgm:txPr/>
     <dgm:style>
-      <a:lnRef idx="2">
+      <a:lnRef idx="0">
         <a:scrgbClr r="0" g="0" b="0"/>
       </a:lnRef>
-      <a:fillRef idx="1">
+      <a:fillRef idx="3">
         <a:scrgbClr r="0" g="0" b="0"/>
       </a:fillRef>
-      <a:effectRef idx="0">
+      <a:effectRef idx="2">
         <a:scrgbClr r="0" g="0" b="0"/>
       </a:effectRef>
       <a:fontRef idx="minor">
@@ -5091,13 +5375,13 @@
     <dgm:sp3d/>
     <dgm:txPr/>
     <dgm:style>
-      <a:lnRef idx="2">
+      <a:lnRef idx="0">
         <a:scrgbClr r="0" g="0" b="0"/>
       </a:lnRef>
-      <a:fillRef idx="1">
+      <a:fillRef idx="3">
         <a:scrgbClr r="0" g="0" b="0"/>
       </a:fillRef>
-      <a:effectRef idx="0">
+      <a:effectRef idx="2">
         <a:scrgbClr r="0" g="0" b="0"/>
       </a:effectRef>
       <a:fontRef idx="minor">
@@ -5113,13 +5397,13 @@
     <dgm:sp3d/>
     <dgm:txPr/>
     <dgm:style>
-      <a:lnRef idx="2">
+      <a:lnRef idx="0">
         <a:scrgbClr r="0" g="0" b="0"/>
       </a:lnRef>
-      <a:fillRef idx="1">
+      <a:fillRef idx="3">
         <a:scrgbClr r="0" g="0" b="0"/>
       </a:fillRef>
-      <a:effectRef idx="0">
+      <a:effectRef idx="2">
         <a:scrgbClr r="0" g="0" b="0"/>
       </a:effectRef>
       <a:fontRef idx="minor">
@@ -5135,13 +5419,13 @@
     <dgm:sp3d/>
     <dgm:txPr/>
     <dgm:style>
-      <a:lnRef idx="2">
+      <a:lnRef idx="1">
         <a:scrgbClr r="0" g="0" b="0"/>
       </a:lnRef>
-      <a:fillRef idx="1">
+      <a:fillRef idx="3">
         <a:scrgbClr r="0" g="0" b="0"/>
       </a:fillRef>
-      <a:effectRef idx="0">
+      <a:effectRef idx="2">
         <a:scrgbClr r="0" g="0" b="0"/>
       </a:effectRef>
       <a:fontRef idx="minor">
@@ -5157,13 +5441,13 @@
     <dgm:sp3d/>
     <dgm:txPr/>
     <dgm:style>
-      <a:lnRef idx="2">
+      <a:lnRef idx="1">
         <a:scrgbClr r="0" g="0" b="0"/>
       </a:lnRef>
-      <a:fillRef idx="1">
+      <a:fillRef idx="3">
         <a:scrgbClr r="0" g="0" b="0"/>
       </a:fillRef>
-      <a:effectRef idx="0">
+      <a:effectRef idx="2">
         <a:scrgbClr r="0" g="0" b="0"/>
       </a:effectRef>
       <a:fontRef idx="minor">
@@ -5179,7 +5463,7 @@
     <dgm:sp3d/>
     <dgm:txPr/>
     <dgm:style>
-      <a:lnRef idx="2">
+      <a:lnRef idx="1">
         <a:scrgbClr r="0" g="0" b="0"/>
       </a:lnRef>
       <a:fillRef idx="0">
@@ -5199,7 +5483,7 @@
     <dgm:sp3d/>
     <dgm:txPr/>
     <dgm:style>
-      <a:lnRef idx="2">
+      <a:lnRef idx="1">
         <a:scrgbClr r="0" g="0" b="0"/>
       </a:lnRef>
       <a:fillRef idx="0">
@@ -5219,7 +5503,7 @@
     <dgm:sp3d/>
     <dgm:txPr/>
     <dgm:style>
-      <a:lnRef idx="2">
+      <a:lnRef idx="1">
         <a:scrgbClr r="0" g="0" b="0"/>
       </a:lnRef>
       <a:fillRef idx="0">
@@ -5239,7 +5523,7 @@
     <dgm:sp3d/>
     <dgm:txPr/>
     <dgm:style>
-      <a:lnRef idx="2">
+      <a:lnRef idx="1">
         <a:scrgbClr r="0" g="0" b="0"/>
       </a:lnRef>
       <a:fillRef idx="0">
@@ -5259,7 +5543,7 @@
     <dgm:sp3d/>
     <dgm:txPr/>
     <dgm:style>
-      <a:lnRef idx="2">
+      <a:lnRef idx="1">
         <a:scrgbClr r="0" g="0" b="0"/>
       </a:lnRef>
       <a:fillRef idx="1">
@@ -5279,7 +5563,7 @@
     <dgm:sp3d/>
     <dgm:txPr/>
     <dgm:style>
-      <a:lnRef idx="2">
+      <a:lnRef idx="1">
         <a:scrgbClr r="0" g="0" b="0"/>
       </a:lnRef>
       <a:fillRef idx="1">
@@ -5299,7 +5583,7 @@
     <dgm:sp3d/>
     <dgm:txPr/>
     <dgm:style>
-      <a:lnRef idx="2">
+      <a:lnRef idx="1">
         <a:scrgbClr r="0" g="0" b="0"/>
       </a:lnRef>
       <a:fillRef idx="1">
@@ -5339,7 +5623,7 @@
     <dgm:sp3d/>
     <dgm:txPr/>
     <dgm:style>
-      <a:lnRef idx="2">
+      <a:lnRef idx="1">
         <a:scrgbClr r="0" g="0" b="0"/>
       </a:lnRef>
       <a:fillRef idx="1">
@@ -5359,7 +5643,7 @@
     <dgm:sp3d/>
     <dgm:txPr/>
     <dgm:style>
-      <a:lnRef idx="2">
+      <a:lnRef idx="1">
         <a:scrgbClr r="0" g="0" b="0"/>
       </a:lnRef>
       <a:fillRef idx="1">
@@ -5379,7 +5663,7 @@
     <dgm:sp3d/>
     <dgm:txPr/>
     <dgm:style>
-      <a:lnRef idx="2">
+      <a:lnRef idx="1">
         <a:scrgbClr r="0" g="0" b="0"/>
       </a:lnRef>
       <a:fillRef idx="1">
@@ -5399,7 +5683,7 @@
     <dgm:sp3d/>
     <dgm:txPr/>
     <dgm:style>
-      <a:lnRef idx="2">
+      <a:lnRef idx="1">
         <a:scrgbClr r="0" g="0" b="0"/>
       </a:lnRef>
       <a:fillRef idx="1">
@@ -5419,7 +5703,7 @@
     <dgm:sp3d/>
     <dgm:txPr/>
     <dgm:style>
-      <a:lnRef idx="2">
+      <a:lnRef idx="1">
         <a:scrgbClr r="0" g="0" b="0"/>
       </a:lnRef>
       <a:fillRef idx="1">
@@ -5439,7 +5723,7 @@
     <dgm:sp3d/>
     <dgm:txPr/>
     <dgm:style>
-      <a:lnRef idx="2">
+      <a:lnRef idx="1">
         <a:scrgbClr r="0" g="0" b="0"/>
       </a:lnRef>
       <a:fillRef idx="1">
@@ -5459,7 +5743,7 @@
     <dgm:sp3d/>
     <dgm:txPr/>
     <dgm:style>
-      <a:lnRef idx="2">
+      <a:lnRef idx="1">
         <a:scrgbClr r="0" g="0" b="0"/>
       </a:lnRef>
       <a:fillRef idx="1">
@@ -5479,7 +5763,7 @@
     <dgm:sp3d/>
     <dgm:txPr/>
     <dgm:style>
-      <a:lnRef idx="2">
+      <a:lnRef idx="1">
         <a:scrgbClr r="0" g="0" b="0"/>
       </a:lnRef>
       <a:fillRef idx="1">
@@ -5499,7 +5783,7 @@
     <dgm:sp3d/>
     <dgm:txPr/>
     <dgm:style>
-      <a:lnRef idx="2">
+      <a:lnRef idx="1">
         <a:scrgbClr r="0" g="0" b="0"/>
       </a:lnRef>
       <a:fillRef idx="1">
@@ -5519,7 +5803,7 @@
     <dgm:sp3d/>
     <dgm:txPr/>
     <dgm:style>
-      <a:lnRef idx="2">
+      <a:lnRef idx="1">
         <a:scrgbClr r="0" g="0" b="0"/>
       </a:lnRef>
       <a:fillRef idx="1">
@@ -5539,7 +5823,7 @@
     <dgm:sp3d/>
     <dgm:txPr/>
     <dgm:style>
-      <a:lnRef idx="2">
+      <a:lnRef idx="1">
         <a:scrgbClr r="0" g="0" b="0"/>
       </a:lnRef>
       <a:fillRef idx="1">
@@ -5565,7 +5849,7 @@
       <a:fillRef idx="1">
         <a:scrgbClr r="0" g="0" b="0"/>
       </a:fillRef>
-      <a:effectRef idx="0">
+      <a:effectRef idx="2">
         <a:scrgbClr r="0" g="0" b="0"/>
       </a:effectRef>
       <a:fontRef idx="minor"/>
@@ -5585,7 +5869,7 @@
       <a:fillRef idx="1">
         <a:scrgbClr r="0" g="0" b="0"/>
       </a:fillRef>
-      <a:effectRef idx="0">
+      <a:effectRef idx="2">
         <a:scrgbClr r="0" g="0" b="0"/>
       </a:effectRef>
       <a:fontRef idx="minor"/>
@@ -5619,13 +5903,13 @@
     <dgm:sp3d/>
     <dgm:txPr/>
     <dgm:style>
-      <a:lnRef idx="2">
+      <a:lnRef idx="0">
         <a:scrgbClr r="0" g="0" b="0"/>
       </a:lnRef>
-      <a:fillRef idx="1">
+      <a:fillRef idx="3">
         <a:scrgbClr r="0" g="0" b="0"/>
       </a:fillRef>
-      <a:effectRef idx="0">
+      <a:effectRef idx="2">
         <a:scrgbClr r="0" g="0" b="0"/>
       </a:effectRef>
       <a:fontRef idx="minor"/>
@@ -6827,7 +7111,7 @@
           <a:p>
             <a:fld id="{A1316E82-DA29-4069-AF4A-5A5A91A61DFD}" type="datetimeFigureOut">
               <a:rPr lang="en-IN" smtClean="0"/>
-              <a:t>21-01-2021</a:t>
+              <a:t>22-01-2021</a:t>
             </a:fld>
             <a:endParaRPr lang="en-IN"/>
           </a:p>
@@ -7038,7 +7322,7 @@
           <a:p>
             <a:fld id="{A1316E82-DA29-4069-AF4A-5A5A91A61DFD}" type="datetimeFigureOut">
               <a:rPr lang="en-IN" smtClean="0"/>
-              <a:t>21-01-2021</a:t>
+              <a:t>22-01-2021</a:t>
             </a:fld>
             <a:endParaRPr lang="en-IN"/>
           </a:p>
@@ -7253,7 +7537,7 @@
           <a:p>
             <a:fld id="{A1316E82-DA29-4069-AF4A-5A5A91A61DFD}" type="datetimeFigureOut">
               <a:rPr lang="en-IN" smtClean="0"/>
-              <a:t>21-01-2021</a:t>
+              <a:t>22-01-2021</a:t>
             </a:fld>
             <a:endParaRPr lang="en-IN"/>
           </a:p>
@@ -7829,7 +8113,7 @@
           <a:p>
             <a:fld id="{A1316E82-DA29-4069-AF4A-5A5A91A61DFD}" type="datetimeFigureOut">
               <a:rPr lang="en-IN" smtClean="0"/>
-              <a:t>21-01-2021</a:t>
+              <a:t>22-01-2021</a:t>
             </a:fld>
             <a:endParaRPr lang="en-IN"/>
           </a:p>
@@ -7999,7 +8283,7 @@
           <a:p>
             <a:fld id="{A1316E82-DA29-4069-AF4A-5A5A91A61DFD}" type="datetimeFigureOut">
               <a:rPr lang="en-IN" smtClean="0"/>
-              <a:t>21-01-2021</a:t>
+              <a:t>22-01-2021</a:t>
             </a:fld>
             <a:endParaRPr lang="en-IN"/>
           </a:p>
@@ -8278,7 +8562,7 @@
           <a:p>
             <a:fld id="{A1316E82-DA29-4069-AF4A-5A5A91A61DFD}" type="datetimeFigureOut">
               <a:rPr lang="en-IN" smtClean="0"/>
-              <a:t>21-01-2021</a:t>
+              <a:t>22-01-2021</a:t>
             </a:fld>
             <a:endParaRPr lang="en-IN"/>
           </a:p>
@@ -8546,7 +8830,7 @@
           <a:p>
             <a:fld id="{A1316E82-DA29-4069-AF4A-5A5A91A61DFD}" type="datetimeFigureOut">
               <a:rPr lang="en-IN" smtClean="0"/>
-              <a:t>21-01-2021</a:t>
+              <a:t>22-01-2021</a:t>
             </a:fld>
             <a:endParaRPr lang="en-IN"/>
           </a:p>
@@ -8962,7 +9246,7 @@
           <a:p>
             <a:fld id="{A1316E82-DA29-4069-AF4A-5A5A91A61DFD}" type="datetimeFigureOut">
               <a:rPr lang="en-IN" smtClean="0"/>
-              <a:t>21-01-2021</a:t>
+              <a:t>22-01-2021</a:t>
             </a:fld>
             <a:endParaRPr lang="en-IN"/>
           </a:p>
@@ -9111,7 +9395,7 @@
           <a:p>
             <a:fld id="{A1316E82-DA29-4069-AF4A-5A5A91A61DFD}" type="datetimeFigureOut">
               <a:rPr lang="en-IN" smtClean="0"/>
-              <a:t>21-01-2021</a:t>
+              <a:t>22-01-2021</a:t>
             </a:fld>
             <a:endParaRPr lang="en-IN"/>
           </a:p>
@@ -9237,7 +9521,7 @@
           <a:p>
             <a:fld id="{A1316E82-DA29-4069-AF4A-5A5A91A61DFD}" type="datetimeFigureOut">
               <a:rPr lang="en-IN" smtClean="0"/>
-              <a:t>21-01-2021</a:t>
+              <a:t>22-01-2021</a:t>
             </a:fld>
             <a:endParaRPr lang="en-IN"/>
           </a:p>
@@ -9488,7 +9772,7 @@
           <a:p>
             <a:fld id="{A1316E82-DA29-4069-AF4A-5A5A91A61DFD}" type="datetimeFigureOut">
               <a:rPr lang="en-IN" smtClean="0"/>
-              <a:t>21-01-2021</a:t>
+              <a:t>22-01-2021</a:t>
             </a:fld>
             <a:endParaRPr lang="en-IN"/>
           </a:p>
@@ -9933,7 +10217,7 @@
           <a:p>
             <a:fld id="{A1316E82-DA29-4069-AF4A-5A5A91A61DFD}" type="datetimeFigureOut">
               <a:rPr lang="en-IN" smtClean="0"/>
-              <a:t>21-01-2021</a:t>
+              <a:t>22-01-2021</a:t>
             </a:fld>
             <a:endParaRPr lang="en-IN"/>
           </a:p>
@@ -10260,7 +10544,7 @@
           <a:p>
             <a:fld id="{A1316E82-DA29-4069-AF4A-5A5A91A61DFD}" type="datetimeFigureOut">
               <a:rPr lang="en-IN" smtClean="0"/>
-              <a:t>21-01-2021</a:t>
+              <a:t>22-01-2021</a:t>
             </a:fld>
             <a:endParaRPr lang="en-IN"/>
           </a:p>
@@ -18984,9 +19268,25 @@
   <p:cSld>
     <p:bg>
       <p:bgPr>
-        <a:solidFill>
-          <a:schemeClr val="bg1"/>
-        </a:solidFill>
+        <a:gradFill rotWithShape="1">
+          <a:gsLst>
+            <a:gs pos="0">
+              <a:schemeClr val="bg2">
+                <a:tint val="94000"/>
+                <a:satMod val="80000"/>
+                <a:lumMod val="106000"/>
+              </a:schemeClr>
+            </a:gs>
+            <a:gs pos="100000">
+              <a:schemeClr val="bg2">
+                <a:shade val="80000"/>
+              </a:schemeClr>
+            </a:gs>
+          </a:gsLst>
+          <a:path path="circle">
+            <a:fillToRect l="43000" r="43000" b="100000"/>
+          </a:path>
+        </a:gradFill>
         <a:effectLst/>
       </p:bgPr>
     </p:bg>
@@ -19004,6 +19304,140 @@
           <a:chExt cx="0" cy="0"/>
         </a:xfrm>
       </p:grpSpPr>
+      <p:sp useBgFill="1">
+        <p:nvSpPr>
+          <p:cNvPr id="27" name="Rectangle 26">
+            <a:extLst>
+              <a:ext uri="{FF2B5EF4-FFF2-40B4-BE49-F238E27FC236}">
+                <a16:creationId xmlns:a16="http://schemas.microsoft.com/office/drawing/2014/main" id="{32D32A60-013B-47A8-8833-D2424080917B}"/>
+              </a:ext>
+              <a:ext uri="{C183D7F6-B498-43B3-948B-1728B52AA6E4}">
+                <adec:decorative xmlns:adec="http://schemas.microsoft.com/office/drawing/2017/decorative" val="1"/>
+              </a:ext>
+            </a:extLst>
+          </p:cNvPr>
+          <p:cNvSpPr>
+            <a:spLocks noGrp="1" noRot="1" noChangeAspect="1" noMove="1" noResize="1" noEditPoints="1" noAdjustHandles="1" noChangeArrowheads="1" noChangeShapeType="1" noTextEdit="1"/>
+          </p:cNvSpPr>
+          <p:nvPr>
+            <p:extLst>
+              <p:ext uri="{386F3935-93C4-4BCD-93E2-E3B085C9AB24}">
+                <p16:designElem xmlns:p16="http://schemas.microsoft.com/office/powerpoint/2015/main" val="1"/>
+              </p:ext>
+            </p:extLst>
+          </p:nvPr>
+        </p:nvSpPr>
+        <p:spPr>
+          <a:xfrm>
+            <a:off x="2" y="0"/>
+            <a:ext cx="12191695" cy="6858000"/>
+          </a:xfrm>
+          <a:prstGeom prst="rect">
+            <a:avLst/>
+          </a:prstGeom>
+          <a:ln>
+            <a:noFill/>
+          </a:ln>
+        </p:spPr>
+        <p:style>
+          <a:lnRef idx="2">
+            <a:schemeClr val="accent1">
+              <a:shade val="50000"/>
+            </a:schemeClr>
+          </a:lnRef>
+          <a:fillRef idx="1">
+            <a:schemeClr val="accent1"/>
+          </a:fillRef>
+          <a:effectRef idx="0">
+            <a:schemeClr val="accent1"/>
+          </a:effectRef>
+          <a:fontRef idx="minor">
+            <a:schemeClr val="lt1"/>
+          </a:fontRef>
+        </p:style>
+        <p:txBody>
+          <a:bodyPr rtlCol="0" anchor="ctr"/>
+          <a:lstStyle/>
+          <a:p>
+            <a:pPr algn="ctr"/>
+            <a:endParaRPr lang="en-US"/>
+          </a:p>
+        </p:txBody>
+      </p:sp>
+      <p:sp>
+        <p:nvSpPr>
+          <p:cNvPr id="29" name="Rectangle 28">
+            <a:extLst>
+              <a:ext uri="{FF2B5EF4-FFF2-40B4-BE49-F238E27FC236}">
+                <a16:creationId xmlns:a16="http://schemas.microsoft.com/office/drawing/2014/main" id="{AE27932B-B694-4C4C-90D7-A0333A7C5876}"/>
+              </a:ext>
+              <a:ext uri="{C183D7F6-B498-43B3-948B-1728B52AA6E4}">
+                <adec:decorative xmlns:adec="http://schemas.microsoft.com/office/drawing/2017/decorative" val="1"/>
+              </a:ext>
+            </a:extLst>
+          </p:cNvPr>
+          <p:cNvSpPr>
+            <a:spLocks noGrp="1" noRot="1" noChangeAspect="1" noMove="1" noResize="1" noEditPoints="1" noAdjustHandles="1" noChangeArrowheads="1" noChangeShapeType="1" noTextEdit="1"/>
+          </p:cNvSpPr>
+          <p:nvPr>
+            <p:extLst>
+              <p:ext uri="{386F3935-93C4-4BCD-93E2-E3B085C9AB24}">
+                <p16:designElem xmlns:p16="http://schemas.microsoft.com/office/powerpoint/2015/main" val="1"/>
+              </p:ext>
+            </p:extLst>
+          </p:nvPr>
+        </p:nvSpPr>
+        <p:spPr>
+          <a:xfrm>
+            <a:off x="0" y="2019476"/>
+            <a:ext cx="12192000" cy="4105941"/>
+          </a:xfrm>
+          <a:prstGeom prst="rect">
+            <a:avLst/>
+          </a:prstGeom>
+          <a:gradFill flip="none" rotWithShape="1">
+            <a:gsLst>
+              <a:gs pos="0">
+                <a:schemeClr val="bg2">
+                  <a:alpha val="0"/>
+                </a:schemeClr>
+              </a:gs>
+              <a:gs pos="100000">
+                <a:schemeClr val="bg2"/>
+              </a:gs>
+            </a:gsLst>
+            <a:lin ang="5400000" scaled="0"/>
+            <a:tileRect/>
+          </a:gradFill>
+          <a:ln>
+            <a:noFill/>
+          </a:ln>
+        </p:spPr>
+        <p:style>
+          <a:lnRef idx="2">
+            <a:schemeClr val="accent1">
+              <a:shade val="50000"/>
+            </a:schemeClr>
+          </a:lnRef>
+          <a:fillRef idx="1">
+            <a:schemeClr val="accent1"/>
+          </a:fillRef>
+          <a:effectRef idx="0">
+            <a:schemeClr val="accent1"/>
+          </a:effectRef>
+          <a:fontRef idx="minor">
+            <a:schemeClr val="lt1"/>
+          </a:fontRef>
+        </p:style>
+        <p:txBody>
+          <a:bodyPr rtlCol="0" anchor="ctr"/>
+          <a:lstStyle/>
+          <a:p>
+            <a:pPr lvl="0" algn="ctr"/>
+            <a:endParaRPr lang="en-US"/>
+          </a:p>
+        </p:txBody>
+      </p:sp>
       <p:sp>
         <p:nvSpPr>
           <p:cNvPr id="2" name="Title 1">
@@ -19022,27 +19456,230 @@
         </p:nvSpPr>
         <p:spPr>
           <a:xfrm>
-            <a:off x="648930" y="629267"/>
-            <a:ext cx="9252154" cy="1016654"/>
+            <a:off x="1451579" y="2303047"/>
+            <a:ext cx="3272093" cy="2674198"/>
           </a:xfrm>
         </p:spPr>
         <p:txBody>
-          <a:bodyPr>
+          <a:bodyPr anchor="t">
             <a:normAutofit/>
           </a:bodyPr>
           <a:lstStyle/>
           <a:p>
             <a:r>
-              <a:rPr lang="en-IN">
-                <a:solidFill>
-                  <a:srgbClr val="EBEBEB"/>
-                </a:solidFill>
-              </a:rPr>
+              <a:rPr lang="en-IN"/>
               <a:t>Contents</a:t>
             </a:r>
           </a:p>
         </p:txBody>
       </p:sp>
+      <p:cxnSp>
+        <p:nvCxnSpPr>
+          <p:cNvPr id="31" name="Straight Connector 30">
+            <a:extLst>
+              <a:ext uri="{FF2B5EF4-FFF2-40B4-BE49-F238E27FC236}">
+                <a16:creationId xmlns:a16="http://schemas.microsoft.com/office/drawing/2014/main" id="{9EBB0476-5CF0-4F44-8D68-5D42D7AEE43A}"/>
+              </a:ext>
+              <a:ext uri="{C183D7F6-B498-43B3-948B-1728B52AA6E4}">
+                <adec:decorative xmlns:adec="http://schemas.microsoft.com/office/drawing/2017/decorative" val="1"/>
+              </a:ext>
+            </a:extLst>
+          </p:cNvPr>
+          <p:cNvCxnSpPr>
+            <a:cxnSpLocks noGrp="1" noRot="1" noChangeAspect="1" noMove="1" noResize="1" noEditPoints="1" noAdjustHandles="1" noChangeArrowheads="1" noChangeShapeType="1"/>
+          </p:cNvCxnSpPr>
+          <p:nvPr>
+            <p:extLst>
+              <p:ext uri="{386F3935-93C4-4BCD-93E2-E3B085C9AB24}">
+                <p16:designElem xmlns:p16="http://schemas.microsoft.com/office/powerpoint/2015/main" val="1"/>
+              </p:ext>
+            </p:extLst>
+          </p:nvPr>
+        </p:nvCxnSpPr>
+        <p:spPr>
+          <a:xfrm>
+            <a:off x="1451579" y="2146542"/>
+            <a:ext cx="3272094" cy="0"/>
+          </a:xfrm>
+          <a:prstGeom prst="line">
+            <a:avLst/>
+          </a:prstGeom>
+          <a:ln w="31750"/>
+        </p:spPr>
+        <p:style>
+          <a:lnRef idx="3">
+            <a:schemeClr val="accent1"/>
+          </a:lnRef>
+          <a:fillRef idx="0">
+            <a:schemeClr val="accent1"/>
+          </a:fillRef>
+          <a:effectRef idx="2">
+            <a:schemeClr val="accent1"/>
+          </a:effectRef>
+          <a:fontRef idx="minor">
+            <a:schemeClr val="tx1"/>
+          </a:fontRef>
+        </p:style>
+      </p:cxnSp>
+      <p:sp>
+        <p:nvSpPr>
+          <p:cNvPr id="33" name="Title 1">
+            <a:extLst>
+              <a:ext uri="{FF2B5EF4-FFF2-40B4-BE49-F238E27FC236}">
+                <a16:creationId xmlns:a16="http://schemas.microsoft.com/office/drawing/2014/main" id="{A9DA474E-6B91-4200-840F-0257B2358A75}"/>
+              </a:ext>
+              <a:ext uri="{C183D7F6-B498-43B3-948B-1728B52AA6E4}">
+                <adec:decorative xmlns:adec="http://schemas.microsoft.com/office/drawing/2017/decorative" val="1"/>
+              </a:ext>
+            </a:extLst>
+          </p:cNvPr>
+          <p:cNvSpPr txBox="1">
+            <a:spLocks noGrp="1" noRot="1" noChangeAspect="1" noMove="1" noResize="1" noEditPoints="1" noAdjustHandles="1" noChangeArrowheads="1" noChangeShapeType="1" noTextEdit="1"/>
+          </p:cNvSpPr>
+          <p:nvPr>
+            <p:extLst>
+              <p:ext uri="{386F3935-93C4-4BCD-93E2-E3B085C9AB24}">
+                <p16:designElem xmlns:p16="http://schemas.microsoft.com/office/powerpoint/2015/main" val="1"/>
+              </p:ext>
+            </p:extLst>
+          </p:nvPr>
+        </p:nvSpPr>
+        <p:spPr>
+          <a:xfrm>
+            <a:off x="1451580" y="3122496"/>
+            <a:ext cx="3530157" cy="1049235"/>
+          </a:xfrm>
+          <a:prstGeom prst="rect">
+            <a:avLst/>
+          </a:prstGeom>
+        </p:spPr>
+        <p:txBody>
+          <a:bodyPr vert="horz" lIns="91440" tIns="45720" rIns="91440" bIns="45720" rtlCol="0" anchor="t">
+            <a:normAutofit/>
+          </a:bodyPr>
+          <a:lstStyle>
+            <a:lvl1pPr algn="l" defTabSz="914400" rtl="0" eaLnBrk="1" latinLnBrk="0" hangingPunct="1">
+              <a:lnSpc>
+                <a:spcPct val="90000"/>
+              </a:lnSpc>
+              <a:spcBef>
+                <a:spcPct val="0"/>
+              </a:spcBef>
+              <a:buNone/>
+              <a:defRPr sz="3200" b="0" i="0" kern="1200" cap="all">
+                <a:solidFill>
+                  <a:schemeClr val="tx1"/>
+                </a:solidFill>
+                <a:effectLst/>
+                <a:latin typeface="+mj-lt"/>
+                <a:ea typeface="+mj-ea"/>
+                <a:cs typeface="+mj-cs"/>
+              </a:defRPr>
+            </a:lvl1pPr>
+          </a:lstStyle>
+          <a:p>
+            <a:endParaRPr lang="en-US" dirty="0"/>
+          </a:p>
+        </p:txBody>
+      </p:sp>
+      <p:pic>
+        <p:nvPicPr>
+          <p:cNvPr id="35" name="Picture 34">
+            <a:extLst>
+              <a:ext uri="{FF2B5EF4-FFF2-40B4-BE49-F238E27FC236}">
+                <a16:creationId xmlns:a16="http://schemas.microsoft.com/office/drawing/2014/main" id="{DF63C9AD-AE6E-4512-8171-91612E84CCFB}"/>
+              </a:ext>
+              <a:ext uri="{C183D7F6-B498-43B3-948B-1728B52AA6E4}">
+                <adec:decorative xmlns:adec="http://schemas.microsoft.com/office/drawing/2017/decorative" val="1"/>
+              </a:ext>
+            </a:extLst>
+          </p:cNvPr>
+          <p:cNvPicPr>
+            <a:picLocks noGrp="1" noRot="1" noChangeAspect="1" noMove="1" noResize="1" noEditPoints="1" noAdjustHandles="1" noChangeArrowheads="1" noChangeShapeType="1" noCrop="1"/>
+          </p:cNvPicPr>
+          <p:nvPr>
+            <p:extLst>
+              <p:ext uri="{386F3935-93C4-4BCD-93E2-E3B085C9AB24}">
+                <p16:designElem xmlns:p16="http://schemas.microsoft.com/office/powerpoint/2015/main" val="1"/>
+              </p:ext>
+            </p:extLst>
+          </p:nvPr>
+        </p:nvPicPr>
+        <p:blipFill rotWithShape="1">
+          <a:blip r:embed="rId2">
+            <a:extLst>
+              <a:ext uri="{28A0092B-C50C-407E-A947-70E740481C1C}">
+                <a14:useLocalDpi xmlns:a14="http://schemas.microsoft.com/office/drawing/2010/main" val="0"/>
+              </a:ext>
+            </a:extLst>
+          </a:blip>
+          <a:srcRect t="1538" b="-1538"/>
+          <a:stretch/>
+        </p:blipFill>
+        <p:spPr bwMode="black">
+          <a:xfrm>
+            <a:off x="0" y="6126480"/>
+            <a:ext cx="12192000" cy="742950"/>
+          </a:xfrm>
+          <a:prstGeom prst="rect">
+            <a:avLst/>
+          </a:prstGeom>
+        </p:spPr>
+      </p:pic>
+      <p:cxnSp>
+        <p:nvCxnSpPr>
+          <p:cNvPr id="37" name="Straight Connector 36">
+            <a:extLst>
+              <a:ext uri="{FF2B5EF4-FFF2-40B4-BE49-F238E27FC236}">
+                <a16:creationId xmlns:a16="http://schemas.microsoft.com/office/drawing/2014/main" id="{FE1A49CE-B63D-457A-A180-1C883E1A63D2}"/>
+              </a:ext>
+              <a:ext uri="{C183D7F6-B498-43B3-948B-1728B52AA6E4}">
+                <adec:decorative xmlns:adec="http://schemas.microsoft.com/office/drawing/2017/decorative" val="1"/>
+              </a:ext>
+            </a:extLst>
+          </p:cNvPr>
+          <p:cNvCxnSpPr>
+            <a:cxnSpLocks noGrp="1" noRot="1" noChangeAspect="1" noMove="1" noResize="1" noEditPoints="1" noAdjustHandles="1" noChangeArrowheads="1" noChangeShapeType="1"/>
+          </p:cNvCxnSpPr>
+          <p:nvPr>
+            <p:extLst>
+              <p:ext uri="{386F3935-93C4-4BCD-93E2-E3B085C9AB24}">
+                <p16:designElem xmlns:p16="http://schemas.microsoft.com/office/powerpoint/2015/main" val="1"/>
+              </p:ext>
+            </p:extLst>
+          </p:nvPr>
+        </p:nvCxnSpPr>
+        <p:spPr>
+          <a:xfrm>
+            <a:off x="0" y="6128413"/>
+            <a:ext cx="12192000" cy="0"/>
+          </a:xfrm>
+          <a:prstGeom prst="line">
+            <a:avLst/>
+          </a:prstGeom>
+          <a:ln w="12700">
+            <a:solidFill>
+              <a:srgbClr val="000001">
+                <a:alpha val="20000"/>
+              </a:srgbClr>
+            </a:solidFill>
+          </a:ln>
+        </p:spPr>
+        <p:style>
+          <a:lnRef idx="1">
+            <a:schemeClr val="accent1"/>
+          </a:lnRef>
+          <a:fillRef idx="0">
+            <a:schemeClr val="accent1"/>
+          </a:fillRef>
+          <a:effectRef idx="0">
+            <a:schemeClr val="accent1"/>
+          </a:effectRef>
+          <a:fontRef idx="minor">
+            <a:schemeClr val="tx1"/>
+          </a:fontRef>
+        </p:style>
+      </p:cxnSp>
       <p:graphicFrame>
         <p:nvGraphicFramePr>
           <p:cNvPr id="5" name="Content Placeholder 2">
@@ -19059,18 +19696,18 @@
             <p:ph idx="1"/>
             <p:extLst>
               <p:ext uri="{D42A27DB-BD31-4B8C-83A1-F6EECF244321}">
-                <p14:modId xmlns:p14="http://schemas.microsoft.com/office/powerpoint/2010/main" val="2949771327"/>
+                <p14:modId xmlns:p14="http://schemas.microsoft.com/office/powerpoint/2010/main" val="2420133406"/>
               </p:ext>
             </p:extLst>
           </p:nvPr>
         </p:nvGraphicFramePr>
         <p:xfrm>
-          <a:off x="648930" y="2810256"/>
-          <a:ext cx="10895370" cy="3404277"/>
+          <a:off x="5141913" y="803275"/>
+          <a:ext cx="5913437" cy="4637088"/>
         </p:xfrm>
         <a:graphic>
           <a:graphicData uri="http://schemas.openxmlformats.org/drawingml/2006/diagram">
-            <dgm:relIds xmlns:dgm="http://schemas.openxmlformats.org/drawingml/2006/diagram" xmlns:r="http://schemas.openxmlformats.org/officeDocument/2006/relationships" r:dm="rId2" r:lo="rId3" r:qs="rId4" r:cs="rId5"/>
+            <dgm:relIds xmlns:dgm="http://schemas.openxmlformats.org/drawingml/2006/diagram" xmlns:r="http://schemas.openxmlformats.org/officeDocument/2006/relationships" r:dm="rId3" r:lo="rId4" r:qs="rId5" r:cs="rId6"/>
           </a:graphicData>
         </a:graphic>
       </p:graphicFrame>
@@ -19082,7 +19719,7 @@
     </p:extLst>
   </p:cSld>
   <p:clrMapOvr>
-    <a:overrideClrMapping bg1="lt1" tx1="dk1" bg2="lt2" tx2="dk2" accent1="accent1" accent2="accent2" accent3="accent3" accent4="accent4" accent5="accent5" accent6="accent6" hlink="hlink" folHlink="folHlink"/>
+    <a:masterClrMapping/>
   </p:clrMapOvr>
 </p:sld>
 </file>
@@ -25190,10 +25827,10 @@
       </p:grpSpPr>
       <p:sp>
         <p:nvSpPr>
-          <p:cNvPr id="40" name="Rectangle 15">
+          <p:cNvPr id="77" name="Rectangle 76">
             <a:extLst>
               <a:ext uri="{FF2B5EF4-FFF2-40B4-BE49-F238E27FC236}">
-                <a16:creationId xmlns:a16="http://schemas.microsoft.com/office/drawing/2014/main" id="{E724B9E8-02C8-4B2E-8770-A00A67760DF0}"/>
+                <a16:creationId xmlns:a16="http://schemas.microsoft.com/office/drawing/2014/main" id="{905CFAD9-EABE-4F83-B098-604752164E6A}"/>
               </a:ext>
               <a:ext uri="{C183D7F6-B498-43B3-948B-1728B52AA6E4}">
                 <adec:decorative xmlns:adec="http://schemas.microsoft.com/office/drawing/2017/decorative" val="1"/>
@@ -25256,10 +25893,10 @@
       </p:sp>
       <p:pic>
         <p:nvPicPr>
-          <p:cNvPr id="41" name="Picture 17">
+          <p:cNvPr id="79" name="Picture 78">
             <a:extLst>
               <a:ext uri="{FF2B5EF4-FFF2-40B4-BE49-F238E27FC236}">
-                <a16:creationId xmlns:a16="http://schemas.microsoft.com/office/drawing/2014/main" id="{7B8AE548-0BFA-4792-9962-3375923C7635}"/>
+                <a16:creationId xmlns:a16="http://schemas.microsoft.com/office/drawing/2014/main" id="{C99610E4-6194-4817-B152-498995E77181}"/>
               </a:ext>
               <a:ext uri="{C183D7F6-B498-43B3-948B-1728B52AA6E4}">
                 <adec:decorative xmlns:adec="http://schemas.microsoft.com/office/drawing/2017/decorative" val="1"/>
@@ -25300,10 +25937,10 @@
       </p:pic>
       <p:cxnSp>
         <p:nvCxnSpPr>
-          <p:cNvPr id="42" name="Straight Connector 19">
+          <p:cNvPr id="81" name="Straight Connector 80">
             <a:extLst>
               <a:ext uri="{FF2B5EF4-FFF2-40B4-BE49-F238E27FC236}">
-                <a16:creationId xmlns:a16="http://schemas.microsoft.com/office/drawing/2014/main" id="{67639EF4-FA83-4D85-90FE-B831AF283896}"/>
+                <a16:creationId xmlns:a16="http://schemas.microsoft.com/office/drawing/2014/main" id="{D885E9F4-7DB6-4B77-B1FF-80BFCE81277B}"/>
               </a:ext>
               <a:ext uri="{C183D7F6-B498-43B3-948B-1728B52AA6E4}">
                 <adec:decorative xmlns:adec="http://schemas.microsoft.com/office/drawing/2017/decorative" val="1"/>
@@ -25354,10 +25991,10 @@
       </p:cxnSp>
       <p:cxnSp>
         <p:nvCxnSpPr>
-          <p:cNvPr id="43" name="Straight Connector 21">
+          <p:cNvPr id="83" name="Straight Connector 82">
             <a:extLst>
               <a:ext uri="{FF2B5EF4-FFF2-40B4-BE49-F238E27FC236}">
-                <a16:creationId xmlns:a16="http://schemas.microsoft.com/office/drawing/2014/main" id="{CC87E76A-8F50-413D-9BFC-C5A1525BD9BC}"/>
+                <a16:creationId xmlns:a16="http://schemas.microsoft.com/office/drawing/2014/main" id="{DB639A2B-C30C-4F6F-B847-6960F3CF8A64}"/>
               </a:ext>
               <a:ext uri="{C183D7F6-B498-43B3-948B-1728B52AA6E4}">
                 <adec:decorative xmlns:adec="http://schemas.microsoft.com/office/drawing/2017/decorative" val="1"/>
@@ -25402,10 +26039,10 @@
       </p:cxnSp>
       <p:sp useBgFill="1">
         <p:nvSpPr>
-          <p:cNvPr id="44" name="Rectangle 23">
+          <p:cNvPr id="85" name="Rectangle 84">
             <a:extLst>
               <a:ext uri="{FF2B5EF4-FFF2-40B4-BE49-F238E27FC236}">
-                <a16:creationId xmlns:a16="http://schemas.microsoft.com/office/drawing/2014/main" id="{3906A8D6-9FDA-4885-BF90-DDF89D077391}"/>
+                <a16:creationId xmlns:a16="http://schemas.microsoft.com/office/drawing/2014/main" id="{C92F0448-E3EB-43E2-A7BE-0767BBFAC78C}"/>
               </a:ext>
               <a:ext uri="{C183D7F6-B498-43B3-948B-1728B52AA6E4}">
                 <adec:decorative xmlns:adec="http://schemas.microsoft.com/office/drawing/2017/decorative" val="1"/>
@@ -25462,10 +26099,10 @@
       </p:sp>
       <p:sp>
         <p:nvSpPr>
-          <p:cNvPr id="45" name="Rectangle 25">
+          <p:cNvPr id="87" name="Rectangle 86">
             <a:extLst>
               <a:ext uri="{FF2B5EF4-FFF2-40B4-BE49-F238E27FC236}">
-                <a16:creationId xmlns:a16="http://schemas.microsoft.com/office/drawing/2014/main" id="{6725D8DC-BE92-40DD-9549-F7AEF08AD8B4}"/>
+                <a16:creationId xmlns:a16="http://schemas.microsoft.com/office/drawing/2014/main" id="{BC450B77-9635-4D12-A13F-BD687A078290}"/>
               </a:ext>
               <a:ext uri="{C183D7F6-B498-43B3-948B-1728B52AA6E4}">
                 <adec:decorative xmlns:adec="http://schemas.microsoft.com/office/drawing/2017/decorative" val="1"/>
@@ -25552,8 +26189,8 @@
         </p:nvSpPr>
         <p:spPr>
           <a:xfrm>
-            <a:off x="659301" y="1474969"/>
-            <a:ext cx="2823919" cy="1868760"/>
+            <a:off x="8673476" y="1468464"/>
+            <a:ext cx="2858835" cy="1873219"/>
           </a:xfrm>
         </p:spPr>
         <p:txBody>
@@ -25569,60 +26206,12 @@
           </a:p>
         </p:txBody>
       </p:sp>
-      <p:cxnSp>
-        <p:nvCxnSpPr>
-          <p:cNvPr id="46" name="Straight Connector 27">
+      <p:grpSp>
+        <p:nvGrpSpPr>
+          <p:cNvPr id="89" name="Group 88">
             <a:extLst>
               <a:ext uri="{FF2B5EF4-FFF2-40B4-BE49-F238E27FC236}">
-                <a16:creationId xmlns:a16="http://schemas.microsoft.com/office/drawing/2014/main" id="{975635D4-59F6-4E0C-A2E3-59DAA6734D53}"/>
-              </a:ext>
-              <a:ext uri="{C183D7F6-B498-43B3-948B-1728B52AA6E4}">
-                <adec:decorative xmlns:adec="http://schemas.microsoft.com/office/drawing/2017/decorative" val="1"/>
-              </a:ext>
-            </a:extLst>
-          </p:cNvPr>
-          <p:cNvCxnSpPr>
-            <a:cxnSpLocks noGrp="1" noRot="1" noChangeAspect="1" noMove="1" noResize="1" noEditPoints="1" noAdjustHandles="1" noChangeArrowheads="1" noChangeShapeType="1"/>
-          </p:cNvCxnSpPr>
-          <p:nvPr>
-            <p:extLst>
-              <p:ext uri="{386F3935-93C4-4BCD-93E2-E3B085C9AB24}">
-                <p16:designElem xmlns:p16="http://schemas.microsoft.com/office/powerpoint/2015/main" val="1"/>
-              </p:ext>
-            </p:extLst>
-          </p:nvPr>
-        </p:nvCxnSpPr>
-        <p:spPr>
-          <a:xfrm>
-            <a:off x="659301" y="3528543"/>
-            <a:ext cx="2823919" cy="0"/>
-          </a:xfrm>
-          <a:prstGeom prst="line">
-            <a:avLst/>
-          </a:prstGeom>
-          <a:ln w="31750"/>
-        </p:spPr>
-        <p:style>
-          <a:lnRef idx="3">
-            <a:schemeClr val="accent1"/>
-          </a:lnRef>
-          <a:fillRef idx="0">
-            <a:schemeClr val="accent1"/>
-          </a:fillRef>
-          <a:effectRef idx="2">
-            <a:schemeClr val="accent1"/>
-          </a:effectRef>
-          <a:fontRef idx="minor">
-            <a:schemeClr val="tx1"/>
-          </a:fontRef>
-        </p:style>
-      </p:cxnSp>
-      <p:grpSp>
-        <p:nvGrpSpPr>
-          <p:cNvPr id="47" name="Group 29">
-            <a:extLst>
-              <a:ext uri="{FF2B5EF4-FFF2-40B4-BE49-F238E27FC236}">
-                <a16:creationId xmlns:a16="http://schemas.microsoft.com/office/drawing/2014/main" id="{31A337E9-3E65-4D92-9914-38E9BE5C0F57}"/>
+                <a16:creationId xmlns:a16="http://schemas.microsoft.com/office/drawing/2014/main" id="{3AAEC439-0F1D-4A17-BFD6-D1B5C0D0BC7D}"/>
               </a:ext>
               <a:ext uri="{C183D7F6-B498-43B3-948B-1728B52AA6E4}">
                 <adec:decorative xmlns:adec="http://schemas.microsoft.com/office/drawing/2017/decorative" val="1"/>
@@ -25642,18 +26231,18 @@
         </p:nvGrpSpPr>
         <p:grpSpPr>
           <a:xfrm>
-            <a:off x="3979389" y="482171"/>
-            <a:ext cx="7560115" cy="5149101"/>
-            <a:chOff x="7463258" y="583365"/>
-            <a:chExt cx="7560115" cy="5181928"/>
+            <a:off x="649418" y="477854"/>
+            <a:ext cx="3690924" cy="1899398"/>
+            <a:chOff x="7807230" y="2012810"/>
+            <a:chExt cx="3251252" cy="3459865"/>
           </a:xfrm>
         </p:grpSpPr>
         <p:sp>
           <p:nvSpPr>
-            <p:cNvPr id="31" name="Rectangle 30">
+            <p:cNvPr id="90" name="Rectangle 89">
               <a:extLst>
                 <a:ext uri="{FF2B5EF4-FFF2-40B4-BE49-F238E27FC236}">
-                  <a16:creationId xmlns:a16="http://schemas.microsoft.com/office/drawing/2014/main" id="{A829D884-C398-4403-851C-7A416A6D2BE7}"/>
+                  <a16:creationId xmlns:a16="http://schemas.microsoft.com/office/drawing/2014/main" id="{1E6FCC67-2214-4BE2-9F21-F49F4C2364B6}"/>
                 </a:ext>
                 <a:ext uri="{C183D7F6-B498-43B3-948B-1728B52AA6E4}">
                   <adec:decorative xmlns:adec="http://schemas.microsoft.com/office/drawing/2017/decorative" val="1"/>
@@ -25671,8 +26260,8 @@
           </p:nvSpPr>
           <p:spPr>
             <a:xfrm>
-              <a:off x="7463258" y="583365"/>
-              <a:ext cx="7560115" cy="5181928"/>
+              <a:off x="7807230" y="2012810"/>
+              <a:ext cx="3251252" cy="3459865"/>
             </a:xfrm>
             <a:prstGeom prst="rect">
               <a:avLst/>
@@ -25692,7 +26281,7 @@
               <a:miter lim="800000"/>
             </a:ln>
             <a:effectLst>
-              <a:outerShdw blurRad="127000" dist="228600" dir="4740000" sx="98000" sy="98000" algn="tl" rotWithShape="0">
+              <a:outerShdw blurRad="127000" dist="190500" dir="4740000" sx="98000" sy="98000" algn="tl" rotWithShape="0">
                 <a:srgbClr val="000000">
                   <a:alpha val="34000"/>
                 </a:srgbClr>
@@ -25731,10 +26320,10 @@
         </p:sp>
         <p:sp>
           <p:nvSpPr>
-            <p:cNvPr id="48" name="Rectangle 31">
+            <p:cNvPr id="91" name="Rectangle 90">
               <a:extLst>
                 <a:ext uri="{FF2B5EF4-FFF2-40B4-BE49-F238E27FC236}">
-                  <a16:creationId xmlns:a16="http://schemas.microsoft.com/office/drawing/2014/main" id="{7574ACA0-4C16-4E2D-B3EC-2E55B99F606B}"/>
+                  <a16:creationId xmlns:a16="http://schemas.microsoft.com/office/drawing/2014/main" id="{06CE4255-9F6B-41BF-9501-B899244CBFC8}"/>
                 </a:ext>
                 <a:ext uri="{C183D7F6-B498-43B3-948B-1728B52AA6E4}">
                   <adec:decorative xmlns:adec="http://schemas.microsoft.com/office/drawing/2017/decorative" val="1"/>
@@ -25752,24 +26341,16 @@
           </p:nvSpPr>
           <p:spPr>
             <a:xfrm>
-              <a:off x="7776317" y="915807"/>
-              <a:ext cx="6928279" cy="4494927"/>
+              <a:off x="7807231" y="2026142"/>
+              <a:ext cx="3251250" cy="3440203"/>
             </a:xfrm>
             <a:prstGeom prst="rect">
               <a:avLst/>
             </a:prstGeom>
-            <a:gradFill>
-              <a:gsLst>
-                <a:gs pos="0">
-                  <a:srgbClr val="DADADA"/>
-                </a:gs>
-                <a:gs pos="100000">
-                  <a:srgbClr val="FFFFFE"/>
-                </a:gs>
-              </a:gsLst>
-              <a:lin ang="16200000" scaled="0"/>
-            </a:gradFill>
-            <a:ln w="50800" cmpd="sng">
+            <a:solidFill>
+              <a:srgbClr val="FFFFFE"/>
+            </a:solidFill>
+            <a:ln w="76200" cmpd="sng">
               <a:solidFill>
                 <a:srgbClr val="191919"/>
               </a:solidFill>
@@ -25787,7 +26368,7 @@
               <a:lightRig rig="threePt" dir="t"/>
             </a:scene3d>
             <a:sp3d>
-              <a:bevelT prst="relaxedInset"/>
+              <a:bevelT w="38100" h="38100" prst="relaxedInset"/>
             </a:sp3d>
           </p:spPr>
           <p:style>
@@ -25814,12 +26395,88 @@
           </p:txBody>
         </p:sp>
       </p:grpSp>
+      <p:pic>
+        <p:nvPicPr>
+          <p:cNvPr id="30" name="Picture 29">
+            <a:extLst>
+              <a:ext uri="{FF2B5EF4-FFF2-40B4-BE49-F238E27FC236}">
+                <a16:creationId xmlns:a16="http://schemas.microsoft.com/office/drawing/2014/main" id="{19EDB37A-16BC-49A4-ACF6-FCCF980B214D}"/>
+              </a:ext>
+            </a:extLst>
+          </p:cNvPr>
+          <p:cNvPicPr/>
+          <p:nvPr/>
+        </p:nvPicPr>
+        <p:blipFill>
+          <a:blip r:embed="rId3"/>
+          <a:stretch>
+            <a:fillRect/>
+          </a:stretch>
+        </p:blipFill>
+        <p:spPr>
+          <a:xfrm>
+            <a:off x="1054091" y="637525"/>
+            <a:ext cx="2869626" cy="1578294"/>
+          </a:xfrm>
+          <a:prstGeom prst="rect">
+            <a:avLst/>
+          </a:prstGeom>
+        </p:spPr>
+      </p:pic>
+      <p:cxnSp>
+        <p:nvCxnSpPr>
+          <p:cNvPr id="93" name="Straight Connector 92">
+            <a:extLst>
+              <a:ext uri="{FF2B5EF4-FFF2-40B4-BE49-F238E27FC236}">
+                <a16:creationId xmlns:a16="http://schemas.microsoft.com/office/drawing/2014/main" id="{F113F62F-D278-402A-8D44-9436FBDDEFC2}"/>
+              </a:ext>
+              <a:ext uri="{C183D7F6-B498-43B3-948B-1728B52AA6E4}">
+                <adec:decorative xmlns:adec="http://schemas.microsoft.com/office/drawing/2017/decorative" val="1"/>
+              </a:ext>
+            </a:extLst>
+          </p:cNvPr>
+          <p:cNvCxnSpPr>
+            <a:cxnSpLocks noGrp="1" noRot="1" noChangeAspect="1" noMove="1" noResize="1" noEditPoints="1" noAdjustHandles="1" noChangeArrowheads="1" noChangeShapeType="1"/>
+          </p:cNvCxnSpPr>
+          <p:nvPr>
+            <p:extLst>
+              <p:ext uri="{386F3935-93C4-4BCD-93E2-E3B085C9AB24}">
+                <p16:designElem xmlns:p16="http://schemas.microsoft.com/office/powerpoint/2015/main" val="1"/>
+              </p:ext>
+            </p:extLst>
+          </p:nvPr>
+        </p:nvCxnSpPr>
+        <p:spPr>
+          <a:xfrm>
+            <a:off x="8680960" y="3526496"/>
+            <a:ext cx="2844424" cy="0"/>
+          </a:xfrm>
+          <a:prstGeom prst="line">
+            <a:avLst/>
+          </a:prstGeom>
+          <a:ln w="31750"/>
+        </p:spPr>
+        <p:style>
+          <a:lnRef idx="3">
+            <a:schemeClr val="accent1"/>
+          </a:lnRef>
+          <a:fillRef idx="0">
+            <a:schemeClr val="accent1"/>
+          </a:fillRef>
+          <a:effectRef idx="2">
+            <a:schemeClr val="accent1"/>
+          </a:effectRef>
+          <a:fontRef idx="minor">
+            <a:schemeClr val="tx1"/>
+          </a:fontRef>
+        </p:style>
+      </p:cxnSp>
       <p:sp>
         <p:nvSpPr>
-          <p:cNvPr id="49" name="Rectangle 33">
+          <p:cNvPr id="95" name="Rectangle 94">
             <a:extLst>
               <a:ext uri="{FF2B5EF4-FFF2-40B4-BE49-F238E27FC236}">
-                <a16:creationId xmlns:a16="http://schemas.microsoft.com/office/drawing/2014/main" id="{0630B6FA-D606-42CD-837B-B22D5EA40579}"/>
+                <a16:creationId xmlns:a16="http://schemas.microsoft.com/office/drawing/2014/main" id="{2D14D26D-FA2C-4871-965F-AF84BF27DAD2}"/>
               </a:ext>
               <a:ext uri="{C183D7F6-B498-43B3-948B-1728B52AA6E4}">
                 <adec:decorative xmlns:adec="http://schemas.microsoft.com/office/drawing/2017/decorative" val="1"/>
@@ -25839,31 +26496,28 @@
         </p:nvSpPr>
         <p:spPr>
           <a:xfrm>
-            <a:off x="4472130" y="977099"/>
-            <a:ext cx="6597725" cy="4136205"/>
+            <a:off x="645132" y="5447610"/>
+            <a:ext cx="163726" cy="164592"/>
           </a:xfrm>
           <a:prstGeom prst="rect">
             <a:avLst/>
           </a:prstGeom>
           <a:solidFill>
-            <a:srgbClr val="FFFFFE"/>
+            <a:srgbClr val="FF265A"/>
           </a:solidFill>
-          <a:ln w="6350">
-            <a:solidFill>
-              <a:schemeClr val="bg2"/>
-            </a:solidFill>
+          <a:ln>
+            <a:noFill/>
           </a:ln>
+          <a:effectLst/>
         </p:spPr>
         <p:style>
-          <a:lnRef idx="2">
-            <a:schemeClr val="accent1">
-              <a:shade val="50000"/>
-            </a:schemeClr>
+          <a:lnRef idx="1">
+            <a:schemeClr val="accent1"/>
           </a:lnRef>
-          <a:fillRef idx="1">
+          <a:fillRef idx="3">
             <a:schemeClr val="accent1"/>
           </a:fillRef>
-          <a:effectRef idx="0">
+          <a:effectRef idx="2">
             <a:schemeClr val="accent1"/>
           </a:effectRef>
           <a:fontRef idx="minor">
@@ -25879,80 +26533,412 @@
           </a:p>
         </p:txBody>
       </p:sp>
+      <p:grpSp>
+        <p:nvGrpSpPr>
+          <p:cNvPr id="97" name="Group 96">
+            <a:extLst>
+              <a:ext uri="{FF2B5EF4-FFF2-40B4-BE49-F238E27FC236}">
+                <a16:creationId xmlns:a16="http://schemas.microsoft.com/office/drawing/2014/main" id="{B87C1468-C83E-4DF0-AFC4-12F245CDEB5E}"/>
+              </a:ext>
+              <a:ext uri="{C183D7F6-B498-43B3-948B-1728B52AA6E4}">
+                <adec:decorative xmlns:adec="http://schemas.microsoft.com/office/drawing/2017/decorative" val="1"/>
+              </a:ext>
+            </a:extLst>
+          </p:cNvPr>
+          <p:cNvGrpSpPr>
+            <a:grpSpLocks noGrp="1" noUngrp="1" noRot="1" noChangeAspect="1" noMove="1" noResize="1"/>
+          </p:cNvGrpSpPr>
+          <p:nvPr>
+            <p:extLst>
+              <p:ext uri="{386F3935-93C4-4BCD-93E2-E3B085C9AB24}">
+                <p16:designElem xmlns:p16="http://schemas.microsoft.com/office/powerpoint/2015/main" val="1"/>
+              </p:ext>
+            </p:extLst>
+          </p:nvPr>
+        </p:nvGrpSpPr>
+        <p:grpSpPr>
+          <a:xfrm>
+            <a:off x="639509" y="2542318"/>
+            <a:ext cx="3690924" cy="3074978"/>
+            <a:chOff x="7807230" y="2012810"/>
+            <a:chExt cx="3251252" cy="3459865"/>
+          </a:xfrm>
+        </p:grpSpPr>
+        <p:sp>
+          <p:nvSpPr>
+            <p:cNvPr id="98" name="Rectangle 97">
+              <a:extLst>
+                <a:ext uri="{FF2B5EF4-FFF2-40B4-BE49-F238E27FC236}">
+                  <a16:creationId xmlns:a16="http://schemas.microsoft.com/office/drawing/2014/main" id="{FBE08E73-922F-4869-89A7-AC072C1D16A8}"/>
+                </a:ext>
+                <a:ext uri="{C183D7F6-B498-43B3-948B-1728B52AA6E4}">
+                  <adec:decorative xmlns:adec="http://schemas.microsoft.com/office/drawing/2017/decorative" val="1"/>
+                </a:ext>
+              </a:extLst>
+            </p:cNvPr>
+            <p:cNvSpPr/>
+            <p:nvPr>
+              <p:extLst>
+                <p:ext uri="{386F3935-93C4-4BCD-93E2-E3B085C9AB24}">
+                  <p16:designElem xmlns:p16="http://schemas.microsoft.com/office/powerpoint/2015/main" val="1"/>
+                </p:ext>
+              </p:extLst>
+            </p:nvPr>
+          </p:nvSpPr>
+          <p:spPr>
+            <a:xfrm>
+              <a:off x="7807230" y="2012810"/>
+              <a:ext cx="3251252" cy="3459865"/>
+            </a:xfrm>
+            <a:prstGeom prst="rect">
+              <a:avLst/>
+            </a:prstGeom>
+            <a:gradFill>
+              <a:gsLst>
+                <a:gs pos="0">
+                  <a:srgbClr val="000001"/>
+                </a:gs>
+                <a:gs pos="100000">
+                  <a:srgbClr val="191919"/>
+                </a:gs>
+              </a:gsLst>
+            </a:gradFill>
+            <a:ln w="76200" cmpd="sng">
+              <a:noFill/>
+              <a:miter lim="800000"/>
+            </a:ln>
+            <a:effectLst>
+              <a:outerShdw blurRad="127000" dist="190500" dir="4740000" sx="98000" sy="98000" algn="tl" rotWithShape="0">
+                <a:srgbClr val="000000">
+                  <a:alpha val="34000"/>
+                </a:srgbClr>
+              </a:outerShdw>
+            </a:effectLst>
+            <a:scene3d>
+              <a:camera prst="orthographicFront"/>
+              <a:lightRig rig="threePt" dir="t"/>
+            </a:scene3d>
+            <a:sp3d>
+              <a:bevelT w="152400" h="50800" prst="softRound"/>
+            </a:sp3d>
+          </p:spPr>
+          <p:style>
+            <a:lnRef idx="1">
+              <a:schemeClr val="accent1"/>
+            </a:lnRef>
+            <a:fillRef idx="3">
+              <a:schemeClr val="accent1"/>
+            </a:fillRef>
+            <a:effectRef idx="2">
+              <a:schemeClr val="accent1"/>
+            </a:effectRef>
+            <a:fontRef idx="minor">
+              <a:schemeClr val="lt1"/>
+            </a:fontRef>
+          </p:style>
+          <p:txBody>
+            <a:bodyPr rtlCol="0" anchor="ctr"/>
+            <a:lstStyle/>
+            <a:p>
+              <a:pPr algn="ctr"/>
+              <a:endParaRPr lang="en-US"/>
+            </a:p>
+          </p:txBody>
+        </p:sp>
+        <p:sp>
+          <p:nvSpPr>
+            <p:cNvPr id="99" name="Rectangle 98">
+              <a:extLst>
+                <a:ext uri="{FF2B5EF4-FFF2-40B4-BE49-F238E27FC236}">
+                  <a16:creationId xmlns:a16="http://schemas.microsoft.com/office/drawing/2014/main" id="{826C6EE4-1C42-4228-BF45-D59469A7B090}"/>
+                </a:ext>
+                <a:ext uri="{C183D7F6-B498-43B3-948B-1728B52AA6E4}">
+                  <adec:decorative xmlns:adec="http://schemas.microsoft.com/office/drawing/2017/decorative" val="1"/>
+                </a:ext>
+              </a:extLst>
+            </p:cNvPr>
+            <p:cNvSpPr/>
+            <p:nvPr>
+              <p:extLst>
+                <p:ext uri="{386F3935-93C4-4BCD-93E2-E3B085C9AB24}">
+                  <p16:designElem xmlns:p16="http://schemas.microsoft.com/office/powerpoint/2015/main" val="1"/>
+                </p:ext>
+              </p:extLst>
+            </p:nvPr>
+          </p:nvSpPr>
+          <p:spPr>
+            <a:xfrm>
+              <a:off x="7807231" y="2026142"/>
+              <a:ext cx="3251250" cy="3440203"/>
+            </a:xfrm>
+            <a:prstGeom prst="rect">
+              <a:avLst/>
+            </a:prstGeom>
+            <a:solidFill>
+              <a:srgbClr val="FFFFFE"/>
+            </a:solidFill>
+            <a:ln w="76200" cmpd="sng">
+              <a:solidFill>
+                <a:srgbClr val="191919"/>
+              </a:solidFill>
+              <a:miter lim="800000"/>
+            </a:ln>
+            <a:effectLst>
+              <a:innerShdw blurRad="63500" dist="88900" dir="14100000">
+                <a:srgbClr val="000000">
+                  <a:alpha val="30000"/>
+                </a:srgbClr>
+              </a:innerShdw>
+            </a:effectLst>
+            <a:scene3d>
+              <a:camera prst="orthographicFront"/>
+              <a:lightRig rig="threePt" dir="t"/>
+            </a:scene3d>
+            <a:sp3d>
+              <a:bevelT w="38100" h="38100" prst="relaxedInset"/>
+            </a:sp3d>
+          </p:spPr>
+          <p:style>
+            <a:lnRef idx="1">
+              <a:schemeClr val="accent1"/>
+            </a:lnRef>
+            <a:fillRef idx="3">
+              <a:schemeClr val="accent1"/>
+            </a:fillRef>
+            <a:effectRef idx="2">
+              <a:schemeClr val="accent1"/>
+            </a:effectRef>
+            <a:fontRef idx="minor">
+              <a:schemeClr val="lt1"/>
+            </a:fontRef>
+          </p:style>
+          <p:txBody>
+            <a:bodyPr rtlCol="0" anchor="ctr"/>
+            <a:lstStyle/>
+            <a:p>
+              <a:pPr algn="ctr"/>
+              <a:endParaRPr lang="en-US"/>
+            </a:p>
+          </p:txBody>
+        </p:sp>
+      </p:grpSp>
       <p:pic>
         <p:nvPicPr>
-          <p:cNvPr id="11" name="Content Placeholder 10" descr="Chart, pie chart&#10;&#10;Description automatically generated">
+          <p:cNvPr id="32" name="Picture 31">
             <a:extLst>
               <a:ext uri="{FF2B5EF4-FFF2-40B4-BE49-F238E27FC236}">
-                <a16:creationId xmlns:a16="http://schemas.microsoft.com/office/drawing/2014/main" id="{1D6148E2-FA16-4914-80DE-3C122FE73642}"/>
+                <a16:creationId xmlns:a16="http://schemas.microsoft.com/office/drawing/2014/main" id="{8D21B865-5C0C-4D1F-B258-10F49B98ECEC}"/>
               </a:ext>
             </a:extLst>
           </p:cNvPr>
-          <p:cNvPicPr>
-            <a:picLocks noGrp="1" noChangeAspect="1"/>
-          </p:cNvPicPr>
-          <p:nvPr>
-            <p:ph idx="1"/>
-          </p:nvPr>
+          <p:cNvPicPr/>
+          <p:nvPr/>
         </p:nvPicPr>
         <p:blipFill>
-          <a:blip r:embed="rId3">
-            <a:extLst>
-              <a:ext uri="{28A0092B-C50C-407E-A947-70E740481C1C}">
-                <a14:useLocalDpi xmlns:a14="http://schemas.microsoft.com/office/drawing/2010/main" val="0"/>
-              </a:ext>
-            </a:extLst>
-          </a:blip>
+          <a:blip r:embed="rId4"/>
           <a:stretch>
             <a:fillRect/>
           </a:stretch>
         </p:blipFill>
         <p:spPr>
           <a:xfrm>
-            <a:off x="4628931" y="1749103"/>
-            <a:ext cx="3059596" cy="2600656"/>
+            <a:off x="1010317" y="2706910"/>
+            <a:ext cx="2954931" cy="2740699"/>
           </a:xfrm>
           <a:prstGeom prst="rect">
             <a:avLst/>
           </a:prstGeom>
         </p:spPr>
       </p:pic>
-      <p:pic>
-        <p:nvPicPr>
-          <p:cNvPr id="5" name="Content Placeholder 4" descr="Graphical user interface, text, application&#10;&#10;Description automatically generated">
+      <p:grpSp>
+        <p:nvGrpSpPr>
+          <p:cNvPr id="101" name="Group 100">
             <a:extLst>
               <a:ext uri="{FF2B5EF4-FFF2-40B4-BE49-F238E27FC236}">
-                <a16:creationId xmlns:a16="http://schemas.microsoft.com/office/drawing/2014/main" id="{8326D11F-A4DE-4C1F-92E8-3D1CD9B25CBF}"/>
+                <a16:creationId xmlns:a16="http://schemas.microsoft.com/office/drawing/2014/main" id="{3D4A2946-485C-49BF-94BB-D9D9FBC48439}"/>
+              </a:ext>
+              <a:ext uri="{C183D7F6-B498-43B3-948B-1728B52AA6E4}">
+                <adec:decorative xmlns:adec="http://schemas.microsoft.com/office/drawing/2017/decorative" val="1"/>
               </a:ext>
             </a:extLst>
           </p:cNvPr>
-          <p:cNvPicPr>
-            <a:picLocks noChangeAspect="1"/>
-          </p:cNvPicPr>
-          <p:nvPr/>
-        </p:nvPicPr>
-        <p:blipFill>
-          <a:blip r:embed="rId4">
-            <a:extLst>
-              <a:ext uri="{28A0092B-C50C-407E-A947-70E740481C1C}">
-                <a14:useLocalDpi xmlns:a14="http://schemas.microsoft.com/office/drawing/2010/main" val="0"/>
-              </a:ext>
-            </a:extLst>
-          </a:blip>
-          <a:stretch>
-            <a:fillRect/>
-          </a:stretch>
-        </p:blipFill>
-        <p:spPr>
+          <p:cNvGrpSpPr>
+            <a:grpSpLocks noGrp="1" noUngrp="1" noRot="1" noChangeAspect="1" noMove="1" noResize="1"/>
+          </p:cNvGrpSpPr>
+          <p:nvPr>
+            <p:extLst>
+              <p:ext uri="{386F3935-93C4-4BCD-93E2-E3B085C9AB24}">
+                <p16:designElem xmlns:p16="http://schemas.microsoft.com/office/powerpoint/2015/main" val="1"/>
+              </p:ext>
+            </p:extLst>
+          </p:nvPr>
+        </p:nvGrpSpPr>
+        <p:grpSpPr>
           <a:xfrm>
-            <a:off x="7847626" y="1494837"/>
-            <a:ext cx="3059596" cy="1093805"/>
+            <a:off x="4501429" y="472933"/>
+            <a:ext cx="3690924" cy="3074978"/>
+            <a:chOff x="7807230" y="2012810"/>
+            <a:chExt cx="3251252" cy="3459865"/>
           </a:xfrm>
-          <a:prstGeom prst="rect">
-            <a:avLst/>
-          </a:prstGeom>
-        </p:spPr>
-      </p:pic>
+        </p:grpSpPr>
+        <p:sp>
+          <p:nvSpPr>
+            <p:cNvPr id="102" name="Rectangle 101">
+              <a:extLst>
+                <a:ext uri="{FF2B5EF4-FFF2-40B4-BE49-F238E27FC236}">
+                  <a16:creationId xmlns:a16="http://schemas.microsoft.com/office/drawing/2014/main" id="{EB6FEC13-B4A8-4F3B-A04B-D374B62F9E4F}"/>
+                </a:ext>
+                <a:ext uri="{C183D7F6-B498-43B3-948B-1728B52AA6E4}">
+                  <adec:decorative xmlns:adec="http://schemas.microsoft.com/office/drawing/2017/decorative" val="1"/>
+                </a:ext>
+              </a:extLst>
+            </p:cNvPr>
+            <p:cNvSpPr/>
+            <p:nvPr>
+              <p:extLst>
+                <p:ext uri="{386F3935-93C4-4BCD-93E2-E3B085C9AB24}">
+                  <p16:designElem xmlns:p16="http://schemas.microsoft.com/office/powerpoint/2015/main" val="1"/>
+                </p:ext>
+              </p:extLst>
+            </p:nvPr>
+          </p:nvSpPr>
+          <p:spPr>
+            <a:xfrm>
+              <a:off x="7807230" y="2012810"/>
+              <a:ext cx="3251252" cy="3459865"/>
+            </a:xfrm>
+            <a:prstGeom prst="rect">
+              <a:avLst/>
+            </a:prstGeom>
+            <a:gradFill>
+              <a:gsLst>
+                <a:gs pos="0">
+                  <a:srgbClr val="000001"/>
+                </a:gs>
+                <a:gs pos="100000">
+                  <a:srgbClr val="191919"/>
+                </a:gs>
+              </a:gsLst>
+            </a:gradFill>
+            <a:ln w="76200" cmpd="sng">
+              <a:noFill/>
+              <a:miter lim="800000"/>
+            </a:ln>
+            <a:effectLst>
+              <a:outerShdw blurRad="127000" dist="190500" dir="4740000" sx="98000" sy="98000" algn="tl" rotWithShape="0">
+                <a:srgbClr val="000000">
+                  <a:alpha val="34000"/>
+                </a:srgbClr>
+              </a:outerShdw>
+            </a:effectLst>
+            <a:scene3d>
+              <a:camera prst="orthographicFront"/>
+              <a:lightRig rig="threePt" dir="t"/>
+            </a:scene3d>
+            <a:sp3d>
+              <a:bevelT w="152400" h="50800" prst="softRound"/>
+            </a:sp3d>
+          </p:spPr>
+          <p:style>
+            <a:lnRef idx="1">
+              <a:schemeClr val="accent1"/>
+            </a:lnRef>
+            <a:fillRef idx="3">
+              <a:schemeClr val="accent1"/>
+            </a:fillRef>
+            <a:effectRef idx="2">
+              <a:schemeClr val="accent1"/>
+            </a:effectRef>
+            <a:fontRef idx="minor">
+              <a:schemeClr val="lt1"/>
+            </a:fontRef>
+          </p:style>
+          <p:txBody>
+            <a:bodyPr rtlCol="0" anchor="ctr"/>
+            <a:lstStyle/>
+            <a:p>
+              <a:pPr algn="ctr"/>
+              <a:endParaRPr lang="en-US"/>
+            </a:p>
+          </p:txBody>
+        </p:sp>
+        <p:sp>
+          <p:nvSpPr>
+            <p:cNvPr id="103" name="Rectangle 102">
+              <a:extLst>
+                <a:ext uri="{FF2B5EF4-FFF2-40B4-BE49-F238E27FC236}">
+                  <a16:creationId xmlns:a16="http://schemas.microsoft.com/office/drawing/2014/main" id="{697E0C27-BECF-43D8-97F1-F118ED9015E6}"/>
+                </a:ext>
+                <a:ext uri="{C183D7F6-B498-43B3-948B-1728B52AA6E4}">
+                  <adec:decorative xmlns:adec="http://schemas.microsoft.com/office/drawing/2017/decorative" val="1"/>
+                </a:ext>
+              </a:extLst>
+            </p:cNvPr>
+            <p:cNvSpPr/>
+            <p:nvPr>
+              <p:extLst>
+                <p:ext uri="{386F3935-93C4-4BCD-93E2-E3B085C9AB24}">
+                  <p16:designElem xmlns:p16="http://schemas.microsoft.com/office/powerpoint/2015/main" val="1"/>
+                </p:ext>
+              </p:extLst>
+            </p:nvPr>
+          </p:nvSpPr>
+          <p:spPr>
+            <a:xfrm>
+              <a:off x="7807231" y="2026142"/>
+              <a:ext cx="3251250" cy="3440203"/>
+            </a:xfrm>
+            <a:prstGeom prst="rect">
+              <a:avLst/>
+            </a:prstGeom>
+            <a:solidFill>
+              <a:srgbClr val="FFFFFE"/>
+            </a:solidFill>
+            <a:ln w="76200" cmpd="sng">
+              <a:solidFill>
+                <a:srgbClr val="191919"/>
+              </a:solidFill>
+              <a:miter lim="800000"/>
+            </a:ln>
+            <a:effectLst>
+              <a:innerShdw blurRad="63500" dist="88900" dir="14100000">
+                <a:srgbClr val="000000">
+                  <a:alpha val="30000"/>
+                </a:srgbClr>
+              </a:innerShdw>
+            </a:effectLst>
+            <a:scene3d>
+              <a:camera prst="orthographicFront"/>
+              <a:lightRig rig="threePt" dir="t"/>
+            </a:scene3d>
+            <a:sp3d>
+              <a:bevelT w="38100" h="38100" prst="relaxedInset"/>
+            </a:sp3d>
+          </p:spPr>
+          <p:style>
+            <a:lnRef idx="1">
+              <a:schemeClr val="accent1"/>
+            </a:lnRef>
+            <a:fillRef idx="3">
+              <a:schemeClr val="accent1"/>
+            </a:fillRef>
+            <a:effectRef idx="2">
+              <a:schemeClr val="accent1"/>
+            </a:effectRef>
+            <a:fontRef idx="minor">
+              <a:schemeClr val="lt1"/>
+            </a:fontRef>
+          </p:style>
+          <p:txBody>
+            <a:bodyPr rtlCol="0" anchor="ctr"/>
+            <a:lstStyle/>
+            <a:p>
+              <a:pPr algn="ctr"/>
+              <a:endParaRPr lang="en-US"/>
+            </a:p>
+          </p:txBody>
+        </p:sp>
+      </p:grpSp>
       <p:pic>
         <p:nvPicPr>
           <p:cNvPr id="9" name="Picture 8">
@@ -25981,8 +26967,233 @@
         </p:blipFill>
         <p:spPr>
           <a:xfrm>
-            <a:off x="7878810" y="3131727"/>
-            <a:ext cx="2997229" cy="1850789"/>
+            <a:off x="4670779" y="971139"/>
+            <a:ext cx="3357848" cy="2073470"/>
+          </a:xfrm>
+          <a:prstGeom prst="rect">
+            <a:avLst/>
+          </a:prstGeom>
+        </p:spPr>
+      </p:pic>
+      <p:grpSp>
+        <p:nvGrpSpPr>
+          <p:cNvPr id="105" name="Group 104">
+            <a:extLst>
+              <a:ext uri="{FF2B5EF4-FFF2-40B4-BE49-F238E27FC236}">
+                <a16:creationId xmlns:a16="http://schemas.microsoft.com/office/drawing/2014/main" id="{D0B9AD04-3903-4A8C-8ADF-1C5565AD92D2}"/>
+              </a:ext>
+              <a:ext uri="{C183D7F6-B498-43B3-948B-1728B52AA6E4}">
+                <adec:decorative xmlns:adec="http://schemas.microsoft.com/office/drawing/2017/decorative" val="1"/>
+              </a:ext>
+            </a:extLst>
+          </p:cNvPr>
+          <p:cNvGrpSpPr>
+            <a:grpSpLocks noGrp="1" noUngrp="1" noRot="1" noChangeAspect="1" noMove="1" noResize="1"/>
+          </p:cNvGrpSpPr>
+          <p:nvPr>
+            <p:extLst>
+              <p:ext uri="{386F3935-93C4-4BCD-93E2-E3B085C9AB24}">
+                <p16:designElem xmlns:p16="http://schemas.microsoft.com/office/powerpoint/2015/main" val="1"/>
+              </p:ext>
+            </p:extLst>
+          </p:nvPr>
+        </p:nvGrpSpPr>
+        <p:grpSpPr>
+          <a:xfrm>
+            <a:off x="4496017" y="3709644"/>
+            <a:ext cx="3690924" cy="1899398"/>
+            <a:chOff x="7807230" y="2012810"/>
+            <a:chExt cx="3251252" cy="3459865"/>
+          </a:xfrm>
+        </p:grpSpPr>
+        <p:sp>
+          <p:nvSpPr>
+            <p:cNvPr id="106" name="Rectangle 105">
+              <a:extLst>
+                <a:ext uri="{FF2B5EF4-FFF2-40B4-BE49-F238E27FC236}">
+                  <a16:creationId xmlns:a16="http://schemas.microsoft.com/office/drawing/2014/main" id="{FE2944F0-51D4-4652-A3C2-49992A6B3B68}"/>
+                </a:ext>
+                <a:ext uri="{C183D7F6-B498-43B3-948B-1728B52AA6E4}">
+                  <adec:decorative xmlns:adec="http://schemas.microsoft.com/office/drawing/2017/decorative" val="1"/>
+                </a:ext>
+              </a:extLst>
+            </p:cNvPr>
+            <p:cNvSpPr/>
+            <p:nvPr>
+              <p:extLst>
+                <p:ext uri="{386F3935-93C4-4BCD-93E2-E3B085C9AB24}">
+                  <p16:designElem xmlns:p16="http://schemas.microsoft.com/office/powerpoint/2015/main" val="1"/>
+                </p:ext>
+              </p:extLst>
+            </p:nvPr>
+          </p:nvSpPr>
+          <p:spPr>
+            <a:xfrm>
+              <a:off x="7807230" y="2012810"/>
+              <a:ext cx="3251252" cy="3459865"/>
+            </a:xfrm>
+            <a:prstGeom prst="rect">
+              <a:avLst/>
+            </a:prstGeom>
+            <a:gradFill>
+              <a:gsLst>
+                <a:gs pos="0">
+                  <a:srgbClr val="000001"/>
+                </a:gs>
+                <a:gs pos="100000">
+                  <a:srgbClr val="191919"/>
+                </a:gs>
+              </a:gsLst>
+            </a:gradFill>
+            <a:ln w="76200" cmpd="sng">
+              <a:noFill/>
+              <a:miter lim="800000"/>
+            </a:ln>
+            <a:effectLst>
+              <a:outerShdw blurRad="127000" dist="190500" dir="4740000" sx="98000" sy="98000" algn="tl" rotWithShape="0">
+                <a:srgbClr val="000000">
+                  <a:alpha val="34000"/>
+                </a:srgbClr>
+              </a:outerShdw>
+            </a:effectLst>
+            <a:scene3d>
+              <a:camera prst="orthographicFront"/>
+              <a:lightRig rig="threePt" dir="t"/>
+            </a:scene3d>
+            <a:sp3d>
+              <a:bevelT w="152400" h="50800" prst="softRound"/>
+            </a:sp3d>
+          </p:spPr>
+          <p:style>
+            <a:lnRef idx="1">
+              <a:schemeClr val="accent1"/>
+            </a:lnRef>
+            <a:fillRef idx="3">
+              <a:schemeClr val="accent1"/>
+            </a:fillRef>
+            <a:effectRef idx="2">
+              <a:schemeClr val="accent1"/>
+            </a:effectRef>
+            <a:fontRef idx="minor">
+              <a:schemeClr val="lt1"/>
+            </a:fontRef>
+          </p:style>
+          <p:txBody>
+            <a:bodyPr rtlCol="0" anchor="ctr"/>
+            <a:lstStyle/>
+            <a:p>
+              <a:pPr algn="ctr"/>
+              <a:endParaRPr lang="en-US"/>
+            </a:p>
+          </p:txBody>
+        </p:sp>
+        <p:sp>
+          <p:nvSpPr>
+            <p:cNvPr id="107" name="Rectangle 106">
+              <a:extLst>
+                <a:ext uri="{FF2B5EF4-FFF2-40B4-BE49-F238E27FC236}">
+                  <a16:creationId xmlns:a16="http://schemas.microsoft.com/office/drawing/2014/main" id="{63F763EE-62BD-49BF-B944-5AC2E130E722}"/>
+                </a:ext>
+                <a:ext uri="{C183D7F6-B498-43B3-948B-1728B52AA6E4}">
+                  <adec:decorative xmlns:adec="http://schemas.microsoft.com/office/drawing/2017/decorative" val="1"/>
+                </a:ext>
+              </a:extLst>
+            </p:cNvPr>
+            <p:cNvSpPr/>
+            <p:nvPr>
+              <p:extLst>
+                <p:ext uri="{386F3935-93C4-4BCD-93E2-E3B085C9AB24}">
+                  <p16:designElem xmlns:p16="http://schemas.microsoft.com/office/powerpoint/2015/main" val="1"/>
+                </p:ext>
+              </p:extLst>
+            </p:nvPr>
+          </p:nvSpPr>
+          <p:spPr>
+            <a:xfrm>
+              <a:off x="7807231" y="2026142"/>
+              <a:ext cx="3251250" cy="3440203"/>
+            </a:xfrm>
+            <a:prstGeom prst="rect">
+              <a:avLst/>
+            </a:prstGeom>
+            <a:solidFill>
+              <a:srgbClr val="FFFFFE"/>
+            </a:solidFill>
+            <a:ln w="76200" cmpd="sng">
+              <a:solidFill>
+                <a:srgbClr val="191919"/>
+              </a:solidFill>
+              <a:miter lim="800000"/>
+            </a:ln>
+            <a:effectLst>
+              <a:innerShdw blurRad="63500" dist="88900" dir="14100000">
+                <a:srgbClr val="000000">
+                  <a:alpha val="30000"/>
+                </a:srgbClr>
+              </a:innerShdw>
+            </a:effectLst>
+            <a:scene3d>
+              <a:camera prst="orthographicFront"/>
+              <a:lightRig rig="threePt" dir="t"/>
+            </a:scene3d>
+            <a:sp3d>
+              <a:bevelT w="38100" h="38100" prst="relaxedInset"/>
+            </a:sp3d>
+          </p:spPr>
+          <p:style>
+            <a:lnRef idx="1">
+              <a:schemeClr val="accent1"/>
+            </a:lnRef>
+            <a:fillRef idx="3">
+              <a:schemeClr val="accent1"/>
+            </a:fillRef>
+            <a:effectRef idx="2">
+              <a:schemeClr val="accent1"/>
+            </a:effectRef>
+            <a:fontRef idx="minor">
+              <a:schemeClr val="lt1"/>
+            </a:fontRef>
+          </p:style>
+          <p:txBody>
+            <a:bodyPr rtlCol="0" anchor="ctr"/>
+            <a:lstStyle/>
+            <a:p>
+              <a:pPr algn="ctr"/>
+              <a:endParaRPr lang="en-US"/>
+            </a:p>
+          </p:txBody>
+        </p:sp>
+      </p:grpSp>
+      <p:pic>
+        <p:nvPicPr>
+          <p:cNvPr id="5" name="Content Placeholder 4" descr="Graphical user interface, text, application&#10;&#10;Description automatically generated">
+            <a:extLst>
+              <a:ext uri="{FF2B5EF4-FFF2-40B4-BE49-F238E27FC236}">
+                <a16:creationId xmlns:a16="http://schemas.microsoft.com/office/drawing/2014/main" id="{8326D11F-A4DE-4C1F-92E8-3D1CD9B25CBF}"/>
+              </a:ext>
+            </a:extLst>
+          </p:cNvPr>
+          <p:cNvPicPr>
+            <a:picLocks noChangeAspect="1"/>
+          </p:cNvPicPr>
+          <p:nvPr/>
+        </p:nvPicPr>
+        <p:blipFill>
+          <a:blip r:embed="rId6">
+            <a:extLst>
+              <a:ext uri="{28A0092B-C50C-407E-A947-70E740481C1C}">
+                <a14:useLocalDpi xmlns:a14="http://schemas.microsoft.com/office/drawing/2010/main" val="0"/>
+              </a:ext>
+            </a:extLst>
+          </a:blip>
+          <a:stretch>
+            <a:fillRect/>
+          </a:stretch>
+        </p:blipFill>
+        <p:spPr>
+          <a:xfrm>
+            <a:off x="4655458" y="4057846"/>
+            <a:ext cx="3360091" cy="1201232"/>
           </a:xfrm>
           <a:prstGeom prst="rect">
             <a:avLst/>
@@ -25991,10 +27202,10 @@
       </p:pic>
       <p:pic>
         <p:nvPicPr>
-          <p:cNvPr id="50" name="Picture 35">
+          <p:cNvPr id="109" name="Picture 108">
             <a:extLst>
               <a:ext uri="{FF2B5EF4-FFF2-40B4-BE49-F238E27FC236}">
-                <a16:creationId xmlns:a16="http://schemas.microsoft.com/office/drawing/2014/main" id="{C29541A5-6D49-4B9E-882B-1FB81189A0F3}"/>
+                <a16:creationId xmlns:a16="http://schemas.microsoft.com/office/drawing/2014/main" id="{97D4C8B4-0BAB-48B7-9D89-C26EAAAEF052}"/>
               </a:ext>
               <a:ext uri="{C183D7F6-B498-43B3-948B-1728B52AA6E4}">
                 <adec:decorative xmlns:adec="http://schemas.microsoft.com/office/drawing/2017/decorative" val="1"/>
@@ -26035,10 +27246,10 @@
       </p:pic>
       <p:cxnSp>
         <p:nvCxnSpPr>
-          <p:cNvPr id="51" name="Straight Connector 37">
+          <p:cNvPr id="111" name="Straight Connector 110">
             <a:extLst>
               <a:ext uri="{FF2B5EF4-FFF2-40B4-BE49-F238E27FC236}">
-                <a16:creationId xmlns:a16="http://schemas.microsoft.com/office/drawing/2014/main" id="{252C905E-B2E4-4713-AEF7-165F6D8A2AE5}"/>
+                <a16:creationId xmlns:a16="http://schemas.microsoft.com/office/drawing/2014/main" id="{747D456C-D333-4F88-931F-EC1EB7648FEA}"/>
               </a:ext>
               <a:ext uri="{C183D7F6-B498-43B3-948B-1728B52AA6E4}">
                 <adec:decorative xmlns:adec="http://schemas.microsoft.com/office/drawing/2017/decorative" val="1"/>
